--- a/Presentation.pptx
+++ b/Presentation.pptx
@@ -255,7 +255,7 @@
           <a:p>
             <a:fld id="{0533F43A-018E-4957-8DDF-E1823C3A8838}" type="datetimeFigureOut">
               <a:rPr lang="en-US" smtClean="0"/>
-              <a:t>11/13/2019</a:t>
+              <a:t>11/14/2019</a:t>
             </a:fld>
             <a:endParaRPr lang="en-US"/>
           </a:p>
@@ -425,7 +425,7 @@
           <a:p>
             <a:fld id="{0533F43A-018E-4957-8DDF-E1823C3A8838}" type="datetimeFigureOut">
               <a:rPr lang="en-US" smtClean="0"/>
-              <a:t>11/13/2019</a:t>
+              <a:t>11/14/2019</a:t>
             </a:fld>
             <a:endParaRPr lang="en-US"/>
           </a:p>
@@ -605,7 +605,7 @@
           <a:p>
             <a:fld id="{0533F43A-018E-4957-8DDF-E1823C3A8838}" type="datetimeFigureOut">
               <a:rPr lang="en-US" smtClean="0"/>
-              <a:t>11/13/2019</a:t>
+              <a:t>11/14/2019</a:t>
             </a:fld>
             <a:endParaRPr lang="en-US"/>
           </a:p>
@@ -775,7 +775,7 @@
           <a:p>
             <a:fld id="{0533F43A-018E-4957-8DDF-E1823C3A8838}" type="datetimeFigureOut">
               <a:rPr lang="en-US" smtClean="0"/>
-              <a:t>11/13/2019</a:t>
+              <a:t>11/14/2019</a:t>
             </a:fld>
             <a:endParaRPr lang="en-US"/>
           </a:p>
@@ -1021,7 +1021,7 @@
           <a:p>
             <a:fld id="{0533F43A-018E-4957-8DDF-E1823C3A8838}" type="datetimeFigureOut">
               <a:rPr lang="en-US" smtClean="0"/>
-              <a:t>11/13/2019</a:t>
+              <a:t>11/14/2019</a:t>
             </a:fld>
             <a:endParaRPr lang="en-US"/>
           </a:p>
@@ -1253,7 +1253,7 @@
           <a:p>
             <a:fld id="{0533F43A-018E-4957-8DDF-E1823C3A8838}" type="datetimeFigureOut">
               <a:rPr lang="en-US" smtClean="0"/>
-              <a:t>11/13/2019</a:t>
+              <a:t>11/14/2019</a:t>
             </a:fld>
             <a:endParaRPr lang="en-US"/>
           </a:p>
@@ -1620,7 +1620,7 @@
           <a:p>
             <a:fld id="{0533F43A-018E-4957-8DDF-E1823C3A8838}" type="datetimeFigureOut">
               <a:rPr lang="en-US" smtClean="0"/>
-              <a:t>11/13/2019</a:t>
+              <a:t>11/14/2019</a:t>
             </a:fld>
             <a:endParaRPr lang="en-US"/>
           </a:p>
@@ -1738,7 +1738,7 @@
           <a:p>
             <a:fld id="{0533F43A-018E-4957-8DDF-E1823C3A8838}" type="datetimeFigureOut">
               <a:rPr lang="en-US" smtClean="0"/>
-              <a:t>11/13/2019</a:t>
+              <a:t>11/14/2019</a:t>
             </a:fld>
             <a:endParaRPr lang="en-US"/>
           </a:p>
@@ -1833,7 +1833,7 @@
           <a:p>
             <a:fld id="{0533F43A-018E-4957-8DDF-E1823C3A8838}" type="datetimeFigureOut">
               <a:rPr lang="en-US" smtClean="0"/>
-              <a:t>11/13/2019</a:t>
+              <a:t>11/14/2019</a:t>
             </a:fld>
             <a:endParaRPr lang="en-US"/>
           </a:p>
@@ -2110,7 +2110,7 @@
           <a:p>
             <a:fld id="{0533F43A-018E-4957-8DDF-E1823C3A8838}" type="datetimeFigureOut">
               <a:rPr lang="en-US" smtClean="0"/>
-              <a:t>11/13/2019</a:t>
+              <a:t>11/14/2019</a:t>
             </a:fld>
             <a:endParaRPr lang="en-US"/>
           </a:p>
@@ -2363,7 +2363,7 @@
           <a:p>
             <a:fld id="{0533F43A-018E-4957-8DDF-E1823C3A8838}" type="datetimeFigureOut">
               <a:rPr lang="en-US" smtClean="0"/>
-              <a:t>11/13/2019</a:t>
+              <a:t>11/14/2019</a:t>
             </a:fld>
             <a:endParaRPr lang="en-US"/>
           </a:p>
@@ -2576,7 +2576,7 @@
           <a:p>
             <a:fld id="{0533F43A-018E-4957-8DDF-E1823C3A8838}" type="datetimeFigureOut">
               <a:rPr lang="en-US" smtClean="0"/>
-              <a:t>11/13/2019</a:t>
+              <a:t>11/14/2019</a:t>
             </a:fld>
             <a:endParaRPr lang="en-US"/>
           </a:p>
@@ -3091,17 +3091,39 @@
           <a:p>
             <a:r>
               <a:rPr lang="en-US" dirty="0" smtClean="0"/>
-              <a:t>~3min showing off extra features</a:t>
-            </a:r>
-          </a:p>
-          <a:p>
+              <a:t>~3min showing off extra </a:t>
+            </a:r>
             <a:r>
               <a:rPr lang="en-US" dirty="0" smtClean="0"/>
-              <a:t>~5min explaining ONE technical decision </a:t>
-            </a:r>
-            <a:r>
-              <a:rPr lang="en-US" smtClean="0"/>
-              <a:t>in detail</a:t>
+              <a:t>features</a:t>
+            </a:r>
+          </a:p>
+          <a:p>
+            <a:pPr lvl="1"/>
+            <a:r>
+              <a:rPr lang="en-US" dirty="0" smtClean="0"/>
+              <a:t>Animations</a:t>
+            </a:r>
+          </a:p>
+          <a:p>
+            <a:pPr lvl="1"/>
+            <a:r>
+              <a:rPr lang="en-US" dirty="0" smtClean="0"/>
+              <a:t># of mobs</a:t>
+            </a:r>
+          </a:p>
+          <a:p>
+            <a:pPr lvl="1"/>
+            <a:r>
+              <a:rPr lang="en-US" dirty="0" smtClean="0"/>
+              <a:t>Combo multiplier</a:t>
+            </a:r>
+            <a:endParaRPr lang="en-US" dirty="0" smtClean="0"/>
+          </a:p>
+          <a:p>
+            <a:r>
+              <a:rPr lang="en-US" dirty="0" smtClean="0"/>
+              <a:t>~5min explaining ONE technical decision in detail</a:t>
             </a:r>
             <a:endParaRPr lang="en-US" dirty="0"/>
           </a:p>

--- a/Presentation.pptx
+++ b/Presentation.pptx
@@ -3091,11 +3091,7 @@
           <a:p>
             <a:r>
               <a:rPr lang="en-US" dirty="0" smtClean="0"/>
-              <a:t>~3min showing off extra </a:t>
-            </a:r>
-            <a:r>
-              <a:rPr lang="en-US" dirty="0" smtClean="0"/>
-              <a:t>features</a:t>
+              <a:t>~3min showing off extra features</a:t>
             </a:r>
           </a:p>
           <a:p>
@@ -3116,14 +3112,29 @@
             <a:pPr lvl="1"/>
             <a:r>
               <a:rPr lang="en-US" dirty="0" smtClean="0"/>
-              <a:t>Combo multiplier</a:t>
+              <a:t>Combo </a:t>
+            </a:r>
+            <a:r>
+              <a:rPr lang="en-US" dirty="0" smtClean="0"/>
+              <a:t>multiplier</a:t>
+            </a:r>
+          </a:p>
+          <a:p>
+            <a:pPr lvl="1"/>
+            <a:r>
+              <a:rPr lang="en-US" smtClean="0"/>
+              <a:t>Chicken.</a:t>
             </a:r>
             <a:endParaRPr lang="en-US" dirty="0" smtClean="0"/>
           </a:p>
           <a:p>
             <a:r>
               <a:rPr lang="en-US" dirty="0" smtClean="0"/>
-              <a:t>~5min explaining ONE technical decision in detail</a:t>
+              <a:t>~</a:t>
+            </a:r>
+            <a:r>
+              <a:rPr lang="en-US" dirty="0" smtClean="0"/>
+              <a:t>5min explaining ONE technical decision in detail</a:t>
             </a:r>
             <a:endParaRPr lang="en-US" dirty="0"/>
           </a:p>

--- a/Presentation.pptx
+++ b/Presentation.pptx
@@ -4,9 +4,19 @@
   <p:sldMasterIdLst>
     <p:sldMasterId id="2147483648" r:id="rId1"/>
   </p:sldMasterIdLst>
+  <p:notesMasterIdLst>
+    <p:notesMasterId r:id="rId11"/>
+  </p:notesMasterIdLst>
   <p:sldIdLst>
     <p:sldId id="256" r:id="rId2"/>
-    <p:sldId id="257" r:id="rId3"/>
+    <p:sldId id="258" r:id="rId3"/>
+    <p:sldId id="260" r:id="rId4"/>
+    <p:sldId id="259" r:id="rId5"/>
+    <p:sldId id="261" r:id="rId6"/>
+    <p:sldId id="265" r:id="rId7"/>
+    <p:sldId id="264" r:id="rId8"/>
+    <p:sldId id="262" r:id="rId9"/>
+    <p:sldId id="263" r:id="rId10"/>
   </p:sldIdLst>
   <p:sldSz cx="12192000" cy="6858000"/>
   <p:notesSz cx="6858000" cy="9144000"/>
@@ -122,6 +132,631 @@
     </p:ext>
   </p:extLst>
 </p:presentation>
+</file>
+
+<file path=ppt/notesMasters/notesMaster1.xml><?xml version="1.0" encoding="utf-8"?>
+<p:notesMaster xmlns:a="http://schemas.openxmlformats.org/drawingml/2006/main" xmlns:r="http://schemas.openxmlformats.org/officeDocument/2006/relationships" xmlns:p="http://schemas.openxmlformats.org/presentationml/2006/main">
+  <p:cSld>
+    <p:bg>
+      <p:bgRef idx="1001">
+        <a:schemeClr val="bg1"/>
+      </p:bgRef>
+    </p:bg>
+    <p:spTree>
+      <p:nvGrpSpPr>
+        <p:cNvPr id="1" name=""/>
+        <p:cNvGrpSpPr/>
+        <p:nvPr/>
+      </p:nvGrpSpPr>
+      <p:grpSpPr>
+        <a:xfrm>
+          <a:off x="0" y="0"/>
+          <a:ext cx="0" cy="0"/>
+          <a:chOff x="0" y="0"/>
+          <a:chExt cx="0" cy="0"/>
+        </a:xfrm>
+      </p:grpSpPr>
+      <p:sp>
+        <p:nvSpPr>
+          <p:cNvPr id="2" name="Header Placeholder 1"/>
+          <p:cNvSpPr>
+            <a:spLocks noGrp="1"/>
+          </p:cNvSpPr>
+          <p:nvPr>
+            <p:ph type="hdr" sz="quarter"/>
+          </p:nvPr>
+        </p:nvSpPr>
+        <p:spPr>
+          <a:xfrm>
+            <a:off x="0" y="0"/>
+            <a:ext cx="2971800" cy="458788"/>
+          </a:xfrm>
+          <a:prstGeom prst="rect">
+            <a:avLst/>
+          </a:prstGeom>
+        </p:spPr>
+        <p:txBody>
+          <a:bodyPr vert="horz" lIns="91440" tIns="45720" rIns="91440" bIns="45720" rtlCol="0"/>
+          <a:lstStyle>
+            <a:lvl1pPr algn="l">
+              <a:defRPr sz="1200"/>
+            </a:lvl1pPr>
+          </a:lstStyle>
+          <a:p>
+            <a:endParaRPr lang="en-US"/>
+          </a:p>
+        </p:txBody>
+      </p:sp>
+      <p:sp>
+        <p:nvSpPr>
+          <p:cNvPr id="3" name="Date Placeholder 2"/>
+          <p:cNvSpPr>
+            <a:spLocks noGrp="1"/>
+          </p:cNvSpPr>
+          <p:nvPr>
+            <p:ph type="dt" idx="1"/>
+          </p:nvPr>
+        </p:nvSpPr>
+        <p:spPr>
+          <a:xfrm>
+            <a:off x="3884613" y="0"/>
+            <a:ext cx="2971800" cy="458788"/>
+          </a:xfrm>
+          <a:prstGeom prst="rect">
+            <a:avLst/>
+          </a:prstGeom>
+        </p:spPr>
+        <p:txBody>
+          <a:bodyPr vert="horz" lIns="91440" tIns="45720" rIns="91440" bIns="45720" rtlCol="0"/>
+          <a:lstStyle>
+            <a:lvl1pPr algn="r">
+              <a:defRPr sz="1200"/>
+            </a:lvl1pPr>
+          </a:lstStyle>
+          <a:p>
+            <a:fld id="{3DC47907-6A46-4095-AAF5-C58E214B7F47}" type="datetimeFigureOut">
+              <a:rPr lang="en-US" smtClean="0"/>
+              <a:t>11/14/2019</a:t>
+            </a:fld>
+            <a:endParaRPr lang="en-US"/>
+          </a:p>
+        </p:txBody>
+      </p:sp>
+      <p:sp>
+        <p:nvSpPr>
+          <p:cNvPr id="4" name="Slide Image Placeholder 3"/>
+          <p:cNvSpPr>
+            <a:spLocks noGrp="1" noRot="1" noChangeAspect="1"/>
+          </p:cNvSpPr>
+          <p:nvPr>
+            <p:ph type="sldImg" idx="2"/>
+          </p:nvPr>
+        </p:nvSpPr>
+        <p:spPr>
+          <a:xfrm>
+            <a:off x="685800" y="1143000"/>
+            <a:ext cx="5486400" cy="3086100"/>
+          </a:xfrm>
+          <a:prstGeom prst="rect">
+            <a:avLst/>
+          </a:prstGeom>
+          <a:noFill/>
+          <a:ln w="12700">
+            <a:solidFill>
+              <a:prstClr val="black"/>
+            </a:solidFill>
+          </a:ln>
+        </p:spPr>
+        <p:txBody>
+          <a:bodyPr vert="horz" lIns="91440" tIns="45720" rIns="91440" bIns="45720" rtlCol="0" anchor="ctr"/>
+          <a:lstStyle/>
+          <a:p>
+            <a:endParaRPr lang="en-US"/>
+          </a:p>
+        </p:txBody>
+      </p:sp>
+      <p:sp>
+        <p:nvSpPr>
+          <p:cNvPr id="5" name="Notes Placeholder 4"/>
+          <p:cNvSpPr>
+            <a:spLocks noGrp="1"/>
+          </p:cNvSpPr>
+          <p:nvPr>
+            <p:ph type="body" sz="quarter" idx="3"/>
+          </p:nvPr>
+        </p:nvSpPr>
+        <p:spPr>
+          <a:xfrm>
+            <a:off x="685800" y="4400550"/>
+            <a:ext cx="5486400" cy="3600450"/>
+          </a:xfrm>
+          <a:prstGeom prst="rect">
+            <a:avLst/>
+          </a:prstGeom>
+        </p:spPr>
+        <p:txBody>
+          <a:bodyPr vert="horz" lIns="91440" tIns="45720" rIns="91440" bIns="45720" rtlCol="0"/>
+          <a:lstStyle/>
+          <a:p>
+            <a:pPr lvl="0"/>
+            <a:r>
+              <a:rPr lang="en-US" smtClean="0"/>
+              <a:t>Edit Master text styles</a:t>
+            </a:r>
+          </a:p>
+          <a:p>
+            <a:pPr lvl="1"/>
+            <a:r>
+              <a:rPr lang="en-US" smtClean="0"/>
+              <a:t>Second level</a:t>
+            </a:r>
+          </a:p>
+          <a:p>
+            <a:pPr lvl="2"/>
+            <a:r>
+              <a:rPr lang="en-US" smtClean="0"/>
+              <a:t>Third level</a:t>
+            </a:r>
+          </a:p>
+          <a:p>
+            <a:pPr lvl="3"/>
+            <a:r>
+              <a:rPr lang="en-US" smtClean="0"/>
+              <a:t>Fourth level</a:t>
+            </a:r>
+          </a:p>
+          <a:p>
+            <a:pPr lvl="4"/>
+            <a:r>
+              <a:rPr lang="en-US" smtClean="0"/>
+              <a:t>Fifth level</a:t>
+            </a:r>
+            <a:endParaRPr lang="en-US"/>
+          </a:p>
+        </p:txBody>
+      </p:sp>
+      <p:sp>
+        <p:nvSpPr>
+          <p:cNvPr id="6" name="Footer Placeholder 5"/>
+          <p:cNvSpPr>
+            <a:spLocks noGrp="1"/>
+          </p:cNvSpPr>
+          <p:nvPr>
+            <p:ph type="ftr" sz="quarter" idx="4"/>
+          </p:nvPr>
+        </p:nvSpPr>
+        <p:spPr>
+          <a:xfrm>
+            <a:off x="0" y="8685213"/>
+            <a:ext cx="2971800" cy="458787"/>
+          </a:xfrm>
+          <a:prstGeom prst="rect">
+            <a:avLst/>
+          </a:prstGeom>
+        </p:spPr>
+        <p:txBody>
+          <a:bodyPr vert="horz" lIns="91440" tIns="45720" rIns="91440" bIns="45720" rtlCol="0" anchor="b"/>
+          <a:lstStyle>
+            <a:lvl1pPr algn="l">
+              <a:defRPr sz="1200"/>
+            </a:lvl1pPr>
+          </a:lstStyle>
+          <a:p>
+            <a:endParaRPr lang="en-US"/>
+          </a:p>
+        </p:txBody>
+      </p:sp>
+      <p:sp>
+        <p:nvSpPr>
+          <p:cNvPr id="7" name="Slide Number Placeholder 6"/>
+          <p:cNvSpPr>
+            <a:spLocks noGrp="1"/>
+          </p:cNvSpPr>
+          <p:nvPr>
+            <p:ph type="sldNum" sz="quarter" idx="5"/>
+          </p:nvPr>
+        </p:nvSpPr>
+        <p:spPr>
+          <a:xfrm>
+            <a:off x="3884613" y="8685213"/>
+            <a:ext cx="2971800" cy="458787"/>
+          </a:xfrm>
+          <a:prstGeom prst="rect">
+            <a:avLst/>
+          </a:prstGeom>
+        </p:spPr>
+        <p:txBody>
+          <a:bodyPr vert="horz" lIns="91440" tIns="45720" rIns="91440" bIns="45720" rtlCol="0" anchor="b"/>
+          <a:lstStyle>
+            <a:lvl1pPr algn="r">
+              <a:defRPr sz="1200"/>
+            </a:lvl1pPr>
+          </a:lstStyle>
+          <a:p>
+            <a:fld id="{DA1D9DB0-3882-425E-911D-FDE8DB714920}" type="slidenum">
+              <a:rPr lang="en-US" smtClean="0"/>
+              <a:t>‹#›</a:t>
+            </a:fld>
+            <a:endParaRPr lang="en-US"/>
+          </a:p>
+        </p:txBody>
+      </p:sp>
+    </p:spTree>
+    <p:extLst>
+      <p:ext uri="{BB962C8B-B14F-4D97-AF65-F5344CB8AC3E}">
+        <p14:creationId xmlns:p14="http://schemas.microsoft.com/office/powerpoint/2010/main" val="1986245840"/>
+      </p:ext>
+    </p:extLst>
+  </p:cSld>
+  <p:clrMap bg1="lt1" tx1="dk1" bg2="lt2" tx2="dk2" accent1="accent1" accent2="accent2" accent3="accent3" accent4="accent4" accent5="accent5" accent6="accent6" hlink="hlink" folHlink="folHlink"/>
+  <p:notesStyle>
+    <a:lvl1pPr marL="0" algn="l" defTabSz="914400" rtl="0" eaLnBrk="1" latinLnBrk="0" hangingPunct="1">
+      <a:defRPr sz="1200" kern="1200">
+        <a:solidFill>
+          <a:schemeClr val="tx1"/>
+        </a:solidFill>
+        <a:latin typeface="+mn-lt"/>
+        <a:ea typeface="+mn-ea"/>
+        <a:cs typeface="+mn-cs"/>
+      </a:defRPr>
+    </a:lvl1pPr>
+    <a:lvl2pPr marL="457200" algn="l" defTabSz="914400" rtl="0" eaLnBrk="1" latinLnBrk="0" hangingPunct="1">
+      <a:defRPr sz="1200" kern="1200">
+        <a:solidFill>
+          <a:schemeClr val="tx1"/>
+        </a:solidFill>
+        <a:latin typeface="+mn-lt"/>
+        <a:ea typeface="+mn-ea"/>
+        <a:cs typeface="+mn-cs"/>
+      </a:defRPr>
+    </a:lvl2pPr>
+    <a:lvl3pPr marL="914400" algn="l" defTabSz="914400" rtl="0" eaLnBrk="1" latinLnBrk="0" hangingPunct="1">
+      <a:defRPr sz="1200" kern="1200">
+        <a:solidFill>
+          <a:schemeClr val="tx1"/>
+        </a:solidFill>
+        <a:latin typeface="+mn-lt"/>
+        <a:ea typeface="+mn-ea"/>
+        <a:cs typeface="+mn-cs"/>
+      </a:defRPr>
+    </a:lvl3pPr>
+    <a:lvl4pPr marL="1371600" algn="l" defTabSz="914400" rtl="0" eaLnBrk="1" latinLnBrk="0" hangingPunct="1">
+      <a:defRPr sz="1200" kern="1200">
+        <a:solidFill>
+          <a:schemeClr val="tx1"/>
+        </a:solidFill>
+        <a:latin typeface="+mn-lt"/>
+        <a:ea typeface="+mn-ea"/>
+        <a:cs typeface="+mn-cs"/>
+      </a:defRPr>
+    </a:lvl4pPr>
+    <a:lvl5pPr marL="1828800" algn="l" defTabSz="914400" rtl="0" eaLnBrk="1" latinLnBrk="0" hangingPunct="1">
+      <a:defRPr sz="1200" kern="1200">
+        <a:solidFill>
+          <a:schemeClr val="tx1"/>
+        </a:solidFill>
+        <a:latin typeface="+mn-lt"/>
+        <a:ea typeface="+mn-ea"/>
+        <a:cs typeface="+mn-cs"/>
+      </a:defRPr>
+    </a:lvl5pPr>
+    <a:lvl6pPr marL="2286000" algn="l" defTabSz="914400" rtl="0" eaLnBrk="1" latinLnBrk="0" hangingPunct="1">
+      <a:defRPr sz="1200" kern="1200">
+        <a:solidFill>
+          <a:schemeClr val="tx1"/>
+        </a:solidFill>
+        <a:latin typeface="+mn-lt"/>
+        <a:ea typeface="+mn-ea"/>
+        <a:cs typeface="+mn-cs"/>
+      </a:defRPr>
+    </a:lvl6pPr>
+    <a:lvl7pPr marL="2743200" algn="l" defTabSz="914400" rtl="0" eaLnBrk="1" latinLnBrk="0" hangingPunct="1">
+      <a:defRPr sz="1200" kern="1200">
+        <a:solidFill>
+          <a:schemeClr val="tx1"/>
+        </a:solidFill>
+        <a:latin typeface="+mn-lt"/>
+        <a:ea typeface="+mn-ea"/>
+        <a:cs typeface="+mn-cs"/>
+      </a:defRPr>
+    </a:lvl7pPr>
+    <a:lvl8pPr marL="3200400" algn="l" defTabSz="914400" rtl="0" eaLnBrk="1" latinLnBrk="0" hangingPunct="1">
+      <a:defRPr sz="1200" kern="1200">
+        <a:solidFill>
+          <a:schemeClr val="tx1"/>
+        </a:solidFill>
+        <a:latin typeface="+mn-lt"/>
+        <a:ea typeface="+mn-ea"/>
+        <a:cs typeface="+mn-cs"/>
+      </a:defRPr>
+    </a:lvl8pPr>
+    <a:lvl9pPr marL="3657600" algn="l" defTabSz="914400" rtl="0" eaLnBrk="1" latinLnBrk="0" hangingPunct="1">
+      <a:defRPr sz="1200" kern="1200">
+        <a:solidFill>
+          <a:schemeClr val="tx1"/>
+        </a:solidFill>
+        <a:latin typeface="+mn-lt"/>
+        <a:ea typeface="+mn-ea"/>
+        <a:cs typeface="+mn-cs"/>
+      </a:defRPr>
+    </a:lvl9pPr>
+  </p:notesStyle>
+</p:notesMaster>
+</file>
+
+<file path=ppt/notesSlides/notesSlide1.xml><?xml version="1.0" encoding="utf-8"?>
+<p:notes xmlns:a="http://schemas.openxmlformats.org/drawingml/2006/main" xmlns:r="http://schemas.openxmlformats.org/officeDocument/2006/relationships" xmlns:p="http://schemas.openxmlformats.org/presentationml/2006/main">
+  <p:cSld>
+    <p:spTree>
+      <p:nvGrpSpPr>
+        <p:cNvPr id="1" name=""/>
+        <p:cNvGrpSpPr/>
+        <p:nvPr/>
+      </p:nvGrpSpPr>
+      <p:grpSpPr>
+        <a:xfrm>
+          <a:off x="0" y="0"/>
+          <a:ext cx="0" cy="0"/>
+          <a:chOff x="0" y="0"/>
+          <a:chExt cx="0" cy="0"/>
+        </a:xfrm>
+      </p:grpSpPr>
+      <p:sp>
+        <p:nvSpPr>
+          <p:cNvPr id="2" name="Slide Image Placeholder 1"/>
+          <p:cNvSpPr>
+            <a:spLocks noGrp="1" noRot="1" noChangeAspect="1"/>
+          </p:cNvSpPr>
+          <p:nvPr>
+            <p:ph type="sldImg"/>
+          </p:nvPr>
+        </p:nvSpPr>
+        <p:spPr/>
+      </p:sp>
+      <p:sp>
+        <p:nvSpPr>
+          <p:cNvPr id="3" name="Notes Placeholder 2"/>
+          <p:cNvSpPr>
+            <a:spLocks noGrp="1"/>
+          </p:cNvSpPr>
+          <p:nvPr>
+            <p:ph type="body" idx="1"/>
+          </p:nvPr>
+        </p:nvSpPr>
+        <p:spPr/>
+        <p:txBody>
+          <a:bodyPr/>
+          <a:lstStyle/>
+          <a:p>
+            <a:endParaRPr lang="en-US" dirty="0"/>
+          </a:p>
+        </p:txBody>
+      </p:sp>
+      <p:sp>
+        <p:nvSpPr>
+          <p:cNvPr id="4" name="Slide Number Placeholder 3"/>
+          <p:cNvSpPr>
+            <a:spLocks noGrp="1"/>
+          </p:cNvSpPr>
+          <p:nvPr>
+            <p:ph type="sldNum" sz="quarter" idx="10"/>
+          </p:nvPr>
+        </p:nvSpPr>
+        <p:spPr/>
+        <p:txBody>
+          <a:bodyPr/>
+          <a:lstStyle/>
+          <a:p>
+            <a:fld id="{DA1D9DB0-3882-425E-911D-FDE8DB714920}" type="slidenum">
+              <a:rPr lang="en-US" smtClean="0"/>
+              <a:t>6</a:t>
+            </a:fld>
+            <a:endParaRPr lang="en-US"/>
+          </a:p>
+        </p:txBody>
+      </p:sp>
+    </p:spTree>
+    <p:extLst>
+      <p:ext uri="{BB962C8B-B14F-4D97-AF65-F5344CB8AC3E}">
+        <p14:creationId xmlns:p14="http://schemas.microsoft.com/office/powerpoint/2010/main" val="4212998763"/>
+      </p:ext>
+    </p:extLst>
+  </p:cSld>
+  <p:clrMapOvr>
+    <a:masterClrMapping/>
+  </p:clrMapOvr>
+</p:notes>
+</file>
+
+<file path=ppt/notesSlides/notesSlide2.xml><?xml version="1.0" encoding="utf-8"?>
+<p:notes xmlns:a="http://schemas.openxmlformats.org/drawingml/2006/main" xmlns:r="http://schemas.openxmlformats.org/officeDocument/2006/relationships" xmlns:p="http://schemas.openxmlformats.org/presentationml/2006/main">
+  <p:cSld>
+    <p:spTree>
+      <p:nvGrpSpPr>
+        <p:cNvPr id="1" name=""/>
+        <p:cNvGrpSpPr/>
+        <p:nvPr/>
+      </p:nvGrpSpPr>
+      <p:grpSpPr>
+        <a:xfrm>
+          <a:off x="0" y="0"/>
+          <a:ext cx="0" cy="0"/>
+          <a:chOff x="0" y="0"/>
+          <a:chExt cx="0" cy="0"/>
+        </a:xfrm>
+      </p:grpSpPr>
+      <p:sp>
+        <p:nvSpPr>
+          <p:cNvPr id="2" name="Slide Image Placeholder 1"/>
+          <p:cNvSpPr>
+            <a:spLocks noGrp="1" noRot="1" noChangeAspect="1"/>
+          </p:cNvSpPr>
+          <p:nvPr>
+            <p:ph type="sldImg"/>
+          </p:nvPr>
+        </p:nvSpPr>
+        <p:spPr/>
+      </p:sp>
+      <p:sp>
+        <p:nvSpPr>
+          <p:cNvPr id="3" name="Notes Placeholder 2"/>
+          <p:cNvSpPr>
+            <a:spLocks noGrp="1"/>
+          </p:cNvSpPr>
+          <p:nvPr>
+            <p:ph type="body" idx="1"/>
+          </p:nvPr>
+        </p:nvSpPr>
+        <p:spPr/>
+        <p:txBody>
+          <a:bodyPr/>
+          <a:lstStyle/>
+          <a:p>
+            <a:endParaRPr lang="en-US" dirty="0"/>
+          </a:p>
+        </p:txBody>
+      </p:sp>
+      <p:sp>
+        <p:nvSpPr>
+          <p:cNvPr id="4" name="Slide Number Placeholder 3"/>
+          <p:cNvSpPr>
+            <a:spLocks noGrp="1"/>
+          </p:cNvSpPr>
+          <p:nvPr>
+            <p:ph type="sldNum" sz="quarter" idx="10"/>
+          </p:nvPr>
+        </p:nvSpPr>
+        <p:spPr/>
+        <p:txBody>
+          <a:bodyPr/>
+          <a:lstStyle/>
+          <a:p>
+            <a:fld id="{DA1D9DB0-3882-425E-911D-FDE8DB714920}" type="slidenum">
+              <a:rPr lang="en-US" smtClean="0"/>
+              <a:t>8</a:t>
+            </a:fld>
+            <a:endParaRPr lang="en-US"/>
+          </a:p>
+        </p:txBody>
+      </p:sp>
+    </p:spTree>
+    <p:extLst>
+      <p:ext uri="{BB962C8B-B14F-4D97-AF65-F5344CB8AC3E}">
+        <p14:creationId xmlns:p14="http://schemas.microsoft.com/office/powerpoint/2010/main" val="2702309756"/>
+      </p:ext>
+    </p:extLst>
+  </p:cSld>
+  <p:clrMapOvr>
+    <a:masterClrMapping/>
+  </p:clrMapOvr>
+</p:notes>
+</file>
+
+<file path=ppt/notesSlides/notesSlide3.xml><?xml version="1.0" encoding="utf-8"?>
+<p:notes xmlns:a="http://schemas.openxmlformats.org/drawingml/2006/main" xmlns:r="http://schemas.openxmlformats.org/officeDocument/2006/relationships" xmlns:p="http://schemas.openxmlformats.org/presentationml/2006/main">
+  <p:cSld>
+    <p:spTree>
+      <p:nvGrpSpPr>
+        <p:cNvPr id="1" name=""/>
+        <p:cNvGrpSpPr/>
+        <p:nvPr/>
+      </p:nvGrpSpPr>
+      <p:grpSpPr>
+        <a:xfrm>
+          <a:off x="0" y="0"/>
+          <a:ext cx="0" cy="0"/>
+          <a:chOff x="0" y="0"/>
+          <a:chExt cx="0" cy="0"/>
+        </a:xfrm>
+      </p:grpSpPr>
+      <p:sp>
+        <p:nvSpPr>
+          <p:cNvPr id="2" name="Slide Image Placeholder 1"/>
+          <p:cNvSpPr>
+            <a:spLocks noGrp="1" noRot="1" noChangeAspect="1"/>
+          </p:cNvSpPr>
+          <p:nvPr>
+            <p:ph type="sldImg"/>
+          </p:nvPr>
+        </p:nvSpPr>
+        <p:spPr/>
+      </p:sp>
+      <p:sp>
+        <p:nvSpPr>
+          <p:cNvPr id="3" name="Notes Placeholder 2"/>
+          <p:cNvSpPr>
+            <a:spLocks noGrp="1"/>
+          </p:cNvSpPr>
+          <p:nvPr>
+            <p:ph type="body" idx="1"/>
+          </p:nvPr>
+        </p:nvSpPr>
+        <p:spPr/>
+        <p:txBody>
+          <a:bodyPr/>
+          <a:lstStyle/>
+          <a:p>
+            <a:endParaRPr lang="en-US" dirty="0" smtClean="0"/>
+          </a:p>
+          <a:p>
+            <a:r>
+              <a:rPr lang="en-US" dirty="0" smtClean="0"/>
+              <a:t>Fixed</a:t>
+            </a:r>
+            <a:r>
+              <a:rPr lang="en-US" baseline="0" dirty="0" smtClean="0"/>
+              <a:t> by:</a:t>
+            </a:r>
+          </a:p>
+          <a:p>
+            <a:r>
+              <a:rPr lang="en-US" baseline="0" dirty="0" smtClean="0"/>
+              <a:t>Check duplication is set and controlled inside “Multiplier”</a:t>
+            </a:r>
+          </a:p>
+          <a:p>
+            <a:r>
+              <a:rPr lang="en-US" baseline="0" dirty="0" smtClean="0"/>
+              <a:t>Better design because important Multiplier data is no longer controlled by level</a:t>
+            </a:r>
+            <a:endParaRPr lang="en-US" dirty="0" smtClean="0"/>
+          </a:p>
+        </p:txBody>
+      </p:sp>
+      <p:sp>
+        <p:nvSpPr>
+          <p:cNvPr id="4" name="Slide Number Placeholder 3"/>
+          <p:cNvSpPr>
+            <a:spLocks noGrp="1"/>
+          </p:cNvSpPr>
+          <p:nvPr>
+            <p:ph type="sldNum" sz="quarter" idx="10"/>
+          </p:nvPr>
+        </p:nvSpPr>
+        <p:spPr/>
+        <p:txBody>
+          <a:bodyPr/>
+          <a:lstStyle/>
+          <a:p>
+            <a:fld id="{DA1D9DB0-3882-425E-911D-FDE8DB714920}" type="slidenum">
+              <a:rPr lang="en-US" smtClean="0"/>
+              <a:t>9</a:t>
+            </a:fld>
+            <a:endParaRPr lang="en-US"/>
+          </a:p>
+        </p:txBody>
+      </p:sp>
+    </p:spTree>
+    <p:extLst>
+      <p:ext uri="{BB962C8B-B14F-4D97-AF65-F5344CB8AC3E}">
+        <p14:creationId xmlns:p14="http://schemas.microsoft.com/office/powerpoint/2010/main" val="139381209"/>
+      </p:ext>
+    </p:extLst>
+  </p:cSld>
+  <p:clrMapOvr>
+    <a:masterClrMapping/>
+  </p:clrMapOvr>
+</p:notes>
 </file>
 
 <file path=ppt/slideLayouts/slideLayout1.xml><?xml version="1.0" encoding="utf-8"?>
@@ -2981,6 +3616,36 @@
           <a:chExt cx="0" cy="0"/>
         </a:xfrm>
       </p:grpSpPr>
+      <p:pic>
+        <p:nvPicPr>
+          <p:cNvPr id="4" name="Picture 3"/>
+          <p:cNvPicPr>
+            <a:picLocks noChangeAspect="1"/>
+          </p:cNvPicPr>
+          <p:nvPr/>
+        </p:nvPicPr>
+        <p:blipFill>
+          <a:blip r:embed="rId2">
+            <a:extLst>
+              <a:ext uri="{28A0092B-C50C-407E-A947-70E740481C1C}">
+                <a14:useLocalDpi xmlns:a14="http://schemas.microsoft.com/office/drawing/2010/main" val="0"/>
+              </a:ext>
+            </a:extLst>
+          </a:blip>
+          <a:stretch>
+            <a:fillRect/>
+          </a:stretch>
+        </p:blipFill>
+        <p:spPr>
+          <a:xfrm>
+            <a:off x="0" y="0"/>
+            <a:ext cx="13030202" cy="6858000"/>
+          </a:xfrm>
+          <a:prstGeom prst="rect">
+            <a:avLst/>
+          </a:prstGeom>
+        </p:spPr>
+      </p:pic>
       <p:sp>
         <p:nvSpPr>
           <p:cNvPr id="2" name="Title 1"/>
@@ -2991,12 +3656,27 @@
             <p:ph type="ctrTitle"/>
           </p:nvPr>
         </p:nvSpPr>
-        <p:spPr/>
-        <p:txBody>
-          <a:bodyPr/>
+        <p:spPr>
+          <a:xfrm>
+            <a:off x="3048000" y="416689"/>
+            <a:ext cx="9144000" cy="2074166"/>
+          </a:xfrm>
+        </p:spPr>
+        <p:txBody>
+          <a:bodyPr>
+            <a:normAutofit/>
+          </a:bodyPr>
           <a:lstStyle/>
           <a:p>
-            <a:endParaRPr lang="en-US"/>
+            <a:r>
+              <a:rPr lang="en-US" sz="9600" dirty="0" smtClean="0">
+                <a:latin typeface="Agency FB" panose="020B0503020202020204" pitchFamily="34" charset="0"/>
+              </a:rPr>
+              <a:t>Jetpack Joust</a:t>
+            </a:r>
+            <a:endParaRPr lang="en-US" sz="9600" dirty="0">
+              <a:latin typeface="Agency FB" panose="020B0503020202020204" pitchFamily="34" charset="0"/>
+            </a:endParaRPr>
           </a:p>
         </p:txBody>
       </p:sp>
@@ -3010,12 +3690,41 @@
             <p:ph type="subTitle" idx="1"/>
           </p:nvPr>
         </p:nvSpPr>
-        <p:spPr/>
-        <p:txBody>
-          <a:bodyPr/>
+        <p:spPr>
+          <a:xfrm>
+            <a:off x="3048000" y="3429000"/>
+            <a:ext cx="9144000" cy="1655762"/>
+          </a:xfrm>
+        </p:spPr>
+        <p:txBody>
+          <a:bodyPr>
+            <a:normAutofit/>
+          </a:bodyPr>
           <a:lstStyle/>
           <a:p>
-            <a:endParaRPr lang="en-US"/>
+            <a:r>
+              <a:rPr lang="en-US" sz="3600" dirty="0" smtClean="0">
+                <a:latin typeface="Agency FB" panose="020B0503020202020204" pitchFamily="34" charset="0"/>
+              </a:rPr>
+              <a:t>Kyle Brown</a:t>
+            </a:r>
+          </a:p>
+          <a:p>
+            <a:r>
+              <a:rPr lang="en-US" sz="3600" dirty="0" smtClean="0">
+                <a:latin typeface="Agency FB" panose="020B0503020202020204" pitchFamily="34" charset="0"/>
+              </a:rPr>
+              <a:t>Seth </a:t>
+            </a:r>
+            <a:r>
+              <a:rPr lang="en-US" sz="3600" dirty="0" err="1" smtClean="0">
+                <a:latin typeface="Agency FB" panose="020B0503020202020204" pitchFamily="34" charset="0"/>
+              </a:rPr>
+              <a:t>Lakstins</a:t>
+            </a:r>
+            <a:endParaRPr lang="en-US" sz="3600" dirty="0">
+              <a:latin typeface="Agency FB" panose="020B0503020202020204" pitchFamily="34" charset="0"/>
+            </a:endParaRPr>
           </a:p>
         </p:txBody>
       </p:sp>
@@ -3029,6 +3738,13 @@
   <p:clrMapOvr>
     <a:masterClrMapping/>
   </p:clrMapOvr>
+  <p:timing>
+    <p:tnLst>
+      <p:par>
+        <p:cTn id="1" dur="indefinite" restart="never" nodeType="tmRoot"/>
+      </p:par>
+    </p:tnLst>
+  </p:timing>
 </p:sld>
 </file>
 
@@ -3061,95 +3777,2636 @@
         </p:nvSpPr>
         <p:spPr/>
         <p:txBody>
-          <a:bodyPr/>
+          <a:bodyPr>
+            <a:normAutofit/>
+          </a:bodyPr>
           <a:lstStyle/>
           <a:p>
-            <a:endParaRPr lang="en-US"/>
-          </a:p>
-        </p:txBody>
-      </p:sp>
-      <p:sp>
-        <p:nvSpPr>
-          <p:cNvPr id="3" name="Content Placeholder 2"/>
-          <p:cNvSpPr>
-            <a:spLocks noGrp="1"/>
-          </p:cNvSpPr>
+            <a:r>
+              <a:rPr lang="en-US" sz="7200" dirty="0" smtClean="0">
+                <a:latin typeface="Agency FB" panose="020B0503020202020204" pitchFamily="34" charset="0"/>
+              </a:rPr>
+              <a:t>Animations</a:t>
+            </a:r>
+            <a:endParaRPr lang="en-US" sz="7200" dirty="0">
+              <a:latin typeface="Agency FB" panose="020B0503020202020204" pitchFamily="34" charset="0"/>
+            </a:endParaRPr>
+          </a:p>
+        </p:txBody>
+      </p:sp>
+      <p:pic>
+        <p:nvPicPr>
+          <p:cNvPr id="6" name="Content Placeholder 5"/>
+          <p:cNvPicPr>
+            <a:picLocks noGrp="1" noChangeAspect="1"/>
+          </p:cNvPicPr>
           <p:nvPr>
             <p:ph idx="1"/>
           </p:nvPr>
-        </p:nvSpPr>
-        <p:spPr/>
-        <p:txBody>
-          <a:bodyPr/>
-          <a:lstStyle/>
-          <a:p>
-            <a:r>
-              <a:rPr lang="en-US" dirty="0" smtClean="0"/>
-              <a:t>8 min</a:t>
-            </a:r>
-          </a:p>
-          <a:p>
-            <a:r>
-              <a:rPr lang="en-US" dirty="0" smtClean="0"/>
-              <a:t>~3min showing off extra features</a:t>
-            </a:r>
-          </a:p>
-          <a:p>
-            <a:pPr lvl="1"/>
-            <a:r>
-              <a:rPr lang="en-US" dirty="0" smtClean="0"/>
-              <a:t>Animations</a:t>
-            </a:r>
-          </a:p>
-          <a:p>
-            <a:pPr lvl="1"/>
-            <a:r>
-              <a:rPr lang="en-US" dirty="0" smtClean="0"/>
-              <a:t># of mobs</a:t>
-            </a:r>
-          </a:p>
-          <a:p>
-            <a:pPr lvl="1"/>
-            <a:r>
-              <a:rPr lang="en-US" dirty="0" smtClean="0"/>
-              <a:t>Combo </a:t>
-            </a:r>
-            <a:r>
-              <a:rPr lang="en-US" dirty="0" smtClean="0"/>
-              <a:t>multiplier</a:t>
-            </a:r>
-          </a:p>
-          <a:p>
-            <a:pPr lvl="1"/>
-            <a:r>
-              <a:rPr lang="en-US" smtClean="0"/>
-              <a:t>Chicken.</a:t>
-            </a:r>
-            <a:endParaRPr lang="en-US" dirty="0" smtClean="0"/>
-          </a:p>
-          <a:p>
-            <a:r>
-              <a:rPr lang="en-US" dirty="0" smtClean="0"/>
-              <a:t>~</a:t>
-            </a:r>
-            <a:r>
-              <a:rPr lang="en-US" dirty="0" smtClean="0"/>
-              <a:t>5min explaining ONE technical decision in detail</a:t>
-            </a:r>
-            <a:endParaRPr lang="en-US" dirty="0"/>
-          </a:p>
-        </p:txBody>
-      </p:sp>
+        </p:nvPicPr>
+        <p:blipFill>
+          <a:blip r:embed="rId2">
+            <a:extLst>
+              <a:ext uri="{28A0092B-C50C-407E-A947-70E740481C1C}">
+                <a14:useLocalDpi xmlns:a14="http://schemas.microsoft.com/office/drawing/2010/main" val="0"/>
+              </a:ext>
+            </a:extLst>
+          </a:blip>
+          <a:stretch>
+            <a:fillRect/>
+          </a:stretch>
+        </p:blipFill>
+        <p:spPr>
+          <a:xfrm>
+            <a:off x="838198" y="2094782"/>
+            <a:ext cx="2668435" cy="2668435"/>
+          </a:xfrm>
+        </p:spPr>
+      </p:pic>
+      <p:pic>
+        <p:nvPicPr>
+          <p:cNvPr id="7" name="Picture 6"/>
+          <p:cNvPicPr>
+            <a:picLocks noChangeAspect="1"/>
+          </p:cNvPicPr>
+          <p:nvPr/>
+        </p:nvPicPr>
+        <p:blipFill>
+          <a:blip r:embed="rId3">
+            <a:extLst>
+              <a:ext uri="{28A0092B-C50C-407E-A947-70E740481C1C}">
+                <a14:useLocalDpi xmlns:a14="http://schemas.microsoft.com/office/drawing/2010/main" val="0"/>
+              </a:ext>
+            </a:extLst>
+          </a:blip>
+          <a:stretch>
+            <a:fillRect/>
+          </a:stretch>
+        </p:blipFill>
+        <p:spPr>
+          <a:xfrm>
+            <a:off x="838198" y="2094782"/>
+            <a:ext cx="2668435" cy="2668435"/>
+          </a:xfrm>
+          <a:prstGeom prst="rect">
+            <a:avLst/>
+          </a:prstGeom>
+        </p:spPr>
+      </p:pic>
+      <p:pic>
+        <p:nvPicPr>
+          <p:cNvPr id="8" name="Picture 7"/>
+          <p:cNvPicPr>
+            <a:picLocks noChangeAspect="1"/>
+          </p:cNvPicPr>
+          <p:nvPr/>
+        </p:nvPicPr>
+        <p:blipFill>
+          <a:blip r:embed="rId4"/>
+          <a:stretch>
+            <a:fillRect/>
+          </a:stretch>
+        </p:blipFill>
+        <p:spPr>
+          <a:xfrm>
+            <a:off x="4573626" y="627380"/>
+            <a:ext cx="7340244" cy="2801620"/>
+          </a:xfrm>
+          <a:prstGeom prst="rect">
+            <a:avLst/>
+          </a:prstGeom>
+        </p:spPr>
+      </p:pic>
+      <p:pic>
+        <p:nvPicPr>
+          <p:cNvPr id="9" name="Picture 8"/>
+          <p:cNvPicPr>
+            <a:picLocks noChangeAspect="1"/>
+          </p:cNvPicPr>
+          <p:nvPr/>
+        </p:nvPicPr>
+        <p:blipFill>
+          <a:blip r:embed="rId5"/>
+          <a:stretch>
+            <a:fillRect/>
+          </a:stretch>
+        </p:blipFill>
+        <p:spPr>
+          <a:xfrm>
+            <a:off x="6734188" y="4565722"/>
+            <a:ext cx="5179682" cy="1788779"/>
+          </a:xfrm>
+          <a:prstGeom prst="rect">
+            <a:avLst/>
+          </a:prstGeom>
+        </p:spPr>
+      </p:pic>
     </p:spTree>
     <p:extLst>
       <p:ext uri="{BB962C8B-B14F-4D97-AF65-F5344CB8AC3E}">
-        <p14:creationId xmlns:p14="http://schemas.microsoft.com/office/powerpoint/2010/main" val="691840832"/>
+        <p14:creationId xmlns:p14="http://schemas.microsoft.com/office/powerpoint/2010/main" val="1678567794"/>
       </p:ext>
     </p:extLst>
   </p:cSld>
   <p:clrMapOvr>
     <a:masterClrMapping/>
   </p:clrMapOvr>
+  <p:timing>
+    <p:tnLst>
+      <p:par>
+        <p:cTn id="1" dur="indefinite" restart="never" nodeType="tmRoot">
+          <p:childTnLst>
+            <p:seq concurrent="1" nextAc="seek">
+              <p:cTn id="2" dur="indefinite" nodeType="mainSeq">
+                <p:childTnLst>
+                  <p:par>
+                    <p:cTn id="3" fill="hold">
+                      <p:stCondLst>
+                        <p:cond delay="indefinite"/>
+                        <p:cond evt="onBegin" delay="0">
+                          <p:tn val="2"/>
+                        </p:cond>
+                      </p:stCondLst>
+                      <p:childTnLst>
+                        <p:par>
+                          <p:cTn id="4" fill="hold">
+                            <p:stCondLst>
+                              <p:cond delay="0"/>
+                            </p:stCondLst>
+                            <p:childTnLst>
+                              <p:par>
+                                <p:cTn id="5" presetID="1" presetClass="entr" presetSubtype="0" fill="hold" nodeType="withEffect">
+                                  <p:stCondLst>
+                                    <p:cond delay="0"/>
+                                  </p:stCondLst>
+                                  <p:childTnLst>
+                                    <p:set>
+                                      <p:cBhvr>
+                                        <p:cTn id="6" dur="1" fill="hold">
+                                          <p:stCondLst>
+                                            <p:cond delay="0"/>
+                                          </p:stCondLst>
+                                        </p:cTn>
+                                        <p:tgtEl>
+                                          <p:spTgt spid="6"/>
+                                        </p:tgtEl>
+                                        <p:attrNameLst>
+                                          <p:attrName>style.visibility</p:attrName>
+                                        </p:attrNameLst>
+                                      </p:cBhvr>
+                                      <p:to>
+                                        <p:strVal val="visible"/>
+                                      </p:to>
+                                    </p:set>
+                                  </p:childTnLst>
+                                </p:cTn>
+                              </p:par>
+                            </p:childTnLst>
+                          </p:cTn>
+                        </p:par>
+                        <p:par>
+                          <p:cTn id="7" fill="hold">
+                            <p:stCondLst>
+                              <p:cond delay="0"/>
+                            </p:stCondLst>
+                            <p:childTnLst>
+                              <p:par>
+                                <p:cTn id="8" presetID="1" presetClass="exit" presetSubtype="0" fill="hold" nodeType="afterEffect">
+                                  <p:stCondLst>
+                                    <p:cond delay="250"/>
+                                  </p:stCondLst>
+                                  <p:childTnLst>
+                                    <p:set>
+                                      <p:cBhvr>
+                                        <p:cTn id="9" dur="1" fill="hold">
+                                          <p:stCondLst>
+                                            <p:cond delay="0"/>
+                                          </p:stCondLst>
+                                        </p:cTn>
+                                        <p:tgtEl>
+                                          <p:spTgt spid="6"/>
+                                        </p:tgtEl>
+                                        <p:attrNameLst>
+                                          <p:attrName>style.visibility</p:attrName>
+                                        </p:attrNameLst>
+                                      </p:cBhvr>
+                                      <p:to>
+                                        <p:strVal val="hidden"/>
+                                      </p:to>
+                                    </p:set>
+                                  </p:childTnLst>
+                                </p:cTn>
+                              </p:par>
+                            </p:childTnLst>
+                          </p:cTn>
+                        </p:par>
+                        <p:par>
+                          <p:cTn id="10" fill="hold">
+                            <p:stCondLst>
+                              <p:cond delay="250"/>
+                            </p:stCondLst>
+                            <p:childTnLst>
+                              <p:par>
+                                <p:cTn id="11" presetID="1" presetClass="entr" presetSubtype="0" fill="hold" nodeType="afterEffect">
+                                  <p:stCondLst>
+                                    <p:cond delay="0"/>
+                                  </p:stCondLst>
+                                  <p:childTnLst>
+                                    <p:set>
+                                      <p:cBhvr>
+                                        <p:cTn id="12" dur="1" fill="hold">
+                                          <p:stCondLst>
+                                            <p:cond delay="0"/>
+                                          </p:stCondLst>
+                                        </p:cTn>
+                                        <p:tgtEl>
+                                          <p:spTgt spid="7"/>
+                                        </p:tgtEl>
+                                        <p:attrNameLst>
+                                          <p:attrName>style.visibility</p:attrName>
+                                        </p:attrNameLst>
+                                      </p:cBhvr>
+                                      <p:to>
+                                        <p:strVal val="visible"/>
+                                      </p:to>
+                                    </p:set>
+                                  </p:childTnLst>
+                                </p:cTn>
+                              </p:par>
+                            </p:childTnLst>
+                          </p:cTn>
+                        </p:par>
+                        <p:par>
+                          <p:cTn id="13" fill="hold">
+                            <p:stCondLst>
+                              <p:cond delay="250"/>
+                            </p:stCondLst>
+                            <p:childTnLst>
+                              <p:par>
+                                <p:cTn id="14" presetID="1" presetClass="exit" presetSubtype="0" fill="hold" nodeType="afterEffect">
+                                  <p:stCondLst>
+                                    <p:cond delay="250"/>
+                                  </p:stCondLst>
+                                  <p:childTnLst>
+                                    <p:set>
+                                      <p:cBhvr>
+                                        <p:cTn id="15" dur="1" fill="hold">
+                                          <p:stCondLst>
+                                            <p:cond delay="0"/>
+                                          </p:stCondLst>
+                                        </p:cTn>
+                                        <p:tgtEl>
+                                          <p:spTgt spid="7"/>
+                                        </p:tgtEl>
+                                        <p:attrNameLst>
+                                          <p:attrName>style.visibility</p:attrName>
+                                        </p:attrNameLst>
+                                      </p:cBhvr>
+                                      <p:to>
+                                        <p:strVal val="hidden"/>
+                                      </p:to>
+                                    </p:set>
+                                  </p:childTnLst>
+                                </p:cTn>
+                              </p:par>
+                            </p:childTnLst>
+                          </p:cTn>
+                        </p:par>
+                        <p:par>
+                          <p:cTn id="16" fill="hold">
+                            <p:stCondLst>
+                              <p:cond delay="500"/>
+                            </p:stCondLst>
+                            <p:childTnLst>
+                              <p:par>
+                                <p:cTn id="17" presetID="1" presetClass="entr" presetSubtype="0" fill="hold" nodeType="afterEffect">
+                                  <p:stCondLst>
+                                    <p:cond delay="0"/>
+                                  </p:stCondLst>
+                                  <p:childTnLst>
+                                    <p:set>
+                                      <p:cBhvr>
+                                        <p:cTn id="18" dur="1" fill="hold">
+                                          <p:stCondLst>
+                                            <p:cond delay="0"/>
+                                          </p:stCondLst>
+                                        </p:cTn>
+                                        <p:tgtEl>
+                                          <p:spTgt spid="6"/>
+                                        </p:tgtEl>
+                                        <p:attrNameLst>
+                                          <p:attrName>style.visibility</p:attrName>
+                                        </p:attrNameLst>
+                                      </p:cBhvr>
+                                      <p:to>
+                                        <p:strVal val="visible"/>
+                                      </p:to>
+                                    </p:set>
+                                  </p:childTnLst>
+                                </p:cTn>
+                              </p:par>
+                              <p:par>
+                                <p:cTn id="19" presetID="1" presetClass="exit" presetSubtype="0" fill="hold" nodeType="withEffect">
+                                  <p:stCondLst>
+                                    <p:cond delay="250"/>
+                                  </p:stCondLst>
+                                  <p:childTnLst>
+                                    <p:set>
+                                      <p:cBhvr>
+                                        <p:cTn id="20" dur="1" fill="hold">
+                                          <p:stCondLst>
+                                            <p:cond delay="0"/>
+                                          </p:stCondLst>
+                                        </p:cTn>
+                                        <p:tgtEl>
+                                          <p:spTgt spid="6"/>
+                                        </p:tgtEl>
+                                        <p:attrNameLst>
+                                          <p:attrName>style.visibility</p:attrName>
+                                        </p:attrNameLst>
+                                      </p:cBhvr>
+                                      <p:to>
+                                        <p:strVal val="hidden"/>
+                                      </p:to>
+                                    </p:set>
+                                  </p:childTnLst>
+                                </p:cTn>
+                              </p:par>
+                            </p:childTnLst>
+                          </p:cTn>
+                        </p:par>
+                        <p:par>
+                          <p:cTn id="21" fill="hold">
+                            <p:stCondLst>
+                              <p:cond delay="750"/>
+                            </p:stCondLst>
+                            <p:childTnLst>
+                              <p:par>
+                                <p:cTn id="22" presetID="1" presetClass="entr" presetSubtype="0" fill="hold" nodeType="afterEffect">
+                                  <p:stCondLst>
+                                    <p:cond delay="0"/>
+                                  </p:stCondLst>
+                                  <p:childTnLst>
+                                    <p:set>
+                                      <p:cBhvr>
+                                        <p:cTn id="23" dur="1" fill="hold">
+                                          <p:stCondLst>
+                                            <p:cond delay="0"/>
+                                          </p:stCondLst>
+                                        </p:cTn>
+                                        <p:tgtEl>
+                                          <p:spTgt spid="7"/>
+                                        </p:tgtEl>
+                                        <p:attrNameLst>
+                                          <p:attrName>style.visibility</p:attrName>
+                                        </p:attrNameLst>
+                                      </p:cBhvr>
+                                      <p:to>
+                                        <p:strVal val="visible"/>
+                                      </p:to>
+                                    </p:set>
+                                  </p:childTnLst>
+                                </p:cTn>
+                              </p:par>
+                            </p:childTnLst>
+                          </p:cTn>
+                        </p:par>
+                        <p:par>
+                          <p:cTn id="24" fill="hold">
+                            <p:stCondLst>
+                              <p:cond delay="750"/>
+                            </p:stCondLst>
+                            <p:childTnLst>
+                              <p:par>
+                                <p:cTn id="25" presetID="1" presetClass="exit" presetSubtype="0" fill="hold" nodeType="afterEffect">
+                                  <p:stCondLst>
+                                    <p:cond delay="250"/>
+                                  </p:stCondLst>
+                                  <p:childTnLst>
+                                    <p:set>
+                                      <p:cBhvr>
+                                        <p:cTn id="26" dur="1" fill="hold">
+                                          <p:stCondLst>
+                                            <p:cond delay="9"/>
+                                          </p:stCondLst>
+                                        </p:cTn>
+                                        <p:tgtEl>
+                                          <p:spTgt spid="7"/>
+                                        </p:tgtEl>
+                                        <p:attrNameLst>
+                                          <p:attrName>style.visibility</p:attrName>
+                                        </p:attrNameLst>
+                                      </p:cBhvr>
+                                      <p:to>
+                                        <p:strVal val="hidden"/>
+                                      </p:to>
+                                    </p:set>
+                                  </p:childTnLst>
+                                </p:cTn>
+                              </p:par>
+                            </p:childTnLst>
+                          </p:cTn>
+                        </p:par>
+                        <p:par>
+                          <p:cTn id="27" fill="hold">
+                            <p:stCondLst>
+                              <p:cond delay="1010"/>
+                            </p:stCondLst>
+                            <p:childTnLst>
+                              <p:par>
+                                <p:cTn id="28" presetID="1" presetClass="entr" presetSubtype="0" fill="hold" nodeType="afterEffect">
+                                  <p:stCondLst>
+                                    <p:cond delay="0"/>
+                                  </p:stCondLst>
+                                  <p:childTnLst>
+                                    <p:set>
+                                      <p:cBhvr>
+                                        <p:cTn id="29" dur="1" fill="hold">
+                                          <p:stCondLst>
+                                            <p:cond delay="0"/>
+                                          </p:stCondLst>
+                                        </p:cTn>
+                                        <p:tgtEl>
+                                          <p:spTgt spid="6"/>
+                                        </p:tgtEl>
+                                        <p:attrNameLst>
+                                          <p:attrName>style.visibility</p:attrName>
+                                        </p:attrNameLst>
+                                      </p:cBhvr>
+                                      <p:to>
+                                        <p:strVal val="visible"/>
+                                      </p:to>
+                                    </p:set>
+                                  </p:childTnLst>
+                                </p:cTn>
+                              </p:par>
+                            </p:childTnLst>
+                          </p:cTn>
+                        </p:par>
+                      </p:childTnLst>
+                    </p:cTn>
+                  </p:par>
+                </p:childTnLst>
+              </p:cTn>
+              <p:prevCondLst>
+                <p:cond evt="onPrev" delay="0">
+                  <p:tgtEl>
+                    <p:sldTgt/>
+                  </p:tgtEl>
+                </p:cond>
+              </p:prevCondLst>
+              <p:nextCondLst>
+                <p:cond evt="onNext" delay="0">
+                  <p:tgtEl>
+                    <p:sldTgt/>
+                  </p:tgtEl>
+                </p:cond>
+              </p:nextCondLst>
+            </p:seq>
+          </p:childTnLst>
+        </p:cTn>
+      </p:par>
+    </p:tnLst>
+  </p:timing>
+</p:sld>
+</file>
+
+<file path=ppt/slides/slide3.xml><?xml version="1.0" encoding="utf-8"?>
+<p:sld xmlns:a="http://schemas.openxmlformats.org/drawingml/2006/main" xmlns:r="http://schemas.openxmlformats.org/officeDocument/2006/relationships" xmlns:p="http://schemas.openxmlformats.org/presentationml/2006/main">
+  <p:cSld>
+    <p:spTree>
+      <p:nvGrpSpPr>
+        <p:cNvPr id="1" name=""/>
+        <p:cNvGrpSpPr/>
+        <p:nvPr/>
+      </p:nvGrpSpPr>
+      <p:grpSpPr>
+        <a:xfrm>
+          <a:off x="0" y="0"/>
+          <a:ext cx="0" cy="0"/>
+          <a:chOff x="0" y="0"/>
+          <a:chExt cx="0" cy="0"/>
+        </a:xfrm>
+      </p:grpSpPr>
+      <p:pic>
+        <p:nvPicPr>
+          <p:cNvPr id="4" name="Content Placeholder 3"/>
+          <p:cNvPicPr>
+            <a:picLocks noGrp="1" noChangeAspect="1"/>
+          </p:cNvPicPr>
+          <p:nvPr>
+            <p:ph idx="1"/>
+          </p:nvPr>
+        </p:nvPicPr>
+        <p:blipFill>
+          <a:blip r:embed="rId2">
+            <a:extLst>
+              <a:ext uri="{28A0092B-C50C-407E-A947-70E740481C1C}">
+                <a14:useLocalDpi xmlns:a14="http://schemas.microsoft.com/office/drawing/2010/main" val="0"/>
+              </a:ext>
+            </a:extLst>
+          </a:blip>
+          <a:stretch>
+            <a:fillRect/>
+          </a:stretch>
+        </p:blipFill>
+        <p:spPr>
+          <a:xfrm>
+            <a:off x="0" y="-16799"/>
+            <a:ext cx="13542380" cy="6874799"/>
+          </a:xfrm>
+        </p:spPr>
+      </p:pic>
+      <p:sp>
+        <p:nvSpPr>
+          <p:cNvPr id="2" name="Title 1"/>
+          <p:cNvSpPr>
+            <a:spLocks noGrp="1"/>
+          </p:cNvSpPr>
+          <p:nvPr>
+            <p:ph type="title"/>
+          </p:nvPr>
+        </p:nvSpPr>
+        <p:spPr>
+          <a:xfrm>
+            <a:off x="80315" y="5263145"/>
+            <a:ext cx="5358411" cy="1325563"/>
+          </a:xfrm>
+        </p:spPr>
+        <p:txBody>
+          <a:bodyPr/>
+          <a:lstStyle/>
+          <a:p>
+            <a:r>
+              <a:rPr lang="en-US" sz="7200" dirty="0" smtClean="0">
+                <a:solidFill>
+                  <a:prstClr val="black"/>
+                </a:solidFill>
+                <a:latin typeface="Agency FB" panose="020B0503020202020204" pitchFamily="34" charset="0"/>
+              </a:rPr>
+              <a:t>Combo Multiplier</a:t>
+            </a:r>
+            <a:endParaRPr lang="en-US" dirty="0"/>
+          </a:p>
+        </p:txBody>
+      </p:sp>
+    </p:spTree>
+    <p:extLst>
+      <p:ext uri="{BB962C8B-B14F-4D97-AF65-F5344CB8AC3E}">
+        <p14:creationId xmlns:p14="http://schemas.microsoft.com/office/powerpoint/2010/main" val="417455059"/>
+      </p:ext>
+    </p:extLst>
+  </p:cSld>
+  <p:clrMapOvr>
+    <a:masterClrMapping/>
+  </p:clrMapOvr>
+  <p:timing>
+    <p:tnLst>
+      <p:par>
+        <p:cTn id="1" dur="indefinite" restart="never" nodeType="tmRoot"/>
+      </p:par>
+    </p:tnLst>
+  </p:timing>
+</p:sld>
+</file>
+
+<file path=ppt/slides/slide4.xml><?xml version="1.0" encoding="utf-8"?>
+<p:sld xmlns:a="http://schemas.openxmlformats.org/drawingml/2006/main" xmlns:r="http://schemas.openxmlformats.org/officeDocument/2006/relationships" xmlns:p="http://schemas.openxmlformats.org/presentationml/2006/main">
+  <p:cSld>
+    <p:spTree>
+      <p:nvGrpSpPr>
+        <p:cNvPr id="1" name=""/>
+        <p:cNvGrpSpPr/>
+        <p:nvPr/>
+      </p:nvGrpSpPr>
+      <p:grpSpPr>
+        <a:xfrm>
+          <a:off x="0" y="0"/>
+          <a:ext cx="0" cy="0"/>
+          <a:chOff x="0" y="0"/>
+          <a:chExt cx="0" cy="0"/>
+        </a:xfrm>
+      </p:grpSpPr>
+      <p:sp>
+        <p:nvSpPr>
+          <p:cNvPr id="2" name="Title 1"/>
+          <p:cNvSpPr>
+            <a:spLocks noGrp="1"/>
+          </p:cNvSpPr>
+          <p:nvPr>
+            <p:ph type="title"/>
+          </p:nvPr>
+        </p:nvSpPr>
+        <p:spPr/>
+        <p:txBody>
+          <a:bodyPr/>
+          <a:lstStyle/>
+          <a:p>
+            <a:r>
+              <a:rPr lang="en-US" sz="7200" dirty="0" smtClean="0">
+                <a:solidFill>
+                  <a:prstClr val="black"/>
+                </a:solidFill>
+                <a:latin typeface="Agency FB" panose="020B0503020202020204" pitchFamily="34" charset="0"/>
+              </a:rPr>
+              <a:t>Mobs</a:t>
+            </a:r>
+            <a:endParaRPr lang="en-US" dirty="0"/>
+          </a:p>
+        </p:txBody>
+      </p:sp>
+      <p:pic>
+        <p:nvPicPr>
+          <p:cNvPr id="4" name="Picture 3"/>
+          <p:cNvPicPr>
+            <a:picLocks noChangeAspect="1"/>
+          </p:cNvPicPr>
+          <p:nvPr/>
+        </p:nvPicPr>
+        <p:blipFill>
+          <a:blip r:embed="rId2">
+            <a:extLst>
+              <a:ext uri="{28A0092B-C50C-407E-A947-70E740481C1C}">
+                <a14:useLocalDpi xmlns:a14="http://schemas.microsoft.com/office/drawing/2010/main" val="0"/>
+              </a:ext>
+            </a:extLst>
+          </a:blip>
+          <a:stretch>
+            <a:fillRect/>
+          </a:stretch>
+        </p:blipFill>
+        <p:spPr>
+          <a:xfrm>
+            <a:off x="5098375" y="-295743"/>
+            <a:ext cx="3074020" cy="3074020"/>
+          </a:xfrm>
+          <a:prstGeom prst="rect">
+            <a:avLst/>
+          </a:prstGeom>
+        </p:spPr>
+      </p:pic>
+      <p:pic>
+        <p:nvPicPr>
+          <p:cNvPr id="5" name="Picture 4"/>
+          <p:cNvPicPr>
+            <a:picLocks noChangeAspect="1"/>
+          </p:cNvPicPr>
+          <p:nvPr/>
+        </p:nvPicPr>
+        <p:blipFill>
+          <a:blip r:embed="rId3">
+            <a:extLst>
+              <a:ext uri="{28A0092B-C50C-407E-A947-70E740481C1C}">
+                <a14:useLocalDpi xmlns:a14="http://schemas.microsoft.com/office/drawing/2010/main" val="0"/>
+              </a:ext>
+            </a:extLst>
+          </a:blip>
+          <a:stretch>
+            <a:fillRect/>
+          </a:stretch>
+        </p:blipFill>
+        <p:spPr>
+          <a:xfrm>
+            <a:off x="4030358" y="3284833"/>
+            <a:ext cx="3074020" cy="3074020"/>
+          </a:xfrm>
+          <a:prstGeom prst="rect">
+            <a:avLst/>
+          </a:prstGeom>
+        </p:spPr>
+      </p:pic>
+      <p:pic>
+        <p:nvPicPr>
+          <p:cNvPr id="6" name="Picture 5"/>
+          <p:cNvPicPr>
+            <a:picLocks noChangeAspect="1"/>
+          </p:cNvPicPr>
+          <p:nvPr/>
+        </p:nvPicPr>
+        <p:blipFill>
+          <a:blip r:embed="rId4">
+            <a:extLst>
+              <a:ext uri="{28A0092B-C50C-407E-A947-70E740481C1C}">
+                <a14:useLocalDpi xmlns:a14="http://schemas.microsoft.com/office/drawing/2010/main" val="0"/>
+              </a:ext>
+            </a:extLst>
+          </a:blip>
+          <a:stretch>
+            <a:fillRect/>
+          </a:stretch>
+        </p:blipFill>
+        <p:spPr>
+          <a:xfrm>
+            <a:off x="838200" y="3284833"/>
+            <a:ext cx="3074020" cy="3074020"/>
+          </a:xfrm>
+          <a:prstGeom prst="rect">
+            <a:avLst/>
+          </a:prstGeom>
+        </p:spPr>
+      </p:pic>
+      <p:pic>
+        <p:nvPicPr>
+          <p:cNvPr id="7" name="Picture 6"/>
+          <p:cNvPicPr>
+            <a:picLocks noChangeAspect="1"/>
+          </p:cNvPicPr>
+          <p:nvPr/>
+        </p:nvPicPr>
+        <p:blipFill>
+          <a:blip r:embed="rId5">
+            <a:extLst>
+              <a:ext uri="{28A0092B-C50C-407E-A947-70E740481C1C}">
+                <a14:useLocalDpi xmlns:a14="http://schemas.microsoft.com/office/drawing/2010/main" val="0"/>
+              </a:ext>
+            </a:extLst>
+          </a:blip>
+          <a:stretch>
+            <a:fillRect/>
+          </a:stretch>
+        </p:blipFill>
+        <p:spPr>
+          <a:xfrm>
+            <a:off x="9240412" y="4629717"/>
+            <a:ext cx="2113388" cy="1729136"/>
+          </a:xfrm>
+          <a:prstGeom prst="rect">
+            <a:avLst/>
+          </a:prstGeom>
+        </p:spPr>
+      </p:pic>
+      <p:pic>
+        <p:nvPicPr>
+          <p:cNvPr id="8" name="Picture 7"/>
+          <p:cNvPicPr>
+            <a:picLocks noChangeAspect="1"/>
+          </p:cNvPicPr>
+          <p:nvPr/>
+        </p:nvPicPr>
+        <p:blipFill>
+          <a:blip r:embed="rId6">
+            <a:extLst>
+              <a:ext uri="{28A0092B-C50C-407E-A947-70E740481C1C}">
+                <a14:useLocalDpi xmlns:a14="http://schemas.microsoft.com/office/drawing/2010/main" val="0"/>
+              </a:ext>
+            </a:extLst>
+          </a:blip>
+          <a:stretch>
+            <a:fillRect/>
+          </a:stretch>
+        </p:blipFill>
+        <p:spPr>
+          <a:xfrm>
+            <a:off x="9240412" y="1601408"/>
+            <a:ext cx="2113388" cy="1729136"/>
+          </a:xfrm>
+          <a:prstGeom prst="rect">
+            <a:avLst/>
+          </a:prstGeom>
+        </p:spPr>
+      </p:pic>
+    </p:spTree>
+    <p:extLst>
+      <p:ext uri="{BB962C8B-B14F-4D97-AF65-F5344CB8AC3E}">
+        <p14:creationId xmlns:p14="http://schemas.microsoft.com/office/powerpoint/2010/main" val="3094672131"/>
+      </p:ext>
+    </p:extLst>
+  </p:cSld>
+  <p:clrMapOvr>
+    <a:masterClrMapping/>
+  </p:clrMapOvr>
+  <p:timing>
+    <p:tnLst>
+      <p:par>
+        <p:cTn id="1" dur="indefinite" restart="never" nodeType="tmRoot"/>
+      </p:par>
+    </p:tnLst>
+  </p:timing>
+</p:sld>
+</file>
+
+<file path=ppt/slides/slide5.xml><?xml version="1.0" encoding="utf-8"?>
+<p:sld xmlns:a="http://schemas.openxmlformats.org/drawingml/2006/main" xmlns:r="http://schemas.openxmlformats.org/officeDocument/2006/relationships" xmlns:p="http://schemas.openxmlformats.org/presentationml/2006/main">
+  <p:cSld>
+    <p:spTree>
+      <p:nvGrpSpPr>
+        <p:cNvPr id="1" name=""/>
+        <p:cNvGrpSpPr/>
+        <p:nvPr/>
+      </p:nvGrpSpPr>
+      <p:grpSpPr>
+        <a:xfrm>
+          <a:off x="0" y="0"/>
+          <a:ext cx="0" cy="0"/>
+          <a:chOff x="0" y="0"/>
+          <a:chExt cx="0" cy="0"/>
+        </a:xfrm>
+      </p:grpSpPr>
+      <p:sp>
+        <p:nvSpPr>
+          <p:cNvPr id="2" name="Title 1"/>
+          <p:cNvSpPr>
+            <a:spLocks noGrp="1"/>
+          </p:cNvSpPr>
+          <p:nvPr>
+            <p:ph type="title"/>
+          </p:nvPr>
+        </p:nvSpPr>
+        <p:spPr/>
+        <p:txBody>
+          <a:bodyPr/>
+          <a:lstStyle/>
+          <a:p>
+            <a:r>
+              <a:rPr lang="en-US" sz="7200" dirty="0" smtClean="0">
+                <a:solidFill>
+                  <a:prstClr val="black"/>
+                </a:solidFill>
+                <a:latin typeface="Agency FB" panose="020B0503020202020204" pitchFamily="34" charset="0"/>
+              </a:rPr>
+              <a:t>The Chicken</a:t>
+            </a:r>
+            <a:endParaRPr lang="en-US" dirty="0"/>
+          </a:p>
+        </p:txBody>
+      </p:sp>
+      <p:pic>
+        <p:nvPicPr>
+          <p:cNvPr id="4" name="Picture 3"/>
+          <p:cNvPicPr>
+            <a:picLocks noChangeAspect="1"/>
+          </p:cNvPicPr>
+          <p:nvPr/>
+        </p:nvPicPr>
+        <p:blipFill>
+          <a:blip r:embed="rId2">
+            <a:extLst>
+              <a:ext uri="{28A0092B-C50C-407E-A947-70E740481C1C}">
+                <a14:useLocalDpi xmlns:a14="http://schemas.microsoft.com/office/drawing/2010/main" val="0"/>
+              </a:ext>
+            </a:extLst>
+          </a:blip>
+          <a:stretch>
+            <a:fillRect/>
+          </a:stretch>
+        </p:blipFill>
+        <p:spPr>
+          <a:xfrm>
+            <a:off x="1838960" y="-208280"/>
+            <a:ext cx="6766560" cy="6766560"/>
+          </a:xfrm>
+          <a:prstGeom prst="rect">
+            <a:avLst/>
+          </a:prstGeom>
+        </p:spPr>
+      </p:pic>
+    </p:spTree>
+    <p:extLst>
+      <p:ext uri="{BB962C8B-B14F-4D97-AF65-F5344CB8AC3E}">
+        <p14:creationId xmlns:p14="http://schemas.microsoft.com/office/powerpoint/2010/main" val="1271937762"/>
+      </p:ext>
+    </p:extLst>
+  </p:cSld>
+  <p:clrMapOvr>
+    <a:masterClrMapping/>
+  </p:clrMapOvr>
+  <p:timing>
+    <p:tnLst>
+      <p:par>
+        <p:cTn id="1" dur="indefinite" restart="never" nodeType="tmRoot"/>
+      </p:par>
+    </p:tnLst>
+  </p:timing>
+</p:sld>
+</file>
+
+<file path=ppt/slides/slide6.xml><?xml version="1.0" encoding="utf-8"?>
+<p:sld xmlns:a="http://schemas.openxmlformats.org/drawingml/2006/main" xmlns:r="http://schemas.openxmlformats.org/officeDocument/2006/relationships" xmlns:p="http://schemas.openxmlformats.org/presentationml/2006/main">
+  <p:cSld>
+    <p:spTree>
+      <p:nvGrpSpPr>
+        <p:cNvPr id="1" name=""/>
+        <p:cNvGrpSpPr/>
+        <p:nvPr/>
+      </p:nvGrpSpPr>
+      <p:grpSpPr>
+        <a:xfrm>
+          <a:off x="0" y="0"/>
+          <a:ext cx="0" cy="0"/>
+          <a:chOff x="0" y="0"/>
+          <a:chExt cx="0" cy="0"/>
+        </a:xfrm>
+      </p:grpSpPr>
+      <p:pic>
+        <p:nvPicPr>
+          <p:cNvPr id="2" name="Picture 1"/>
+          <p:cNvPicPr>
+            <a:picLocks noChangeAspect="1"/>
+          </p:cNvPicPr>
+          <p:nvPr/>
+        </p:nvPicPr>
+        <p:blipFill>
+          <a:blip r:embed="rId3"/>
+          <a:stretch>
+            <a:fillRect/>
+          </a:stretch>
+        </p:blipFill>
+        <p:spPr>
+          <a:xfrm>
+            <a:off x="0" y="0"/>
+            <a:ext cx="12192000" cy="6857999"/>
+          </a:xfrm>
+          <a:prstGeom prst="rect">
+            <a:avLst/>
+          </a:prstGeom>
+        </p:spPr>
+      </p:pic>
+    </p:spTree>
+    <p:extLst>
+      <p:ext uri="{BB962C8B-B14F-4D97-AF65-F5344CB8AC3E}">
+        <p14:creationId xmlns:p14="http://schemas.microsoft.com/office/powerpoint/2010/main" val="223909521"/>
+      </p:ext>
+    </p:extLst>
+  </p:cSld>
+  <p:clrMapOvr>
+    <a:masterClrMapping/>
+  </p:clrMapOvr>
+  <p:timing>
+    <p:tnLst>
+      <p:par>
+        <p:cTn id="1" dur="indefinite" restart="never" nodeType="tmRoot"/>
+      </p:par>
+    </p:tnLst>
+  </p:timing>
+</p:sld>
+</file>
+
+<file path=ppt/slides/slide7.xml><?xml version="1.0" encoding="utf-8"?>
+<p:sld xmlns:a="http://schemas.openxmlformats.org/drawingml/2006/main" xmlns:r="http://schemas.openxmlformats.org/officeDocument/2006/relationships" xmlns:p="http://schemas.openxmlformats.org/presentationml/2006/main">
+  <p:cSld>
+    <p:spTree>
+      <p:nvGrpSpPr>
+        <p:cNvPr id="1" name=""/>
+        <p:cNvGrpSpPr/>
+        <p:nvPr/>
+      </p:nvGrpSpPr>
+      <p:grpSpPr>
+        <a:xfrm>
+          <a:off x="0" y="0"/>
+          <a:ext cx="0" cy="0"/>
+          <a:chOff x="0" y="0"/>
+          <a:chExt cx="0" cy="0"/>
+        </a:xfrm>
+      </p:grpSpPr>
+      <p:pic>
+        <p:nvPicPr>
+          <p:cNvPr id="4" name="Picture 3"/>
+          <p:cNvPicPr>
+            <a:picLocks noChangeAspect="1"/>
+          </p:cNvPicPr>
+          <p:nvPr/>
+        </p:nvPicPr>
+        <p:blipFill>
+          <a:blip r:embed="rId2"/>
+          <a:stretch>
+            <a:fillRect/>
+          </a:stretch>
+        </p:blipFill>
+        <p:spPr>
+          <a:xfrm>
+            <a:off x="0" y="0"/>
+            <a:ext cx="12192000" cy="6857999"/>
+          </a:xfrm>
+          <a:prstGeom prst="rect">
+            <a:avLst/>
+          </a:prstGeom>
+        </p:spPr>
+      </p:pic>
+    </p:spTree>
+    <p:extLst>
+      <p:ext uri="{BB962C8B-B14F-4D97-AF65-F5344CB8AC3E}">
+        <p14:creationId xmlns:p14="http://schemas.microsoft.com/office/powerpoint/2010/main" val="2976854555"/>
+      </p:ext>
+    </p:extLst>
+  </p:cSld>
+  <p:clrMapOvr>
+    <a:masterClrMapping/>
+  </p:clrMapOvr>
+  <p:timing>
+    <p:tnLst>
+      <p:par>
+        <p:cTn id="1" dur="indefinite" restart="never" nodeType="tmRoot"/>
+      </p:par>
+    </p:tnLst>
+  </p:timing>
+</p:sld>
+</file>
+
+<file path=ppt/slides/slide8.xml><?xml version="1.0" encoding="utf-8"?>
+<p:sld xmlns:a="http://schemas.openxmlformats.org/drawingml/2006/main" xmlns:r="http://schemas.openxmlformats.org/officeDocument/2006/relationships" xmlns:p="http://schemas.openxmlformats.org/presentationml/2006/main">
+  <p:cSld>
+    <p:spTree>
+      <p:nvGrpSpPr>
+        <p:cNvPr id="1" name=""/>
+        <p:cNvGrpSpPr/>
+        <p:nvPr/>
+      </p:nvGrpSpPr>
+      <p:grpSpPr>
+        <a:xfrm>
+          <a:off x="0" y="0"/>
+          <a:ext cx="0" cy="0"/>
+          <a:chOff x="0" y="0"/>
+          <a:chExt cx="0" cy="0"/>
+        </a:xfrm>
+      </p:grpSpPr>
+      <p:grpSp>
+        <p:nvGrpSpPr>
+          <p:cNvPr id="10" name="Group 9"/>
+          <p:cNvGrpSpPr/>
+          <p:nvPr/>
+        </p:nvGrpSpPr>
+        <p:grpSpPr>
+          <a:xfrm>
+            <a:off x="4338320" y="943258"/>
+            <a:ext cx="7853680" cy="5914742"/>
+            <a:chOff x="4439521" y="1124744"/>
+            <a:chExt cx="7639050" cy="5753100"/>
+          </a:xfrm>
+        </p:grpSpPr>
+        <p:pic>
+          <p:nvPicPr>
+            <p:cNvPr id="9" name="Picture 8"/>
+            <p:cNvPicPr>
+              <a:picLocks noChangeAspect="1"/>
+            </p:cNvPicPr>
+            <p:nvPr/>
+          </p:nvPicPr>
+          <p:blipFill>
+            <a:blip r:embed="rId3"/>
+            <a:stretch>
+              <a:fillRect/>
+            </a:stretch>
+          </p:blipFill>
+          <p:spPr>
+            <a:xfrm>
+              <a:off x="4439521" y="1124744"/>
+              <a:ext cx="7639050" cy="5753100"/>
+            </a:xfrm>
+            <a:prstGeom prst="rect">
+              <a:avLst/>
+            </a:prstGeom>
+          </p:spPr>
+        </p:pic>
+        <p:sp>
+          <p:nvSpPr>
+            <p:cNvPr id="6" name="Oval 5"/>
+            <p:cNvSpPr/>
+            <p:nvPr/>
+          </p:nvSpPr>
+          <p:spPr>
+            <a:xfrm>
+              <a:off x="8898551" y="1789440"/>
+              <a:ext cx="2624318" cy="1825173"/>
+            </a:xfrm>
+            <a:prstGeom prst="ellipse">
+              <a:avLst/>
+            </a:prstGeom>
+            <a:noFill/>
+            <a:ln w="76200">
+              <a:solidFill>
+                <a:srgbClr val="FF0000"/>
+              </a:solidFill>
+            </a:ln>
+          </p:spPr>
+          <p:style>
+            <a:lnRef idx="2">
+              <a:schemeClr val="accent1">
+                <a:shade val="50000"/>
+              </a:schemeClr>
+            </a:lnRef>
+            <a:fillRef idx="1">
+              <a:schemeClr val="accent1"/>
+            </a:fillRef>
+            <a:effectRef idx="0">
+              <a:schemeClr val="accent1"/>
+            </a:effectRef>
+            <a:fontRef idx="minor">
+              <a:schemeClr val="lt1"/>
+            </a:fontRef>
+          </p:style>
+          <p:txBody>
+            <a:bodyPr rtlCol="0" anchor="ctr"/>
+            <a:lstStyle/>
+            <a:p>
+              <a:pPr algn="ctr"/>
+              <a:endParaRPr lang="en-US"/>
+            </a:p>
+          </p:txBody>
+        </p:sp>
+        <p:sp>
+          <p:nvSpPr>
+            <p:cNvPr id="7" name="Oval 6"/>
+            <p:cNvSpPr/>
+            <p:nvPr/>
+          </p:nvSpPr>
+          <p:spPr>
+            <a:xfrm>
+              <a:off x="6766559" y="5541813"/>
+              <a:ext cx="2010071" cy="1066852"/>
+            </a:xfrm>
+            <a:prstGeom prst="ellipse">
+              <a:avLst/>
+            </a:prstGeom>
+            <a:noFill/>
+            <a:ln w="76200">
+              <a:solidFill>
+                <a:srgbClr val="FF0000"/>
+              </a:solidFill>
+            </a:ln>
+          </p:spPr>
+          <p:style>
+            <a:lnRef idx="2">
+              <a:schemeClr val="accent1">
+                <a:shade val="50000"/>
+              </a:schemeClr>
+            </a:lnRef>
+            <a:fillRef idx="1">
+              <a:schemeClr val="accent1"/>
+            </a:fillRef>
+            <a:effectRef idx="0">
+              <a:schemeClr val="accent1"/>
+            </a:effectRef>
+            <a:fontRef idx="minor">
+              <a:schemeClr val="lt1"/>
+            </a:fontRef>
+          </p:style>
+          <p:txBody>
+            <a:bodyPr rtlCol="0" anchor="ctr"/>
+            <a:lstStyle/>
+            <a:p>
+              <a:pPr algn="ctr"/>
+              <a:endParaRPr lang="en-US"/>
+            </a:p>
+          </p:txBody>
+        </p:sp>
+      </p:grpSp>
+      <p:sp>
+        <p:nvSpPr>
+          <p:cNvPr id="2" name="Title 1"/>
+          <p:cNvSpPr>
+            <a:spLocks noGrp="1"/>
+          </p:cNvSpPr>
+          <p:nvPr>
+            <p:ph type="title"/>
+          </p:nvPr>
+        </p:nvSpPr>
+        <p:spPr/>
+        <p:txBody>
+          <a:bodyPr/>
+          <a:lstStyle/>
+          <a:p>
+            <a:r>
+              <a:rPr lang="en-US" sz="7200" dirty="0" smtClean="0">
+                <a:solidFill>
+                  <a:prstClr val="black"/>
+                </a:solidFill>
+                <a:latin typeface="Agency FB" panose="020B0503020202020204" pitchFamily="34" charset="0"/>
+              </a:rPr>
+              <a:t>Managing Collisions</a:t>
+            </a:r>
+            <a:endParaRPr lang="en-US" dirty="0"/>
+          </a:p>
+        </p:txBody>
+      </p:sp>
+      <p:sp>
+        <p:nvSpPr>
+          <p:cNvPr id="3" name="Content Placeholder 2"/>
+          <p:cNvSpPr>
+            <a:spLocks noGrp="1"/>
+          </p:cNvSpPr>
+          <p:nvPr>
+            <p:ph idx="1"/>
+          </p:nvPr>
+        </p:nvSpPr>
+        <p:spPr/>
+        <p:txBody>
+          <a:bodyPr/>
+          <a:lstStyle/>
+          <a:p>
+            <a:pPr marL="0" indent="0">
+              <a:buNone/>
+            </a:pPr>
+            <a:r>
+              <a:rPr lang="en-US" dirty="0" smtClean="0"/>
+              <a:t> </a:t>
+            </a:r>
+            <a:endParaRPr lang="en-US" dirty="0"/>
+          </a:p>
+        </p:txBody>
+      </p:sp>
+    </p:spTree>
+    <p:extLst>
+      <p:ext uri="{BB962C8B-B14F-4D97-AF65-F5344CB8AC3E}">
+        <p14:creationId xmlns:p14="http://schemas.microsoft.com/office/powerpoint/2010/main" val="863066726"/>
+      </p:ext>
+    </p:extLst>
+  </p:cSld>
+  <p:clrMapOvr>
+    <a:masterClrMapping/>
+  </p:clrMapOvr>
+  <p:timing>
+    <p:tnLst>
+      <p:par>
+        <p:cTn id="1" dur="indefinite" restart="never" nodeType="tmRoot"/>
+      </p:par>
+    </p:tnLst>
+  </p:timing>
+</p:sld>
+</file>
+
+<file path=ppt/slides/slide9.xml><?xml version="1.0" encoding="utf-8"?>
+<p:sld xmlns:a="http://schemas.openxmlformats.org/drawingml/2006/main" xmlns:r="http://schemas.openxmlformats.org/officeDocument/2006/relationships" xmlns:p="http://schemas.openxmlformats.org/presentationml/2006/main">
+  <p:cSld>
+    <p:spTree>
+      <p:nvGrpSpPr>
+        <p:cNvPr id="1" name=""/>
+        <p:cNvGrpSpPr/>
+        <p:nvPr/>
+      </p:nvGrpSpPr>
+      <p:grpSpPr>
+        <a:xfrm>
+          <a:off x="0" y="0"/>
+          <a:ext cx="0" cy="0"/>
+          <a:chOff x="0" y="0"/>
+          <a:chExt cx="0" cy="0"/>
+        </a:xfrm>
+      </p:grpSpPr>
+      <p:sp>
+        <p:nvSpPr>
+          <p:cNvPr id="2" name="Title 1"/>
+          <p:cNvSpPr>
+            <a:spLocks noGrp="1"/>
+          </p:cNvSpPr>
+          <p:nvPr>
+            <p:ph type="title"/>
+          </p:nvPr>
+        </p:nvSpPr>
+        <p:spPr/>
+        <p:txBody>
+          <a:bodyPr/>
+          <a:lstStyle/>
+          <a:p>
+            <a:r>
+              <a:rPr lang="en-US" sz="7200" dirty="0" smtClean="0">
+                <a:solidFill>
+                  <a:prstClr val="black"/>
+                </a:solidFill>
+                <a:latin typeface="Agency FB" panose="020B0503020202020204" pitchFamily="34" charset="0"/>
+              </a:rPr>
+              <a:t>Resulting Glitch</a:t>
+            </a:r>
+            <a:endParaRPr lang="en-US" dirty="0"/>
+          </a:p>
+        </p:txBody>
+      </p:sp>
+      <p:pic>
+        <p:nvPicPr>
+          <p:cNvPr id="5" name="Picture 4"/>
+          <p:cNvPicPr>
+            <a:picLocks noChangeAspect="1"/>
+          </p:cNvPicPr>
+          <p:nvPr/>
+        </p:nvPicPr>
+        <p:blipFill rotWithShape="1">
+          <a:blip r:embed="rId3"/>
+          <a:srcRect r="46881"/>
+          <a:stretch/>
+        </p:blipFill>
+        <p:spPr>
+          <a:xfrm>
+            <a:off x="529468" y="1569076"/>
+            <a:ext cx="5585749" cy="5324778"/>
+          </a:xfrm>
+          <a:prstGeom prst="rect">
+            <a:avLst/>
+          </a:prstGeom>
+        </p:spPr>
+      </p:pic>
+      <p:grpSp>
+        <p:nvGrpSpPr>
+          <p:cNvPr id="8" name="Group 7"/>
+          <p:cNvGrpSpPr/>
+          <p:nvPr/>
+        </p:nvGrpSpPr>
+        <p:grpSpPr>
+          <a:xfrm>
+            <a:off x="1984604" y="2418935"/>
+            <a:ext cx="2963460" cy="2479733"/>
+            <a:chOff x="2227122" y="2613751"/>
+            <a:chExt cx="2963460" cy="2479733"/>
+          </a:xfrm>
+        </p:grpSpPr>
+        <p:pic>
+          <p:nvPicPr>
+            <p:cNvPr id="12" name="Picture 11"/>
+            <p:cNvPicPr>
+              <a:picLocks noChangeAspect="1"/>
+            </p:cNvPicPr>
+            <p:nvPr/>
+          </p:nvPicPr>
+          <p:blipFill>
+            <a:blip r:embed="rId4">
+              <a:extLst>
+                <a:ext uri="{28A0092B-C50C-407E-A947-70E740481C1C}">
+                  <a14:useLocalDpi xmlns:a14="http://schemas.microsoft.com/office/drawing/2010/main" val="0"/>
+                </a:ext>
+              </a:extLst>
+            </a:blip>
+            <a:stretch>
+              <a:fillRect/>
+            </a:stretch>
+          </p:blipFill>
+          <p:spPr>
+            <a:xfrm>
+              <a:off x="3604260" y="3665051"/>
+              <a:ext cx="534022" cy="534022"/>
+            </a:xfrm>
+            <a:prstGeom prst="rect">
+              <a:avLst/>
+            </a:prstGeom>
+          </p:spPr>
+        </p:pic>
+        <p:pic>
+          <p:nvPicPr>
+            <p:cNvPr id="13" name="Picture 12"/>
+            <p:cNvPicPr>
+              <a:picLocks noChangeAspect="1"/>
+            </p:cNvPicPr>
+            <p:nvPr/>
+          </p:nvPicPr>
+          <p:blipFill>
+            <a:blip r:embed="rId4">
+              <a:extLst>
+                <a:ext uri="{28A0092B-C50C-407E-A947-70E740481C1C}">
+                  <a14:useLocalDpi xmlns:a14="http://schemas.microsoft.com/office/drawing/2010/main" val="0"/>
+                </a:ext>
+              </a:extLst>
+            </a:blip>
+            <a:stretch>
+              <a:fillRect/>
+            </a:stretch>
+          </p:blipFill>
+          <p:spPr>
+            <a:xfrm>
+              <a:off x="4076700" y="3263103"/>
+              <a:ext cx="534022" cy="534022"/>
+            </a:xfrm>
+            <a:prstGeom prst="rect">
+              <a:avLst/>
+            </a:prstGeom>
+          </p:spPr>
+        </p:pic>
+        <p:pic>
+          <p:nvPicPr>
+            <p:cNvPr id="14" name="Picture 13"/>
+            <p:cNvPicPr>
+              <a:picLocks noChangeAspect="1"/>
+            </p:cNvPicPr>
+            <p:nvPr/>
+          </p:nvPicPr>
+          <p:blipFill>
+            <a:blip r:embed="rId4">
+              <a:extLst>
+                <a:ext uri="{28A0092B-C50C-407E-A947-70E740481C1C}">
+                  <a14:useLocalDpi xmlns:a14="http://schemas.microsoft.com/office/drawing/2010/main" val="0"/>
+                </a:ext>
+              </a:extLst>
+            </a:blip>
+            <a:stretch>
+              <a:fillRect/>
+            </a:stretch>
+          </p:blipFill>
+          <p:spPr>
+            <a:xfrm>
+              <a:off x="3306458" y="3063561"/>
+              <a:ext cx="534022" cy="534022"/>
+            </a:xfrm>
+            <a:prstGeom prst="rect">
+              <a:avLst/>
+            </a:prstGeom>
+          </p:spPr>
+        </p:pic>
+        <p:pic>
+          <p:nvPicPr>
+            <p:cNvPr id="15" name="Picture 14"/>
+            <p:cNvPicPr>
+              <a:picLocks noChangeAspect="1"/>
+            </p:cNvPicPr>
+            <p:nvPr/>
+          </p:nvPicPr>
+          <p:blipFill>
+            <a:blip r:embed="rId4">
+              <a:extLst>
+                <a:ext uri="{28A0092B-C50C-407E-A947-70E740481C1C}">
+                  <a14:useLocalDpi xmlns:a14="http://schemas.microsoft.com/office/drawing/2010/main" val="0"/>
+                </a:ext>
+              </a:extLst>
+            </a:blip>
+            <a:stretch>
+              <a:fillRect/>
+            </a:stretch>
+          </p:blipFill>
+          <p:spPr>
+            <a:xfrm>
+              <a:off x="3298527" y="3999531"/>
+              <a:ext cx="534022" cy="534022"/>
+            </a:xfrm>
+            <a:prstGeom prst="rect">
+              <a:avLst/>
+            </a:prstGeom>
+          </p:spPr>
+        </p:pic>
+        <p:pic>
+          <p:nvPicPr>
+            <p:cNvPr id="18" name="Picture 17"/>
+            <p:cNvPicPr>
+              <a:picLocks noChangeAspect="1"/>
+            </p:cNvPicPr>
+            <p:nvPr/>
+          </p:nvPicPr>
+          <p:blipFill>
+            <a:blip r:embed="rId5">
+              <a:extLst>
+                <a:ext uri="{28A0092B-C50C-407E-A947-70E740481C1C}">
+                  <a14:useLocalDpi xmlns:a14="http://schemas.microsoft.com/office/drawing/2010/main" val="0"/>
+                </a:ext>
+              </a:extLst>
+            </a:blip>
+            <a:stretch>
+              <a:fillRect/>
+            </a:stretch>
+          </p:blipFill>
+          <p:spPr>
+            <a:xfrm>
+              <a:off x="3962556" y="3731088"/>
+              <a:ext cx="534022" cy="534022"/>
+            </a:xfrm>
+            <a:prstGeom prst="rect">
+              <a:avLst/>
+            </a:prstGeom>
+          </p:spPr>
+        </p:pic>
+        <p:pic>
+          <p:nvPicPr>
+            <p:cNvPr id="19" name="Picture 18"/>
+            <p:cNvPicPr>
+              <a:picLocks noChangeAspect="1"/>
+            </p:cNvPicPr>
+            <p:nvPr/>
+          </p:nvPicPr>
+          <p:blipFill>
+            <a:blip r:embed="rId5">
+              <a:extLst>
+                <a:ext uri="{28A0092B-C50C-407E-A947-70E740481C1C}">
+                  <a14:useLocalDpi xmlns:a14="http://schemas.microsoft.com/office/drawing/2010/main" val="0"/>
+                </a:ext>
+              </a:extLst>
+            </a:blip>
+            <a:stretch>
+              <a:fillRect/>
+            </a:stretch>
+          </p:blipFill>
+          <p:spPr>
+            <a:xfrm>
+              <a:off x="3389812" y="3497811"/>
+              <a:ext cx="534022" cy="534022"/>
+            </a:xfrm>
+            <a:prstGeom prst="rect">
+              <a:avLst/>
+            </a:prstGeom>
+          </p:spPr>
+        </p:pic>
+        <p:pic>
+          <p:nvPicPr>
+            <p:cNvPr id="20" name="Picture 19"/>
+            <p:cNvPicPr>
+              <a:picLocks noChangeAspect="1"/>
+            </p:cNvPicPr>
+            <p:nvPr/>
+          </p:nvPicPr>
+          <p:blipFill>
+            <a:blip r:embed="rId5">
+              <a:extLst>
+                <a:ext uri="{28A0092B-C50C-407E-A947-70E740481C1C}">
+                  <a14:useLocalDpi xmlns:a14="http://schemas.microsoft.com/office/drawing/2010/main" val="0"/>
+                </a:ext>
+              </a:extLst>
+            </a:blip>
+            <a:stretch>
+              <a:fillRect/>
+            </a:stretch>
+          </p:blipFill>
+          <p:spPr>
+            <a:xfrm>
+              <a:off x="3832238" y="3095094"/>
+              <a:ext cx="534022" cy="534022"/>
+            </a:xfrm>
+            <a:prstGeom prst="rect">
+              <a:avLst/>
+            </a:prstGeom>
+          </p:spPr>
+        </p:pic>
+        <p:pic>
+          <p:nvPicPr>
+            <p:cNvPr id="21" name="Picture 20"/>
+            <p:cNvPicPr>
+              <a:picLocks noChangeAspect="1"/>
+            </p:cNvPicPr>
+            <p:nvPr/>
+          </p:nvPicPr>
+          <p:blipFill>
+            <a:blip r:embed="rId5">
+              <a:extLst>
+                <a:ext uri="{28A0092B-C50C-407E-A947-70E740481C1C}">
+                  <a14:useLocalDpi xmlns:a14="http://schemas.microsoft.com/office/drawing/2010/main" val="0"/>
+                </a:ext>
+              </a:extLst>
+            </a:blip>
+            <a:stretch>
+              <a:fillRect/>
+            </a:stretch>
+          </p:blipFill>
+          <p:spPr>
+            <a:xfrm>
+              <a:off x="2954772" y="3332765"/>
+              <a:ext cx="534022" cy="534022"/>
+            </a:xfrm>
+            <a:prstGeom prst="rect">
+              <a:avLst/>
+            </a:prstGeom>
+          </p:spPr>
+        </p:pic>
+        <p:pic>
+          <p:nvPicPr>
+            <p:cNvPr id="22" name="Picture 21"/>
+            <p:cNvPicPr>
+              <a:picLocks noChangeAspect="1"/>
+            </p:cNvPicPr>
+            <p:nvPr/>
+          </p:nvPicPr>
+          <p:blipFill>
+            <a:blip r:embed="rId4">
+              <a:extLst>
+                <a:ext uri="{28A0092B-C50C-407E-A947-70E740481C1C}">
+                  <a14:useLocalDpi xmlns:a14="http://schemas.microsoft.com/office/drawing/2010/main" val="0"/>
+                </a:ext>
+              </a:extLst>
+            </a:blip>
+            <a:stretch>
+              <a:fillRect/>
+            </a:stretch>
+          </p:blipFill>
+          <p:spPr>
+            <a:xfrm>
+              <a:off x="3317772" y="3087184"/>
+              <a:ext cx="534022" cy="534022"/>
+            </a:xfrm>
+            <a:prstGeom prst="rect">
+              <a:avLst/>
+            </a:prstGeom>
+          </p:spPr>
+        </p:pic>
+        <p:pic>
+          <p:nvPicPr>
+            <p:cNvPr id="23" name="Picture 22"/>
+            <p:cNvPicPr>
+              <a:picLocks noChangeAspect="1"/>
+            </p:cNvPicPr>
+            <p:nvPr/>
+          </p:nvPicPr>
+          <p:blipFill>
+            <a:blip r:embed="rId5">
+              <a:extLst>
+                <a:ext uri="{28A0092B-C50C-407E-A947-70E740481C1C}">
+                  <a14:useLocalDpi xmlns:a14="http://schemas.microsoft.com/office/drawing/2010/main" val="0"/>
+                </a:ext>
+              </a:extLst>
+            </a:blip>
+            <a:stretch>
+              <a:fillRect/>
+            </a:stretch>
+          </p:blipFill>
+          <p:spPr>
+            <a:xfrm>
+              <a:off x="3401126" y="3521434"/>
+              <a:ext cx="534022" cy="534022"/>
+            </a:xfrm>
+            <a:prstGeom prst="rect">
+              <a:avLst/>
+            </a:prstGeom>
+          </p:spPr>
+        </p:pic>
+        <p:pic>
+          <p:nvPicPr>
+            <p:cNvPr id="24" name="Picture 23"/>
+            <p:cNvPicPr>
+              <a:picLocks noChangeAspect="1"/>
+            </p:cNvPicPr>
+            <p:nvPr/>
+          </p:nvPicPr>
+          <p:blipFill>
+            <a:blip r:embed="rId5">
+              <a:extLst>
+                <a:ext uri="{28A0092B-C50C-407E-A947-70E740481C1C}">
+                  <a14:useLocalDpi xmlns:a14="http://schemas.microsoft.com/office/drawing/2010/main" val="0"/>
+                </a:ext>
+              </a:extLst>
+            </a:blip>
+            <a:stretch>
+              <a:fillRect/>
+            </a:stretch>
+          </p:blipFill>
+          <p:spPr>
+            <a:xfrm>
+              <a:off x="2966086" y="3356388"/>
+              <a:ext cx="534022" cy="534022"/>
+            </a:xfrm>
+            <a:prstGeom prst="rect">
+              <a:avLst/>
+            </a:prstGeom>
+          </p:spPr>
+        </p:pic>
+        <p:pic>
+          <p:nvPicPr>
+            <p:cNvPr id="32" name="Picture 31"/>
+            <p:cNvPicPr>
+              <a:picLocks noChangeAspect="1"/>
+            </p:cNvPicPr>
+            <p:nvPr/>
+          </p:nvPicPr>
+          <p:blipFill>
+            <a:blip r:embed="rId4">
+              <a:extLst>
+                <a:ext uri="{28A0092B-C50C-407E-A947-70E740481C1C}">
+                  <a14:useLocalDpi xmlns:a14="http://schemas.microsoft.com/office/drawing/2010/main" val="0"/>
+                </a:ext>
+              </a:extLst>
+            </a:blip>
+            <a:stretch>
+              <a:fillRect/>
+            </a:stretch>
+          </p:blipFill>
+          <p:spPr>
+            <a:xfrm>
+              <a:off x="3337736" y="3823034"/>
+              <a:ext cx="534022" cy="534022"/>
+            </a:xfrm>
+            <a:prstGeom prst="rect">
+              <a:avLst/>
+            </a:prstGeom>
+          </p:spPr>
+        </p:pic>
+        <p:pic>
+          <p:nvPicPr>
+            <p:cNvPr id="33" name="Picture 32"/>
+            <p:cNvPicPr>
+              <a:picLocks noChangeAspect="1"/>
+            </p:cNvPicPr>
+            <p:nvPr/>
+          </p:nvPicPr>
+          <p:blipFill>
+            <a:blip r:embed="rId4">
+              <a:extLst>
+                <a:ext uri="{28A0092B-C50C-407E-A947-70E740481C1C}">
+                  <a14:useLocalDpi xmlns:a14="http://schemas.microsoft.com/office/drawing/2010/main" val="0"/>
+                </a:ext>
+              </a:extLst>
+            </a:blip>
+            <a:stretch>
+              <a:fillRect/>
+            </a:stretch>
+          </p:blipFill>
+          <p:spPr>
+            <a:xfrm>
+              <a:off x="2559563" y="4559462"/>
+              <a:ext cx="534022" cy="534022"/>
+            </a:xfrm>
+            <a:prstGeom prst="rect">
+              <a:avLst/>
+            </a:prstGeom>
+          </p:spPr>
+        </p:pic>
+        <p:pic>
+          <p:nvPicPr>
+            <p:cNvPr id="34" name="Picture 33"/>
+            <p:cNvPicPr>
+              <a:picLocks noChangeAspect="1"/>
+            </p:cNvPicPr>
+            <p:nvPr/>
+          </p:nvPicPr>
+          <p:blipFill>
+            <a:blip r:embed="rId5">
+              <a:extLst>
+                <a:ext uri="{28A0092B-C50C-407E-A947-70E740481C1C}">
+                  <a14:useLocalDpi xmlns:a14="http://schemas.microsoft.com/office/drawing/2010/main" val="0"/>
+                </a:ext>
+              </a:extLst>
+            </a:blip>
+            <a:stretch>
+              <a:fillRect/>
+            </a:stretch>
+          </p:blipFill>
+          <p:spPr>
+            <a:xfrm>
+              <a:off x="3223592" y="4291019"/>
+              <a:ext cx="534022" cy="534022"/>
+            </a:xfrm>
+            <a:prstGeom prst="rect">
+              <a:avLst/>
+            </a:prstGeom>
+          </p:spPr>
+        </p:pic>
+        <p:pic>
+          <p:nvPicPr>
+            <p:cNvPr id="35" name="Picture 34"/>
+            <p:cNvPicPr>
+              <a:picLocks noChangeAspect="1"/>
+            </p:cNvPicPr>
+            <p:nvPr/>
+          </p:nvPicPr>
+          <p:blipFill>
+            <a:blip r:embed="rId5">
+              <a:extLst>
+                <a:ext uri="{28A0092B-C50C-407E-A947-70E740481C1C}">
+                  <a14:useLocalDpi xmlns:a14="http://schemas.microsoft.com/office/drawing/2010/main" val="0"/>
+                </a:ext>
+              </a:extLst>
+            </a:blip>
+            <a:stretch>
+              <a:fillRect/>
+            </a:stretch>
+          </p:blipFill>
+          <p:spPr>
+            <a:xfrm>
+              <a:off x="3093274" y="3655025"/>
+              <a:ext cx="534022" cy="534022"/>
+            </a:xfrm>
+            <a:prstGeom prst="rect">
+              <a:avLst/>
+            </a:prstGeom>
+          </p:spPr>
+        </p:pic>
+        <p:pic>
+          <p:nvPicPr>
+            <p:cNvPr id="36" name="Picture 35"/>
+            <p:cNvPicPr>
+              <a:picLocks noChangeAspect="1"/>
+            </p:cNvPicPr>
+            <p:nvPr/>
+          </p:nvPicPr>
+          <p:blipFill>
+            <a:blip r:embed="rId4">
+              <a:extLst>
+                <a:ext uri="{28A0092B-C50C-407E-A947-70E740481C1C}">
+                  <a14:useLocalDpi xmlns:a14="http://schemas.microsoft.com/office/drawing/2010/main" val="0"/>
+                </a:ext>
+              </a:extLst>
+            </a:blip>
+            <a:stretch>
+              <a:fillRect/>
+            </a:stretch>
+          </p:blipFill>
+          <p:spPr>
+            <a:xfrm>
+              <a:off x="2578808" y="3647115"/>
+              <a:ext cx="534022" cy="534022"/>
+            </a:xfrm>
+            <a:prstGeom prst="rect">
+              <a:avLst/>
+            </a:prstGeom>
+          </p:spPr>
+        </p:pic>
+        <p:pic>
+          <p:nvPicPr>
+            <p:cNvPr id="37" name="Picture 36"/>
+            <p:cNvPicPr>
+              <a:picLocks noChangeAspect="1"/>
+            </p:cNvPicPr>
+            <p:nvPr/>
+          </p:nvPicPr>
+          <p:blipFill>
+            <a:blip r:embed="rId5">
+              <a:extLst>
+                <a:ext uri="{28A0092B-C50C-407E-A947-70E740481C1C}">
+                  <a14:useLocalDpi xmlns:a14="http://schemas.microsoft.com/office/drawing/2010/main" val="0"/>
+                </a:ext>
+              </a:extLst>
+            </a:blip>
+            <a:stretch>
+              <a:fillRect/>
+            </a:stretch>
+          </p:blipFill>
+          <p:spPr>
+            <a:xfrm>
+              <a:off x="2662162" y="4081365"/>
+              <a:ext cx="534022" cy="534022"/>
+            </a:xfrm>
+            <a:prstGeom prst="rect">
+              <a:avLst/>
+            </a:prstGeom>
+          </p:spPr>
+        </p:pic>
+        <p:pic>
+          <p:nvPicPr>
+            <p:cNvPr id="38" name="Picture 37"/>
+            <p:cNvPicPr>
+              <a:picLocks noChangeAspect="1"/>
+            </p:cNvPicPr>
+            <p:nvPr/>
+          </p:nvPicPr>
+          <p:blipFill>
+            <a:blip r:embed="rId5">
+              <a:extLst>
+                <a:ext uri="{28A0092B-C50C-407E-A947-70E740481C1C}">
+                  <a14:useLocalDpi xmlns:a14="http://schemas.microsoft.com/office/drawing/2010/main" val="0"/>
+                </a:ext>
+              </a:extLst>
+            </a:blip>
+            <a:stretch>
+              <a:fillRect/>
+            </a:stretch>
+          </p:blipFill>
+          <p:spPr>
+            <a:xfrm>
+              <a:off x="2227122" y="3916319"/>
+              <a:ext cx="534022" cy="534022"/>
+            </a:xfrm>
+            <a:prstGeom prst="rect">
+              <a:avLst/>
+            </a:prstGeom>
+          </p:spPr>
+        </p:pic>
+        <p:pic>
+          <p:nvPicPr>
+            <p:cNvPr id="39" name="Picture 38"/>
+            <p:cNvPicPr>
+              <a:picLocks noChangeAspect="1"/>
+            </p:cNvPicPr>
+            <p:nvPr/>
+          </p:nvPicPr>
+          <p:blipFill>
+            <a:blip r:embed="rId4">
+              <a:extLst>
+                <a:ext uri="{28A0092B-C50C-407E-A947-70E740481C1C}">
+                  <a14:useLocalDpi xmlns:a14="http://schemas.microsoft.com/office/drawing/2010/main" val="0"/>
+                </a:ext>
+              </a:extLst>
+            </a:blip>
+            <a:stretch>
+              <a:fillRect/>
+            </a:stretch>
+          </p:blipFill>
+          <p:spPr>
+            <a:xfrm>
+              <a:off x="4656560" y="3755480"/>
+              <a:ext cx="534022" cy="534022"/>
+            </a:xfrm>
+            <a:prstGeom prst="rect">
+              <a:avLst/>
+            </a:prstGeom>
+          </p:spPr>
+        </p:pic>
+        <p:pic>
+          <p:nvPicPr>
+            <p:cNvPr id="40" name="Picture 39"/>
+            <p:cNvPicPr>
+              <a:picLocks noChangeAspect="1"/>
+            </p:cNvPicPr>
+            <p:nvPr/>
+          </p:nvPicPr>
+          <p:blipFill>
+            <a:blip r:embed="rId4">
+              <a:extLst>
+                <a:ext uri="{28A0092B-C50C-407E-A947-70E740481C1C}">
+                  <a14:useLocalDpi xmlns:a14="http://schemas.microsoft.com/office/drawing/2010/main" val="0"/>
+                </a:ext>
+              </a:extLst>
+            </a:blip>
+            <a:stretch>
+              <a:fillRect/>
+            </a:stretch>
+          </p:blipFill>
+          <p:spPr>
+            <a:xfrm>
+              <a:off x="3878387" y="4491908"/>
+              <a:ext cx="534022" cy="534022"/>
+            </a:xfrm>
+            <a:prstGeom prst="rect">
+              <a:avLst/>
+            </a:prstGeom>
+          </p:spPr>
+        </p:pic>
+        <p:pic>
+          <p:nvPicPr>
+            <p:cNvPr id="41" name="Picture 40"/>
+            <p:cNvPicPr>
+              <a:picLocks noChangeAspect="1"/>
+            </p:cNvPicPr>
+            <p:nvPr/>
+          </p:nvPicPr>
+          <p:blipFill>
+            <a:blip r:embed="rId5">
+              <a:extLst>
+                <a:ext uri="{28A0092B-C50C-407E-A947-70E740481C1C}">
+                  <a14:useLocalDpi xmlns:a14="http://schemas.microsoft.com/office/drawing/2010/main" val="0"/>
+                </a:ext>
+              </a:extLst>
+            </a:blip>
+            <a:stretch>
+              <a:fillRect/>
+            </a:stretch>
+          </p:blipFill>
+          <p:spPr>
+            <a:xfrm>
+              <a:off x="4542416" y="4223465"/>
+              <a:ext cx="534022" cy="534022"/>
+            </a:xfrm>
+            <a:prstGeom prst="rect">
+              <a:avLst/>
+            </a:prstGeom>
+          </p:spPr>
+        </p:pic>
+        <p:pic>
+          <p:nvPicPr>
+            <p:cNvPr id="42" name="Picture 41"/>
+            <p:cNvPicPr>
+              <a:picLocks noChangeAspect="1"/>
+            </p:cNvPicPr>
+            <p:nvPr/>
+          </p:nvPicPr>
+          <p:blipFill>
+            <a:blip r:embed="rId5">
+              <a:extLst>
+                <a:ext uri="{28A0092B-C50C-407E-A947-70E740481C1C}">
+                  <a14:useLocalDpi xmlns:a14="http://schemas.microsoft.com/office/drawing/2010/main" val="0"/>
+                </a:ext>
+              </a:extLst>
+            </a:blip>
+            <a:stretch>
+              <a:fillRect/>
+            </a:stretch>
+          </p:blipFill>
+          <p:spPr>
+            <a:xfrm>
+              <a:off x="4412098" y="3587471"/>
+              <a:ext cx="534022" cy="534022"/>
+            </a:xfrm>
+            <a:prstGeom prst="rect">
+              <a:avLst/>
+            </a:prstGeom>
+          </p:spPr>
+        </p:pic>
+        <p:pic>
+          <p:nvPicPr>
+            <p:cNvPr id="43" name="Picture 42"/>
+            <p:cNvPicPr>
+              <a:picLocks noChangeAspect="1"/>
+            </p:cNvPicPr>
+            <p:nvPr/>
+          </p:nvPicPr>
+          <p:blipFill>
+            <a:blip r:embed="rId4">
+              <a:extLst>
+                <a:ext uri="{28A0092B-C50C-407E-A947-70E740481C1C}">
+                  <a14:useLocalDpi xmlns:a14="http://schemas.microsoft.com/office/drawing/2010/main" val="0"/>
+                </a:ext>
+              </a:extLst>
+            </a:blip>
+            <a:stretch>
+              <a:fillRect/>
+            </a:stretch>
+          </p:blipFill>
+          <p:spPr>
+            <a:xfrm>
+              <a:off x="3897632" y="3579561"/>
+              <a:ext cx="534022" cy="534022"/>
+            </a:xfrm>
+            <a:prstGeom prst="rect">
+              <a:avLst/>
+            </a:prstGeom>
+          </p:spPr>
+        </p:pic>
+        <p:pic>
+          <p:nvPicPr>
+            <p:cNvPr id="44" name="Picture 43"/>
+            <p:cNvPicPr>
+              <a:picLocks noChangeAspect="1"/>
+            </p:cNvPicPr>
+            <p:nvPr/>
+          </p:nvPicPr>
+          <p:blipFill>
+            <a:blip r:embed="rId5">
+              <a:extLst>
+                <a:ext uri="{28A0092B-C50C-407E-A947-70E740481C1C}">
+                  <a14:useLocalDpi xmlns:a14="http://schemas.microsoft.com/office/drawing/2010/main" val="0"/>
+                </a:ext>
+              </a:extLst>
+            </a:blip>
+            <a:stretch>
+              <a:fillRect/>
+            </a:stretch>
+          </p:blipFill>
+          <p:spPr>
+            <a:xfrm>
+              <a:off x="3980986" y="4013811"/>
+              <a:ext cx="534022" cy="534022"/>
+            </a:xfrm>
+            <a:prstGeom prst="rect">
+              <a:avLst/>
+            </a:prstGeom>
+          </p:spPr>
+        </p:pic>
+        <p:pic>
+          <p:nvPicPr>
+            <p:cNvPr id="45" name="Picture 44"/>
+            <p:cNvPicPr>
+              <a:picLocks noChangeAspect="1"/>
+            </p:cNvPicPr>
+            <p:nvPr/>
+          </p:nvPicPr>
+          <p:blipFill>
+            <a:blip r:embed="rId5">
+              <a:extLst>
+                <a:ext uri="{28A0092B-C50C-407E-A947-70E740481C1C}">
+                  <a14:useLocalDpi xmlns:a14="http://schemas.microsoft.com/office/drawing/2010/main" val="0"/>
+                </a:ext>
+              </a:extLst>
+            </a:blip>
+            <a:stretch>
+              <a:fillRect/>
+            </a:stretch>
+          </p:blipFill>
+          <p:spPr>
+            <a:xfrm>
+              <a:off x="3545946" y="3848765"/>
+              <a:ext cx="534022" cy="534022"/>
+            </a:xfrm>
+            <a:prstGeom prst="rect">
+              <a:avLst/>
+            </a:prstGeom>
+          </p:spPr>
+        </p:pic>
+        <p:pic>
+          <p:nvPicPr>
+            <p:cNvPr id="46" name="Picture 45"/>
+            <p:cNvPicPr>
+              <a:picLocks noChangeAspect="1"/>
+            </p:cNvPicPr>
+            <p:nvPr/>
+          </p:nvPicPr>
+          <p:blipFill>
+            <a:blip r:embed="rId4">
+              <a:extLst>
+                <a:ext uri="{28A0092B-C50C-407E-A947-70E740481C1C}">
+                  <a14:useLocalDpi xmlns:a14="http://schemas.microsoft.com/office/drawing/2010/main" val="0"/>
+                </a:ext>
+              </a:extLst>
+            </a:blip>
+            <a:stretch>
+              <a:fillRect/>
+            </a:stretch>
+          </p:blipFill>
+          <p:spPr>
+            <a:xfrm>
+              <a:off x="3773050" y="2789670"/>
+              <a:ext cx="534022" cy="534022"/>
+            </a:xfrm>
+            <a:prstGeom prst="rect">
+              <a:avLst/>
+            </a:prstGeom>
+          </p:spPr>
+        </p:pic>
+        <p:pic>
+          <p:nvPicPr>
+            <p:cNvPr id="47" name="Picture 46"/>
+            <p:cNvPicPr>
+              <a:picLocks noChangeAspect="1"/>
+            </p:cNvPicPr>
+            <p:nvPr/>
+          </p:nvPicPr>
+          <p:blipFill>
+            <a:blip r:embed="rId4">
+              <a:extLst>
+                <a:ext uri="{28A0092B-C50C-407E-A947-70E740481C1C}">
+                  <a14:useLocalDpi xmlns:a14="http://schemas.microsoft.com/office/drawing/2010/main" val="0"/>
+                </a:ext>
+              </a:extLst>
+            </a:blip>
+            <a:stretch>
+              <a:fillRect/>
+            </a:stretch>
+          </p:blipFill>
+          <p:spPr>
+            <a:xfrm>
+              <a:off x="2994877" y="3526098"/>
+              <a:ext cx="534022" cy="534022"/>
+            </a:xfrm>
+            <a:prstGeom prst="rect">
+              <a:avLst/>
+            </a:prstGeom>
+          </p:spPr>
+        </p:pic>
+        <p:pic>
+          <p:nvPicPr>
+            <p:cNvPr id="48" name="Picture 47"/>
+            <p:cNvPicPr>
+              <a:picLocks noChangeAspect="1"/>
+            </p:cNvPicPr>
+            <p:nvPr/>
+          </p:nvPicPr>
+          <p:blipFill>
+            <a:blip r:embed="rId5">
+              <a:extLst>
+                <a:ext uri="{28A0092B-C50C-407E-A947-70E740481C1C}">
+                  <a14:useLocalDpi xmlns:a14="http://schemas.microsoft.com/office/drawing/2010/main" val="0"/>
+                </a:ext>
+              </a:extLst>
+            </a:blip>
+            <a:stretch>
+              <a:fillRect/>
+            </a:stretch>
+          </p:blipFill>
+          <p:spPr>
+            <a:xfrm>
+              <a:off x="3658906" y="3257655"/>
+              <a:ext cx="534022" cy="534022"/>
+            </a:xfrm>
+            <a:prstGeom prst="rect">
+              <a:avLst/>
+            </a:prstGeom>
+          </p:spPr>
+        </p:pic>
+        <p:pic>
+          <p:nvPicPr>
+            <p:cNvPr id="49" name="Picture 48"/>
+            <p:cNvPicPr>
+              <a:picLocks noChangeAspect="1"/>
+            </p:cNvPicPr>
+            <p:nvPr/>
+          </p:nvPicPr>
+          <p:blipFill>
+            <a:blip r:embed="rId5">
+              <a:extLst>
+                <a:ext uri="{28A0092B-C50C-407E-A947-70E740481C1C}">
+                  <a14:useLocalDpi xmlns:a14="http://schemas.microsoft.com/office/drawing/2010/main" val="0"/>
+                </a:ext>
+              </a:extLst>
+            </a:blip>
+            <a:stretch>
+              <a:fillRect/>
+            </a:stretch>
+          </p:blipFill>
+          <p:spPr>
+            <a:xfrm>
+              <a:off x="3528588" y="2621661"/>
+              <a:ext cx="534022" cy="534022"/>
+            </a:xfrm>
+            <a:prstGeom prst="rect">
+              <a:avLst/>
+            </a:prstGeom>
+          </p:spPr>
+        </p:pic>
+        <p:pic>
+          <p:nvPicPr>
+            <p:cNvPr id="50" name="Picture 49"/>
+            <p:cNvPicPr>
+              <a:picLocks noChangeAspect="1"/>
+            </p:cNvPicPr>
+            <p:nvPr/>
+          </p:nvPicPr>
+          <p:blipFill>
+            <a:blip r:embed="rId4">
+              <a:extLst>
+                <a:ext uri="{28A0092B-C50C-407E-A947-70E740481C1C}">
+                  <a14:useLocalDpi xmlns:a14="http://schemas.microsoft.com/office/drawing/2010/main" val="0"/>
+                </a:ext>
+              </a:extLst>
+            </a:blip>
+            <a:stretch>
+              <a:fillRect/>
+            </a:stretch>
+          </p:blipFill>
+          <p:spPr>
+            <a:xfrm>
+              <a:off x="3014122" y="2613751"/>
+              <a:ext cx="534022" cy="534022"/>
+            </a:xfrm>
+            <a:prstGeom prst="rect">
+              <a:avLst/>
+            </a:prstGeom>
+          </p:spPr>
+        </p:pic>
+        <p:pic>
+          <p:nvPicPr>
+            <p:cNvPr id="51" name="Picture 50"/>
+            <p:cNvPicPr>
+              <a:picLocks noChangeAspect="1"/>
+            </p:cNvPicPr>
+            <p:nvPr/>
+          </p:nvPicPr>
+          <p:blipFill>
+            <a:blip r:embed="rId5">
+              <a:extLst>
+                <a:ext uri="{28A0092B-C50C-407E-A947-70E740481C1C}">
+                  <a14:useLocalDpi xmlns:a14="http://schemas.microsoft.com/office/drawing/2010/main" val="0"/>
+                </a:ext>
+              </a:extLst>
+            </a:blip>
+            <a:stretch>
+              <a:fillRect/>
+            </a:stretch>
+          </p:blipFill>
+          <p:spPr>
+            <a:xfrm>
+              <a:off x="3097476" y="3048001"/>
+              <a:ext cx="534022" cy="534022"/>
+            </a:xfrm>
+            <a:prstGeom prst="rect">
+              <a:avLst/>
+            </a:prstGeom>
+          </p:spPr>
+        </p:pic>
+        <p:pic>
+          <p:nvPicPr>
+            <p:cNvPr id="52" name="Picture 51"/>
+            <p:cNvPicPr>
+              <a:picLocks noChangeAspect="1"/>
+            </p:cNvPicPr>
+            <p:nvPr/>
+          </p:nvPicPr>
+          <p:blipFill>
+            <a:blip r:embed="rId5">
+              <a:extLst>
+                <a:ext uri="{28A0092B-C50C-407E-A947-70E740481C1C}">
+                  <a14:useLocalDpi xmlns:a14="http://schemas.microsoft.com/office/drawing/2010/main" val="0"/>
+                </a:ext>
+              </a:extLst>
+            </a:blip>
+            <a:stretch>
+              <a:fillRect/>
+            </a:stretch>
+          </p:blipFill>
+          <p:spPr>
+            <a:xfrm>
+              <a:off x="2662436" y="2882955"/>
+              <a:ext cx="534022" cy="534022"/>
+            </a:xfrm>
+            <a:prstGeom prst="rect">
+              <a:avLst/>
+            </a:prstGeom>
+          </p:spPr>
+        </p:pic>
+        <p:pic>
+          <p:nvPicPr>
+            <p:cNvPr id="53" name="Picture 52"/>
+            <p:cNvPicPr>
+              <a:picLocks noChangeAspect="1"/>
+            </p:cNvPicPr>
+            <p:nvPr/>
+          </p:nvPicPr>
+          <p:blipFill>
+            <a:blip r:embed="rId4">
+              <a:extLst>
+                <a:ext uri="{28A0092B-C50C-407E-A947-70E740481C1C}">
+                  <a14:useLocalDpi xmlns:a14="http://schemas.microsoft.com/office/drawing/2010/main" val="0"/>
+                </a:ext>
+              </a:extLst>
+            </a:blip>
+            <a:stretch>
+              <a:fillRect/>
+            </a:stretch>
+          </p:blipFill>
+          <p:spPr>
+            <a:xfrm>
+              <a:off x="4593347" y="2961015"/>
+              <a:ext cx="534022" cy="534022"/>
+            </a:xfrm>
+            <a:prstGeom prst="rect">
+              <a:avLst/>
+            </a:prstGeom>
+          </p:spPr>
+        </p:pic>
+        <p:pic>
+          <p:nvPicPr>
+            <p:cNvPr id="54" name="Picture 53"/>
+            <p:cNvPicPr>
+              <a:picLocks noChangeAspect="1"/>
+            </p:cNvPicPr>
+            <p:nvPr/>
+          </p:nvPicPr>
+          <p:blipFill>
+            <a:blip r:embed="rId4">
+              <a:extLst>
+                <a:ext uri="{28A0092B-C50C-407E-A947-70E740481C1C}">
+                  <a14:useLocalDpi xmlns:a14="http://schemas.microsoft.com/office/drawing/2010/main" val="0"/>
+                </a:ext>
+              </a:extLst>
+            </a:blip>
+            <a:stretch>
+              <a:fillRect/>
+            </a:stretch>
+          </p:blipFill>
+          <p:spPr>
+            <a:xfrm>
+              <a:off x="3815174" y="3697443"/>
+              <a:ext cx="534022" cy="534022"/>
+            </a:xfrm>
+            <a:prstGeom prst="rect">
+              <a:avLst/>
+            </a:prstGeom>
+          </p:spPr>
+        </p:pic>
+        <p:pic>
+          <p:nvPicPr>
+            <p:cNvPr id="55" name="Picture 54"/>
+            <p:cNvPicPr>
+              <a:picLocks noChangeAspect="1"/>
+            </p:cNvPicPr>
+            <p:nvPr/>
+          </p:nvPicPr>
+          <p:blipFill>
+            <a:blip r:embed="rId5">
+              <a:extLst>
+                <a:ext uri="{28A0092B-C50C-407E-A947-70E740481C1C}">
+                  <a14:useLocalDpi xmlns:a14="http://schemas.microsoft.com/office/drawing/2010/main" val="0"/>
+                </a:ext>
+              </a:extLst>
+            </a:blip>
+            <a:stretch>
+              <a:fillRect/>
+            </a:stretch>
+          </p:blipFill>
+          <p:spPr>
+            <a:xfrm>
+              <a:off x="4479203" y="3429000"/>
+              <a:ext cx="534022" cy="534022"/>
+            </a:xfrm>
+            <a:prstGeom prst="rect">
+              <a:avLst/>
+            </a:prstGeom>
+          </p:spPr>
+        </p:pic>
+        <p:pic>
+          <p:nvPicPr>
+            <p:cNvPr id="56" name="Picture 55"/>
+            <p:cNvPicPr>
+              <a:picLocks noChangeAspect="1"/>
+            </p:cNvPicPr>
+            <p:nvPr/>
+          </p:nvPicPr>
+          <p:blipFill>
+            <a:blip r:embed="rId5">
+              <a:extLst>
+                <a:ext uri="{28A0092B-C50C-407E-A947-70E740481C1C}">
+                  <a14:useLocalDpi xmlns:a14="http://schemas.microsoft.com/office/drawing/2010/main" val="0"/>
+                </a:ext>
+              </a:extLst>
+            </a:blip>
+            <a:stretch>
+              <a:fillRect/>
+            </a:stretch>
+          </p:blipFill>
+          <p:spPr>
+            <a:xfrm>
+              <a:off x="4348885" y="2793006"/>
+              <a:ext cx="534022" cy="534022"/>
+            </a:xfrm>
+            <a:prstGeom prst="rect">
+              <a:avLst/>
+            </a:prstGeom>
+          </p:spPr>
+        </p:pic>
+        <p:pic>
+          <p:nvPicPr>
+            <p:cNvPr id="57" name="Picture 56"/>
+            <p:cNvPicPr>
+              <a:picLocks noChangeAspect="1"/>
+            </p:cNvPicPr>
+            <p:nvPr/>
+          </p:nvPicPr>
+          <p:blipFill>
+            <a:blip r:embed="rId4">
+              <a:extLst>
+                <a:ext uri="{28A0092B-C50C-407E-A947-70E740481C1C}">
+                  <a14:useLocalDpi xmlns:a14="http://schemas.microsoft.com/office/drawing/2010/main" val="0"/>
+                </a:ext>
+              </a:extLst>
+            </a:blip>
+            <a:stretch>
+              <a:fillRect/>
+            </a:stretch>
+          </p:blipFill>
+          <p:spPr>
+            <a:xfrm>
+              <a:off x="3834419" y="2785096"/>
+              <a:ext cx="534022" cy="534022"/>
+            </a:xfrm>
+            <a:prstGeom prst="rect">
+              <a:avLst/>
+            </a:prstGeom>
+          </p:spPr>
+        </p:pic>
+        <p:pic>
+          <p:nvPicPr>
+            <p:cNvPr id="58" name="Picture 57"/>
+            <p:cNvPicPr>
+              <a:picLocks noChangeAspect="1"/>
+            </p:cNvPicPr>
+            <p:nvPr/>
+          </p:nvPicPr>
+          <p:blipFill>
+            <a:blip r:embed="rId5">
+              <a:extLst>
+                <a:ext uri="{28A0092B-C50C-407E-A947-70E740481C1C}">
+                  <a14:useLocalDpi xmlns:a14="http://schemas.microsoft.com/office/drawing/2010/main" val="0"/>
+                </a:ext>
+              </a:extLst>
+            </a:blip>
+            <a:stretch>
+              <a:fillRect/>
+            </a:stretch>
+          </p:blipFill>
+          <p:spPr>
+            <a:xfrm>
+              <a:off x="3917773" y="3219346"/>
+              <a:ext cx="534022" cy="534022"/>
+            </a:xfrm>
+            <a:prstGeom prst="rect">
+              <a:avLst/>
+            </a:prstGeom>
+          </p:spPr>
+        </p:pic>
+        <p:pic>
+          <p:nvPicPr>
+            <p:cNvPr id="59" name="Picture 58"/>
+            <p:cNvPicPr>
+              <a:picLocks noChangeAspect="1"/>
+            </p:cNvPicPr>
+            <p:nvPr/>
+          </p:nvPicPr>
+          <p:blipFill>
+            <a:blip r:embed="rId5">
+              <a:extLst>
+                <a:ext uri="{28A0092B-C50C-407E-A947-70E740481C1C}">
+                  <a14:useLocalDpi xmlns:a14="http://schemas.microsoft.com/office/drawing/2010/main" val="0"/>
+                </a:ext>
+              </a:extLst>
+            </a:blip>
+            <a:stretch>
+              <a:fillRect/>
+            </a:stretch>
+          </p:blipFill>
+          <p:spPr>
+            <a:xfrm>
+              <a:off x="3482733" y="3054300"/>
+              <a:ext cx="534022" cy="534022"/>
+            </a:xfrm>
+            <a:prstGeom prst="rect">
+              <a:avLst/>
+            </a:prstGeom>
+          </p:spPr>
+        </p:pic>
+      </p:grpSp>
+      <p:pic>
+        <p:nvPicPr>
+          <p:cNvPr id="60" name="Picture 59"/>
+          <p:cNvPicPr>
+            <a:picLocks noChangeAspect="1"/>
+          </p:cNvPicPr>
+          <p:nvPr/>
+        </p:nvPicPr>
+        <p:blipFill rotWithShape="1">
+          <a:blip r:embed="rId3"/>
+          <a:srcRect r="46881"/>
+          <a:stretch/>
+        </p:blipFill>
+        <p:spPr>
+          <a:xfrm>
+            <a:off x="6126531" y="1569076"/>
+            <a:ext cx="5585749" cy="5324778"/>
+          </a:xfrm>
+          <a:prstGeom prst="rect">
+            <a:avLst/>
+          </a:prstGeom>
+        </p:spPr>
+      </p:pic>
+      <p:pic>
+        <p:nvPicPr>
+          <p:cNvPr id="25" name="Picture 24"/>
+          <p:cNvPicPr>
+            <a:picLocks noChangeAspect="1"/>
+          </p:cNvPicPr>
+          <p:nvPr/>
+        </p:nvPicPr>
+        <p:blipFill>
+          <a:blip r:embed="rId4">
+            <a:extLst>
+              <a:ext uri="{28A0092B-C50C-407E-A947-70E740481C1C}">
+                <a14:useLocalDpi xmlns:a14="http://schemas.microsoft.com/office/drawing/2010/main" val="0"/>
+              </a:ext>
+            </a:extLst>
+          </a:blip>
+          <a:stretch>
+            <a:fillRect/>
+          </a:stretch>
+        </p:blipFill>
+        <p:spPr>
+          <a:xfrm>
+            <a:off x="8652394" y="3185288"/>
+            <a:ext cx="534022" cy="534022"/>
+          </a:xfrm>
+          <a:prstGeom prst="rect">
+            <a:avLst/>
+          </a:prstGeom>
+        </p:spPr>
+      </p:pic>
+      <p:sp>
+        <p:nvSpPr>
+          <p:cNvPr id="61" name="TextBox 60"/>
+          <p:cNvSpPr txBox="1"/>
+          <p:nvPr/>
+        </p:nvSpPr>
+        <p:spPr>
+          <a:xfrm>
+            <a:off x="2624897" y="5286267"/>
+            <a:ext cx="1584380" cy="461665"/>
+          </a:xfrm>
+          <a:prstGeom prst="rect">
+            <a:avLst/>
+          </a:prstGeom>
+          <a:noFill/>
+        </p:spPr>
+        <p:txBody>
+          <a:bodyPr wrap="square" rtlCol="0">
+            <a:spAutoFit/>
+          </a:bodyPr>
+          <a:lstStyle/>
+          <a:p>
+            <a:r>
+              <a:rPr lang="en-US" sz="2400" dirty="0" smtClean="0"/>
+              <a:t>BEFORE</a:t>
+            </a:r>
+            <a:endParaRPr lang="en-US" sz="2400" dirty="0"/>
+          </a:p>
+        </p:txBody>
+      </p:sp>
+      <p:sp>
+        <p:nvSpPr>
+          <p:cNvPr id="62" name="TextBox 61"/>
+          <p:cNvSpPr txBox="1"/>
+          <p:nvPr/>
+        </p:nvSpPr>
+        <p:spPr>
+          <a:xfrm>
+            <a:off x="8011903" y="4898668"/>
+            <a:ext cx="1584380" cy="461665"/>
+          </a:xfrm>
+          <a:prstGeom prst="rect">
+            <a:avLst/>
+          </a:prstGeom>
+          <a:noFill/>
+        </p:spPr>
+        <p:txBody>
+          <a:bodyPr wrap="square" rtlCol="0">
+            <a:spAutoFit/>
+          </a:bodyPr>
+          <a:lstStyle/>
+          <a:p>
+            <a:r>
+              <a:rPr lang="en-US" sz="2400" dirty="0" smtClean="0"/>
+              <a:t>AFTER</a:t>
+            </a:r>
+            <a:endParaRPr lang="en-US" sz="2400" dirty="0"/>
+          </a:p>
+        </p:txBody>
+      </p:sp>
+    </p:spTree>
+    <p:extLst>
+      <p:ext uri="{BB962C8B-B14F-4D97-AF65-F5344CB8AC3E}">
+        <p14:creationId xmlns:p14="http://schemas.microsoft.com/office/powerpoint/2010/main" val="1779067121"/>
+      </p:ext>
+    </p:extLst>
+  </p:cSld>
+  <p:clrMapOvr>
+    <a:masterClrMapping/>
+  </p:clrMapOvr>
+  <p:timing>
+    <p:tnLst>
+      <p:par>
+        <p:cTn id="1" dur="indefinite" restart="never" nodeType="tmRoot"/>
+      </p:par>
+    </p:tnLst>
+  </p:timing>
 </p:sld>
 </file>
 
@@ -3412,4 +6669,265 @@
     </a:ext>
   </a:extLst>
 </a:theme>
+</file>
+
+<file path=ppt/theme/theme2.xml><?xml version="1.0" encoding="utf-8"?>
+<a:theme xmlns:a="http://schemas.openxmlformats.org/drawingml/2006/main" name="Office Theme">
+  <a:themeElements>
+    <a:clrScheme name="Office">
+      <a:dk1>
+        <a:sysClr val="windowText" lastClr="000000"/>
+      </a:dk1>
+      <a:lt1>
+        <a:sysClr val="window" lastClr="FFFFFF"/>
+      </a:lt1>
+      <a:dk2>
+        <a:srgbClr val="44546A"/>
+      </a:dk2>
+      <a:lt2>
+        <a:srgbClr val="E7E6E6"/>
+      </a:lt2>
+      <a:accent1>
+        <a:srgbClr val="5B9BD5"/>
+      </a:accent1>
+      <a:accent2>
+        <a:srgbClr val="ED7D31"/>
+      </a:accent2>
+      <a:accent3>
+        <a:srgbClr val="A5A5A5"/>
+      </a:accent3>
+      <a:accent4>
+        <a:srgbClr val="FFC000"/>
+      </a:accent4>
+      <a:accent5>
+        <a:srgbClr val="4472C4"/>
+      </a:accent5>
+      <a:accent6>
+        <a:srgbClr val="70AD47"/>
+      </a:accent6>
+      <a:hlink>
+        <a:srgbClr val="0563C1"/>
+      </a:hlink>
+      <a:folHlink>
+        <a:srgbClr val="954F72"/>
+      </a:folHlink>
+    </a:clrScheme>
+    <a:fontScheme name="Office">
+      <a:majorFont>
+        <a:latin typeface="Calibri Light" panose="020F0302020204030204"/>
+        <a:ea typeface=""/>
+        <a:cs typeface=""/>
+        <a:font script="Jpan" typeface="游ゴシック Light"/>
+        <a:font script="Hang" typeface="맑은 고딕"/>
+        <a:font script="Hans" typeface="等线 Light"/>
+        <a:font script="Hant" typeface="新細明體"/>
+        <a:font script="Arab" typeface="Times New Roman"/>
+        <a:font script="Hebr" typeface="Times New Roman"/>
+        <a:font script="Thai" typeface="Angsana New"/>
+        <a:font script="Ethi" typeface="Nyala"/>
+        <a:font script="Beng" typeface="Vrinda"/>
+        <a:font script="Gujr" typeface="Shruti"/>
+        <a:font script="Khmr" typeface="MoolBoran"/>
+        <a:font script="Knda" typeface="Tunga"/>
+        <a:font script="Guru" typeface="Raavi"/>
+        <a:font script="Cans" typeface="Euphemia"/>
+        <a:font script="Cher" typeface="Plantagenet Cherokee"/>
+        <a:font script="Yiii" typeface="Microsoft Yi Baiti"/>
+        <a:font script="Tibt" typeface="Microsoft Himalaya"/>
+        <a:font script="Thaa" typeface="MV Boli"/>
+        <a:font script="Deva" typeface="Mangal"/>
+        <a:font script="Telu" typeface="Gautami"/>
+        <a:font script="Taml" typeface="Latha"/>
+        <a:font script="Syrc" typeface="Estrangelo Edessa"/>
+        <a:font script="Orya" typeface="Kalinga"/>
+        <a:font script="Mlym" typeface="Kartika"/>
+        <a:font script="Laoo" typeface="DokChampa"/>
+        <a:font script="Sinh" typeface="Iskoola Pota"/>
+        <a:font script="Mong" typeface="Mongolian Baiti"/>
+        <a:font script="Viet" typeface="Times New Roman"/>
+        <a:font script="Uigh" typeface="Microsoft Uighur"/>
+        <a:font script="Geor" typeface="Sylfaen"/>
+      </a:majorFont>
+      <a:minorFont>
+        <a:latin typeface="Calibri" panose="020F0502020204030204"/>
+        <a:ea typeface=""/>
+        <a:cs typeface=""/>
+        <a:font script="Jpan" typeface="游ゴシック"/>
+        <a:font script="Hang" typeface="맑은 고딕"/>
+        <a:font script="Hans" typeface="等线"/>
+        <a:font script="Hant" typeface="新細明體"/>
+        <a:font script="Arab" typeface="Arial"/>
+        <a:font script="Hebr" typeface="Arial"/>
+        <a:font script="Thai" typeface="Cordia New"/>
+        <a:font script="Ethi" typeface="Nyala"/>
+        <a:font script="Beng" typeface="Vrinda"/>
+        <a:font script="Gujr" typeface="Shruti"/>
+        <a:font script="Khmr" typeface="DaunPenh"/>
+        <a:font script="Knda" typeface="Tunga"/>
+        <a:font script="Guru" typeface="Raavi"/>
+        <a:font script="Cans" typeface="Euphemia"/>
+        <a:font script="Cher" typeface="Plantagenet Cherokee"/>
+        <a:font script="Yiii" typeface="Microsoft Yi Baiti"/>
+        <a:font script="Tibt" typeface="Microsoft Himalaya"/>
+        <a:font script="Thaa" typeface="MV Boli"/>
+        <a:font script="Deva" typeface="Mangal"/>
+        <a:font script="Telu" typeface="Gautami"/>
+        <a:font script="Taml" typeface="Latha"/>
+        <a:font script="Syrc" typeface="Estrangelo Edessa"/>
+        <a:font script="Orya" typeface="Kalinga"/>
+        <a:font script="Mlym" typeface="Kartika"/>
+        <a:font script="Laoo" typeface="DokChampa"/>
+        <a:font script="Sinh" typeface="Iskoola Pota"/>
+        <a:font script="Mong" typeface="Mongolian Baiti"/>
+        <a:font script="Viet" typeface="Arial"/>
+        <a:font script="Uigh" typeface="Microsoft Uighur"/>
+        <a:font script="Geor" typeface="Sylfaen"/>
+      </a:minorFont>
+    </a:fontScheme>
+    <a:fmtScheme name="Office">
+      <a:fillStyleLst>
+        <a:solidFill>
+          <a:schemeClr val="phClr"/>
+        </a:solidFill>
+        <a:gradFill rotWithShape="1">
+          <a:gsLst>
+            <a:gs pos="0">
+              <a:schemeClr val="phClr">
+                <a:lumMod val="110000"/>
+                <a:satMod val="105000"/>
+                <a:tint val="67000"/>
+              </a:schemeClr>
+            </a:gs>
+            <a:gs pos="50000">
+              <a:schemeClr val="phClr">
+                <a:lumMod val="105000"/>
+                <a:satMod val="103000"/>
+                <a:tint val="73000"/>
+              </a:schemeClr>
+            </a:gs>
+            <a:gs pos="100000">
+              <a:schemeClr val="phClr">
+                <a:lumMod val="105000"/>
+                <a:satMod val="109000"/>
+                <a:tint val="81000"/>
+              </a:schemeClr>
+            </a:gs>
+          </a:gsLst>
+          <a:lin ang="5400000" scaled="0"/>
+        </a:gradFill>
+        <a:gradFill rotWithShape="1">
+          <a:gsLst>
+            <a:gs pos="0">
+              <a:schemeClr val="phClr">
+                <a:satMod val="103000"/>
+                <a:lumMod val="102000"/>
+                <a:tint val="94000"/>
+              </a:schemeClr>
+            </a:gs>
+            <a:gs pos="50000">
+              <a:schemeClr val="phClr">
+                <a:satMod val="110000"/>
+                <a:lumMod val="100000"/>
+                <a:shade val="100000"/>
+              </a:schemeClr>
+            </a:gs>
+            <a:gs pos="100000">
+              <a:schemeClr val="phClr">
+                <a:lumMod val="99000"/>
+                <a:satMod val="120000"/>
+                <a:shade val="78000"/>
+              </a:schemeClr>
+            </a:gs>
+          </a:gsLst>
+          <a:lin ang="5400000" scaled="0"/>
+        </a:gradFill>
+      </a:fillStyleLst>
+      <a:lnStyleLst>
+        <a:ln w="6350" cap="flat" cmpd="sng" algn="ctr">
+          <a:solidFill>
+            <a:schemeClr val="phClr"/>
+          </a:solidFill>
+          <a:prstDash val="solid"/>
+          <a:miter lim="800000"/>
+        </a:ln>
+        <a:ln w="12700" cap="flat" cmpd="sng" algn="ctr">
+          <a:solidFill>
+            <a:schemeClr val="phClr"/>
+          </a:solidFill>
+          <a:prstDash val="solid"/>
+          <a:miter lim="800000"/>
+        </a:ln>
+        <a:ln w="19050" cap="flat" cmpd="sng" algn="ctr">
+          <a:solidFill>
+            <a:schemeClr val="phClr"/>
+          </a:solidFill>
+          <a:prstDash val="solid"/>
+          <a:miter lim="800000"/>
+        </a:ln>
+      </a:lnStyleLst>
+      <a:effectStyleLst>
+        <a:effectStyle>
+          <a:effectLst/>
+        </a:effectStyle>
+        <a:effectStyle>
+          <a:effectLst/>
+        </a:effectStyle>
+        <a:effectStyle>
+          <a:effectLst>
+            <a:outerShdw blurRad="57150" dist="19050" dir="5400000" algn="ctr" rotWithShape="0">
+              <a:srgbClr val="000000">
+                <a:alpha val="63000"/>
+              </a:srgbClr>
+            </a:outerShdw>
+          </a:effectLst>
+        </a:effectStyle>
+      </a:effectStyleLst>
+      <a:bgFillStyleLst>
+        <a:solidFill>
+          <a:schemeClr val="phClr"/>
+        </a:solidFill>
+        <a:solidFill>
+          <a:schemeClr val="phClr">
+            <a:tint val="95000"/>
+            <a:satMod val="170000"/>
+          </a:schemeClr>
+        </a:solidFill>
+        <a:gradFill rotWithShape="1">
+          <a:gsLst>
+            <a:gs pos="0">
+              <a:schemeClr val="phClr">
+                <a:tint val="93000"/>
+                <a:satMod val="150000"/>
+                <a:shade val="98000"/>
+                <a:lumMod val="102000"/>
+              </a:schemeClr>
+            </a:gs>
+            <a:gs pos="50000">
+              <a:schemeClr val="phClr">
+                <a:tint val="98000"/>
+                <a:satMod val="130000"/>
+                <a:shade val="90000"/>
+                <a:lumMod val="103000"/>
+              </a:schemeClr>
+            </a:gs>
+            <a:gs pos="100000">
+              <a:schemeClr val="phClr">
+                <a:shade val="63000"/>
+                <a:satMod val="120000"/>
+              </a:schemeClr>
+            </a:gs>
+          </a:gsLst>
+          <a:lin ang="5400000" scaled="0"/>
+        </a:gradFill>
+      </a:bgFillStyleLst>
+    </a:fmtScheme>
+  </a:themeElements>
+  <a:objectDefaults/>
+  <a:extraClrSchemeLst/>
+  <a:extLst>
+    <a:ext uri="{05A4C25C-085E-4340-85A3-A5531E510DB2}">
+      <thm15:themeFamily xmlns:thm15="http://schemas.microsoft.com/office/thememl/2012/main" name="Office Theme" id="{62F939B6-93AF-4DB8-9C6B-D6C7DFDC589F}" vid="{4A3C46E8-61CC-4603-A589-7422A47A8E4A}"/>
+    </a:ext>
+  </a:extLst>
+</a:theme>
 </file>
--- a/Presentation.pptx
+++ b/Presentation.pptx
@@ -216,7 +216,7 @@
           <a:p>
             <a:fld id="{3DC47907-6A46-4095-AAF5-C58E214B7F47}" type="datetimeFigureOut">
               <a:rPr lang="en-US" smtClean="0"/>
-              <a:t>11/14/2019</a:t>
+              <a:t>11/15/2019</a:t>
             </a:fld>
             <a:endParaRPr lang="en-US"/>
           </a:p>
@@ -890,7 +890,7 @@
           <a:p>
             <a:fld id="{0533F43A-018E-4957-8DDF-E1823C3A8838}" type="datetimeFigureOut">
               <a:rPr lang="en-US" smtClean="0"/>
-              <a:t>11/14/2019</a:t>
+              <a:t>11/15/2019</a:t>
             </a:fld>
             <a:endParaRPr lang="en-US"/>
           </a:p>
@@ -1060,7 +1060,7 @@
           <a:p>
             <a:fld id="{0533F43A-018E-4957-8DDF-E1823C3A8838}" type="datetimeFigureOut">
               <a:rPr lang="en-US" smtClean="0"/>
-              <a:t>11/14/2019</a:t>
+              <a:t>11/15/2019</a:t>
             </a:fld>
             <a:endParaRPr lang="en-US"/>
           </a:p>
@@ -1240,7 +1240,7 @@
           <a:p>
             <a:fld id="{0533F43A-018E-4957-8DDF-E1823C3A8838}" type="datetimeFigureOut">
               <a:rPr lang="en-US" smtClean="0"/>
-              <a:t>11/14/2019</a:t>
+              <a:t>11/15/2019</a:t>
             </a:fld>
             <a:endParaRPr lang="en-US"/>
           </a:p>
@@ -1410,7 +1410,7 @@
           <a:p>
             <a:fld id="{0533F43A-018E-4957-8DDF-E1823C3A8838}" type="datetimeFigureOut">
               <a:rPr lang="en-US" smtClean="0"/>
-              <a:t>11/14/2019</a:t>
+              <a:t>11/15/2019</a:t>
             </a:fld>
             <a:endParaRPr lang="en-US"/>
           </a:p>
@@ -1656,7 +1656,7 @@
           <a:p>
             <a:fld id="{0533F43A-018E-4957-8DDF-E1823C3A8838}" type="datetimeFigureOut">
               <a:rPr lang="en-US" smtClean="0"/>
-              <a:t>11/14/2019</a:t>
+              <a:t>11/15/2019</a:t>
             </a:fld>
             <a:endParaRPr lang="en-US"/>
           </a:p>
@@ -1888,7 +1888,7 @@
           <a:p>
             <a:fld id="{0533F43A-018E-4957-8DDF-E1823C3A8838}" type="datetimeFigureOut">
               <a:rPr lang="en-US" smtClean="0"/>
-              <a:t>11/14/2019</a:t>
+              <a:t>11/15/2019</a:t>
             </a:fld>
             <a:endParaRPr lang="en-US"/>
           </a:p>
@@ -2255,7 +2255,7 @@
           <a:p>
             <a:fld id="{0533F43A-018E-4957-8DDF-E1823C3A8838}" type="datetimeFigureOut">
               <a:rPr lang="en-US" smtClean="0"/>
-              <a:t>11/14/2019</a:t>
+              <a:t>11/15/2019</a:t>
             </a:fld>
             <a:endParaRPr lang="en-US"/>
           </a:p>
@@ -2373,7 +2373,7 @@
           <a:p>
             <a:fld id="{0533F43A-018E-4957-8DDF-E1823C3A8838}" type="datetimeFigureOut">
               <a:rPr lang="en-US" smtClean="0"/>
-              <a:t>11/14/2019</a:t>
+              <a:t>11/15/2019</a:t>
             </a:fld>
             <a:endParaRPr lang="en-US"/>
           </a:p>
@@ -2468,7 +2468,7 @@
           <a:p>
             <a:fld id="{0533F43A-018E-4957-8DDF-E1823C3A8838}" type="datetimeFigureOut">
               <a:rPr lang="en-US" smtClean="0"/>
-              <a:t>11/14/2019</a:t>
+              <a:t>11/15/2019</a:t>
             </a:fld>
             <a:endParaRPr lang="en-US"/>
           </a:p>
@@ -2745,7 +2745,7 @@
           <a:p>
             <a:fld id="{0533F43A-018E-4957-8DDF-E1823C3A8838}" type="datetimeFigureOut">
               <a:rPr lang="en-US" smtClean="0"/>
-              <a:t>11/14/2019</a:t>
+              <a:t>11/15/2019</a:t>
             </a:fld>
             <a:endParaRPr lang="en-US"/>
           </a:p>
@@ -2998,7 +2998,7 @@
           <a:p>
             <a:fld id="{0533F43A-018E-4957-8DDF-E1823C3A8838}" type="datetimeFigureOut">
               <a:rPr lang="en-US" smtClean="0"/>
-              <a:t>11/14/2019</a:t>
+              <a:t>11/15/2019</a:t>
             </a:fld>
             <a:endParaRPr lang="en-US"/>
           </a:p>
@@ -3211,7 +3211,7 @@
           <a:p>
             <a:fld id="{0533F43A-018E-4957-8DDF-E1823C3A8838}" type="datetimeFigureOut">
               <a:rPr lang="en-US" smtClean="0"/>
-              <a:t>11/14/2019</a:t>
+              <a:t>11/15/2019</a:t>
             </a:fld>
             <a:endParaRPr lang="en-US"/>
           </a:p>
@@ -4409,7 +4409,7 @@
                 </a:solidFill>
                 <a:latin typeface="Agency FB" panose="020B0503020202020204" pitchFamily="34" charset="0"/>
               </a:rPr>
-              <a:t>Mobs</a:t>
+              <a:t>Mobs </a:t>
             </a:r>
             <a:endParaRPr lang="en-US" dirty="0"/>
           </a:p>
@@ -4417,7 +4417,7 @@
       </p:sp>
       <p:pic>
         <p:nvPicPr>
-          <p:cNvPr id="4" name="Picture 3"/>
+          <p:cNvPr id="5" name="Picture 4"/>
           <p:cNvPicPr>
             <a:picLocks noChangeAspect="1"/>
           </p:cNvPicPr>
@@ -4437,7 +4437,7 @@
         </p:blipFill>
         <p:spPr>
           <a:xfrm>
-            <a:off x="5098375" y="-295743"/>
+            <a:off x="4021028" y="3508768"/>
             <a:ext cx="3074020" cy="3074020"/>
           </a:xfrm>
           <a:prstGeom prst="rect">
@@ -4447,28 +4447,22 @@
       </p:pic>
       <p:pic>
         <p:nvPicPr>
-          <p:cNvPr id="5" name="Picture 4"/>
+          <p:cNvPr id="3" name="Picture 2"/>
           <p:cNvPicPr>
             <a:picLocks noChangeAspect="1"/>
           </p:cNvPicPr>
           <p:nvPr/>
         </p:nvPicPr>
         <p:blipFill>
-          <a:blip r:embed="rId3">
-            <a:extLst>
-              <a:ext uri="{28A0092B-C50C-407E-A947-70E740481C1C}">
-                <a14:useLocalDpi xmlns:a14="http://schemas.microsoft.com/office/drawing/2010/main" val="0"/>
-              </a:ext>
-            </a:extLst>
-          </a:blip>
+          <a:blip r:embed="rId3"/>
           <a:stretch>
             <a:fillRect/>
           </a:stretch>
         </p:blipFill>
         <p:spPr>
           <a:xfrm>
-            <a:off x="4030358" y="3284833"/>
-            <a:ext cx="3074020" cy="3074020"/>
+            <a:off x="284585" y="3657710"/>
+            <a:ext cx="2939559" cy="2925078"/>
           </a:xfrm>
           <a:prstGeom prst="rect">
             <a:avLst/>
@@ -4477,28 +4471,22 @@
       </p:pic>
       <p:pic>
         <p:nvPicPr>
-          <p:cNvPr id="6" name="Picture 5"/>
+          <p:cNvPr id="9" name="Picture 8"/>
           <p:cNvPicPr>
             <a:picLocks noChangeAspect="1"/>
           </p:cNvPicPr>
           <p:nvPr/>
         </p:nvPicPr>
         <p:blipFill>
-          <a:blip r:embed="rId4">
-            <a:extLst>
-              <a:ext uri="{28A0092B-C50C-407E-A947-70E740481C1C}">
-                <a14:useLocalDpi xmlns:a14="http://schemas.microsoft.com/office/drawing/2010/main" val="0"/>
-              </a:ext>
-            </a:extLst>
-          </a:blip>
+          <a:blip r:embed="rId4"/>
           <a:stretch>
             <a:fillRect/>
           </a:stretch>
         </p:blipFill>
         <p:spPr>
           <a:xfrm>
-            <a:off x="838200" y="3284833"/>
-            <a:ext cx="3074020" cy="3074020"/>
+            <a:off x="8862420" y="4062905"/>
+            <a:ext cx="2807066" cy="2291173"/>
           </a:xfrm>
           <a:prstGeom prst="rect">
             <a:avLst/>
@@ -4507,28 +4495,22 @@
       </p:pic>
       <p:pic>
         <p:nvPicPr>
-          <p:cNvPr id="7" name="Picture 6"/>
+          <p:cNvPr id="10" name="Picture 9"/>
           <p:cNvPicPr>
             <a:picLocks noChangeAspect="1"/>
           </p:cNvPicPr>
           <p:nvPr/>
         </p:nvPicPr>
         <p:blipFill>
-          <a:blip r:embed="rId5">
-            <a:extLst>
-              <a:ext uri="{28A0092B-C50C-407E-A947-70E740481C1C}">
-                <a14:useLocalDpi xmlns:a14="http://schemas.microsoft.com/office/drawing/2010/main" val="0"/>
-              </a:ext>
-            </a:extLst>
-          </a:blip>
+          <a:blip r:embed="rId5"/>
           <a:stretch>
             <a:fillRect/>
           </a:stretch>
         </p:blipFill>
         <p:spPr>
           <a:xfrm>
-            <a:off x="9240412" y="4629717"/>
-            <a:ext cx="2113388" cy="1729136"/>
+            <a:off x="8857880" y="649579"/>
+            <a:ext cx="2811606" cy="2291173"/>
           </a:xfrm>
           <a:prstGeom prst="rect">
             <a:avLst/>
@@ -4537,28 +4519,22 @@
       </p:pic>
       <p:pic>
         <p:nvPicPr>
-          <p:cNvPr id="8" name="Picture 7"/>
+          <p:cNvPr id="11" name="Picture 10"/>
           <p:cNvPicPr>
             <a:picLocks noChangeAspect="1"/>
           </p:cNvPicPr>
           <p:nvPr/>
         </p:nvPicPr>
         <p:blipFill>
-          <a:blip r:embed="rId6">
-            <a:extLst>
-              <a:ext uri="{28A0092B-C50C-407E-A947-70E740481C1C}">
-                <a14:useLocalDpi xmlns:a14="http://schemas.microsoft.com/office/drawing/2010/main" val="0"/>
-              </a:ext>
-            </a:extLst>
-          </a:blip>
+          <a:blip r:embed="rId6"/>
           <a:stretch>
             <a:fillRect/>
           </a:stretch>
         </p:blipFill>
         <p:spPr>
           <a:xfrm>
-            <a:off x="9240412" y="1601408"/>
-            <a:ext cx="2113388" cy="1729136"/>
+            <a:off x="4601685" y="305500"/>
+            <a:ext cx="2988629" cy="2979333"/>
           </a:xfrm>
           <a:prstGeom prst="rect">
             <a:avLst/>
@@ -4602,6 +4578,29 @@
           <a:chExt cx="0" cy="0"/>
         </a:xfrm>
       </p:grpSpPr>
+      <p:pic>
+        <p:nvPicPr>
+          <p:cNvPr id="3" name="Picture 2"/>
+          <p:cNvPicPr>
+            <a:picLocks noChangeAspect="1"/>
+          </p:cNvPicPr>
+          <p:nvPr/>
+        </p:nvPicPr>
+        <p:blipFill rotWithShape="1">
+          <a:blip r:embed="rId2"/>
+          <a:srcRect l="3897" t="15966" r="701" b="1751"/>
+          <a:stretch/>
+        </p:blipFill>
+        <p:spPr>
+          <a:xfrm>
+            <a:off x="2509520" y="584991"/>
+            <a:ext cx="6908800" cy="5921700"/>
+          </a:xfrm>
+          <a:prstGeom prst="rect">
+            <a:avLst/>
+          </a:prstGeom>
+        </p:spPr>
+      </p:pic>
       <p:sp>
         <p:nvSpPr>
           <p:cNvPr id="2" name="Title 1"/>
@@ -4630,36 +4629,6 @@
           </a:p>
         </p:txBody>
       </p:sp>
-      <p:pic>
-        <p:nvPicPr>
-          <p:cNvPr id="4" name="Picture 3"/>
-          <p:cNvPicPr>
-            <a:picLocks noChangeAspect="1"/>
-          </p:cNvPicPr>
-          <p:nvPr/>
-        </p:nvPicPr>
-        <p:blipFill>
-          <a:blip r:embed="rId2">
-            <a:extLst>
-              <a:ext uri="{28A0092B-C50C-407E-A947-70E740481C1C}">
-                <a14:useLocalDpi xmlns:a14="http://schemas.microsoft.com/office/drawing/2010/main" val="0"/>
-              </a:ext>
-            </a:extLst>
-          </a:blip>
-          <a:stretch>
-            <a:fillRect/>
-          </a:stretch>
-        </p:blipFill>
-        <p:spPr>
-          <a:xfrm>
-            <a:off x="1838960" y="-208280"/>
-            <a:ext cx="6766560" cy="6766560"/>
-          </a:xfrm>
-          <a:prstGeom prst="rect">
-            <a:avLst/>
-          </a:prstGeom>
-        </p:spPr>
-      </p:pic>
     </p:spTree>
     <p:extLst>
       <p:ext uri="{BB962C8B-B14F-4D97-AF65-F5344CB8AC3E}">
@@ -4774,8 +4743,192 @@
         </p:blipFill>
         <p:spPr>
           <a:xfrm>
-            <a:off x="0" y="0"/>
+            <a:off x="0" y="1"/>
             <a:ext cx="12192000" cy="6857999"/>
+          </a:xfrm>
+          <a:prstGeom prst="rect">
+            <a:avLst/>
+          </a:prstGeom>
+        </p:spPr>
+      </p:pic>
+      <p:pic>
+        <p:nvPicPr>
+          <p:cNvPr id="24" name="Picture 23"/>
+          <p:cNvPicPr>
+            <a:picLocks noChangeAspect="1"/>
+          </p:cNvPicPr>
+          <p:nvPr/>
+        </p:nvPicPr>
+        <p:blipFill rotWithShape="1">
+          <a:blip r:embed="rId2"/>
+          <a:srcRect l="20500" t="19111" r="73667" b="69926"/>
+          <a:stretch/>
+        </p:blipFill>
+        <p:spPr>
+          <a:xfrm>
+            <a:off x="975360" y="1513840"/>
+            <a:ext cx="711200" cy="751840"/>
+          </a:xfrm>
+          <a:prstGeom prst="rect">
+            <a:avLst/>
+          </a:prstGeom>
+        </p:spPr>
+      </p:pic>
+      <p:pic>
+        <p:nvPicPr>
+          <p:cNvPr id="25" name="Picture 24"/>
+          <p:cNvPicPr>
+            <a:picLocks noChangeAspect="1"/>
+          </p:cNvPicPr>
+          <p:nvPr/>
+        </p:nvPicPr>
+        <p:blipFill rotWithShape="1">
+          <a:blip r:embed="rId2"/>
+          <a:srcRect l="20500" t="19111" r="73667" b="69926"/>
+          <a:stretch/>
+        </p:blipFill>
+        <p:spPr>
+          <a:xfrm flipH="1">
+            <a:off x="6471920" y="762000"/>
+            <a:ext cx="711200" cy="751840"/>
+          </a:xfrm>
+          <a:prstGeom prst="rect">
+            <a:avLst/>
+          </a:prstGeom>
+        </p:spPr>
+      </p:pic>
+      <p:pic>
+        <p:nvPicPr>
+          <p:cNvPr id="26" name="Picture 25"/>
+          <p:cNvPicPr>
+            <a:picLocks noChangeAspect="1"/>
+          </p:cNvPicPr>
+          <p:nvPr/>
+        </p:nvPicPr>
+        <p:blipFill rotWithShape="1">
+          <a:blip r:embed="rId2"/>
+          <a:srcRect l="20500" t="19111" r="73667" b="69926"/>
+          <a:stretch/>
+        </p:blipFill>
+        <p:spPr>
+          <a:xfrm flipH="1">
+            <a:off x="6096000" y="2509520"/>
+            <a:ext cx="711200" cy="751840"/>
+          </a:xfrm>
+          <a:prstGeom prst="rect">
+            <a:avLst/>
+          </a:prstGeom>
+        </p:spPr>
+      </p:pic>
+      <p:pic>
+        <p:nvPicPr>
+          <p:cNvPr id="27" name="Picture 26"/>
+          <p:cNvPicPr>
+            <a:picLocks noChangeAspect="1"/>
+          </p:cNvPicPr>
+          <p:nvPr/>
+        </p:nvPicPr>
+        <p:blipFill rotWithShape="1">
+          <a:blip r:embed="rId2"/>
+          <a:srcRect l="20500" t="19111" r="73667" b="69926"/>
+          <a:stretch/>
+        </p:blipFill>
+        <p:spPr>
+          <a:xfrm flipH="1">
+            <a:off x="8219440" y="4328160"/>
+            <a:ext cx="711200" cy="751840"/>
+          </a:xfrm>
+          <a:prstGeom prst="rect">
+            <a:avLst/>
+          </a:prstGeom>
+        </p:spPr>
+      </p:pic>
+      <p:pic>
+        <p:nvPicPr>
+          <p:cNvPr id="28" name="Picture 27"/>
+          <p:cNvPicPr>
+            <a:picLocks noChangeAspect="1"/>
+          </p:cNvPicPr>
+          <p:nvPr/>
+        </p:nvPicPr>
+        <p:blipFill rotWithShape="1">
+          <a:blip r:embed="rId2"/>
+          <a:srcRect l="20500" t="19111" r="73667" b="69926"/>
+          <a:stretch/>
+        </p:blipFill>
+        <p:spPr>
+          <a:xfrm flipH="1">
+            <a:off x="6827520" y="3429000"/>
+            <a:ext cx="711200" cy="751840"/>
+          </a:xfrm>
+          <a:prstGeom prst="rect">
+            <a:avLst/>
+          </a:prstGeom>
+        </p:spPr>
+      </p:pic>
+      <p:pic>
+        <p:nvPicPr>
+          <p:cNvPr id="29" name="Picture 28"/>
+          <p:cNvPicPr>
+            <a:picLocks noChangeAspect="1"/>
+          </p:cNvPicPr>
+          <p:nvPr/>
+        </p:nvPicPr>
+        <p:blipFill rotWithShape="1">
+          <a:blip r:embed="rId2"/>
+          <a:srcRect l="20500" t="19111" r="73667" b="69926"/>
+          <a:stretch/>
+        </p:blipFill>
+        <p:spPr>
+          <a:xfrm flipH="1">
+            <a:off x="5201920" y="2133600"/>
+            <a:ext cx="711200" cy="751840"/>
+          </a:xfrm>
+          <a:prstGeom prst="rect">
+            <a:avLst/>
+          </a:prstGeom>
+        </p:spPr>
+      </p:pic>
+      <p:pic>
+        <p:nvPicPr>
+          <p:cNvPr id="30" name="Picture 29"/>
+          <p:cNvPicPr>
+            <a:picLocks noChangeAspect="1"/>
+          </p:cNvPicPr>
+          <p:nvPr/>
+        </p:nvPicPr>
+        <p:blipFill rotWithShape="1">
+          <a:blip r:embed="rId2"/>
+          <a:srcRect l="20500" t="19111" r="73667" b="69926"/>
+          <a:stretch/>
+        </p:blipFill>
+        <p:spPr>
+          <a:xfrm flipH="1">
+            <a:off x="9580880" y="589280"/>
+            <a:ext cx="711200" cy="751840"/>
+          </a:xfrm>
+          <a:prstGeom prst="rect">
+            <a:avLst/>
+          </a:prstGeom>
+        </p:spPr>
+      </p:pic>
+      <p:pic>
+        <p:nvPicPr>
+          <p:cNvPr id="31" name="Picture 30"/>
+          <p:cNvPicPr>
+            <a:picLocks noChangeAspect="1"/>
+          </p:cNvPicPr>
+          <p:nvPr/>
+        </p:nvPicPr>
+        <p:blipFill rotWithShape="1">
+          <a:blip r:embed="rId2"/>
+          <a:srcRect l="20500" t="19111" r="73667" b="69926"/>
+          <a:stretch/>
+        </p:blipFill>
+        <p:spPr>
+          <a:xfrm flipH="1">
+            <a:off x="9428480" y="1381760"/>
+            <a:ext cx="711200" cy="751840"/>
           </a:xfrm>
           <a:prstGeom prst="rect">
             <a:avLst/>

--- a/Presentation.pptx
+++ b/Presentation.pptx
@@ -3973,7 +3973,7 @@
                               <p:par>
                                 <p:cTn id="8" presetID="1" presetClass="exit" presetSubtype="0" fill="hold" nodeType="afterEffect">
                                   <p:stCondLst>
-                                    <p:cond delay="250"/>
+                                    <p:cond delay="500"/>
                                   </p:stCondLst>
                                   <p:childTnLst>
                                     <p:set>
@@ -4003,7 +4003,7 @@
                         <p:par>
                           <p:cTn id="10" fill="hold">
                             <p:stCondLst>
-                              <p:cond delay="250"/>
+                              <p:cond delay="500"/>
                             </p:stCondLst>
                             <p:childTnLst>
                               <p:par>
@@ -4039,13 +4039,13 @@
                         <p:par>
                           <p:cTn id="13" fill="hold">
                             <p:stCondLst>
-                              <p:cond delay="250"/>
+                              <p:cond delay="500"/>
                             </p:stCondLst>
                             <p:childTnLst>
                               <p:par>
                                 <p:cTn id="14" presetID="1" presetClass="exit" presetSubtype="0" fill="hold" nodeType="afterEffect">
                                   <p:stCondLst>
-                                    <p:cond delay="250"/>
+                                    <p:cond delay="500"/>
                                   </p:stCondLst>
                                   <p:childTnLst>
                                     <p:set>
@@ -4075,7 +4075,7 @@
                         <p:par>
                           <p:cTn id="16" fill="hold">
                             <p:stCondLst>
-                              <p:cond delay="500"/>
+                              <p:cond delay="1000"/>
                             </p:stCondLst>
                             <p:childTnLst>
                               <p:par>
@@ -4108,7 +4108,7 @@
                               <p:par>
                                 <p:cTn id="19" presetID="1" presetClass="exit" presetSubtype="0" fill="hold" nodeType="withEffect">
                                   <p:stCondLst>
-                                    <p:cond delay="250"/>
+                                    <p:cond delay="500"/>
                                   </p:stCondLst>
                                   <p:childTnLst>
                                     <p:set>
@@ -4138,7 +4138,7 @@
                         <p:par>
                           <p:cTn id="21" fill="hold">
                             <p:stCondLst>
-                              <p:cond delay="750"/>
+                              <p:cond delay="1500"/>
                             </p:stCondLst>
                             <p:childTnLst>
                               <p:par>
@@ -4174,13 +4174,13 @@
                         <p:par>
                           <p:cTn id="24" fill="hold">
                             <p:stCondLst>
-                              <p:cond delay="750"/>
+                              <p:cond delay="1500"/>
                             </p:stCondLst>
                             <p:childTnLst>
                               <p:par>
                                 <p:cTn id="25" presetID="1" presetClass="exit" presetSubtype="0" fill="hold" nodeType="afterEffect">
                                   <p:stCondLst>
-                                    <p:cond delay="250"/>
+                                    <p:cond delay="500"/>
                                   </p:stCondLst>
                                   <p:childTnLst>
                                     <p:set>
@@ -4210,7 +4210,7 @@
                         <p:par>
                           <p:cTn id="27" fill="hold">
                             <p:stCondLst>
-                              <p:cond delay="1010"/>
+                              <p:cond delay="2010"/>
                             </p:stCondLst>
                             <p:childTnLst>
                               <p:par>
@@ -4222,6 +4222,150 @@
                                     <p:set>
                                       <p:cBhvr>
                                         <p:cTn id="29" dur="1" fill="hold">
+                                          <p:stCondLst>
+                                            <p:cond delay="0"/>
+                                          </p:stCondLst>
+                                        </p:cTn>
+                                        <p:tgtEl>
+                                          <p:spTgt spid="6"/>
+                                        </p:tgtEl>
+                                        <p:attrNameLst>
+                                          <p:attrName>style.visibility</p:attrName>
+                                        </p:attrNameLst>
+                                      </p:cBhvr>
+                                      <p:to>
+                                        <p:strVal val="visible"/>
+                                      </p:to>
+                                    </p:set>
+                                  </p:childTnLst>
+                                </p:cTn>
+                              </p:par>
+                            </p:childTnLst>
+                          </p:cTn>
+                        </p:par>
+                        <p:par>
+                          <p:cTn id="30" fill="hold">
+                            <p:stCondLst>
+                              <p:cond delay="2010"/>
+                            </p:stCondLst>
+                            <p:childTnLst>
+                              <p:par>
+                                <p:cTn id="31" presetID="1" presetClass="exit" presetSubtype="0" fill="hold" nodeType="afterEffect">
+                                  <p:stCondLst>
+                                    <p:cond delay="500"/>
+                                  </p:stCondLst>
+                                  <p:childTnLst>
+                                    <p:set>
+                                      <p:cBhvr>
+                                        <p:cTn id="32" dur="1" fill="hold">
+                                          <p:stCondLst>
+                                            <p:cond delay="0"/>
+                                          </p:stCondLst>
+                                        </p:cTn>
+                                        <p:tgtEl>
+                                          <p:spTgt spid="6"/>
+                                        </p:tgtEl>
+                                        <p:attrNameLst>
+                                          <p:attrName>style.visibility</p:attrName>
+                                        </p:attrNameLst>
+                                      </p:cBhvr>
+                                      <p:to>
+                                        <p:strVal val="hidden"/>
+                                      </p:to>
+                                    </p:set>
+                                  </p:childTnLst>
+                                </p:cTn>
+                              </p:par>
+                            </p:childTnLst>
+                          </p:cTn>
+                        </p:par>
+                        <p:par>
+                          <p:cTn id="33" fill="hold">
+                            <p:stCondLst>
+                              <p:cond delay="2510"/>
+                            </p:stCondLst>
+                            <p:childTnLst>
+                              <p:par>
+                                <p:cTn id="34" presetID="1" presetClass="entr" presetSubtype="0" fill="hold" nodeType="afterEffect">
+                                  <p:stCondLst>
+                                    <p:cond delay="0"/>
+                                  </p:stCondLst>
+                                  <p:childTnLst>
+                                    <p:set>
+                                      <p:cBhvr>
+                                        <p:cTn id="35" dur="1" fill="hold">
+                                          <p:stCondLst>
+                                            <p:cond delay="0"/>
+                                          </p:stCondLst>
+                                        </p:cTn>
+                                        <p:tgtEl>
+                                          <p:spTgt spid="7"/>
+                                        </p:tgtEl>
+                                        <p:attrNameLst>
+                                          <p:attrName>style.visibility</p:attrName>
+                                        </p:attrNameLst>
+                                      </p:cBhvr>
+                                      <p:to>
+                                        <p:strVal val="visible"/>
+                                      </p:to>
+                                    </p:set>
+                                  </p:childTnLst>
+                                </p:cTn>
+                              </p:par>
+                            </p:childTnLst>
+                          </p:cTn>
+                        </p:par>
+                        <p:par>
+                          <p:cTn id="36" fill="hold">
+                            <p:stCondLst>
+                              <p:cond delay="2510"/>
+                            </p:stCondLst>
+                            <p:childTnLst>
+                              <p:par>
+                                <p:cTn id="37" presetID="1" presetClass="exit" presetSubtype="0" fill="hold" nodeType="afterEffect">
+                                  <p:stCondLst>
+                                    <p:cond delay="500"/>
+                                  </p:stCondLst>
+                                  <p:childTnLst>
+                                    <p:set>
+                                      <p:cBhvr>
+                                        <p:cTn id="38" dur="1" fill="hold">
+                                          <p:stCondLst>
+                                            <p:cond delay="0"/>
+                                          </p:stCondLst>
+                                        </p:cTn>
+                                        <p:tgtEl>
+                                          <p:spTgt spid="7"/>
+                                        </p:tgtEl>
+                                        <p:attrNameLst>
+                                          <p:attrName>style.visibility</p:attrName>
+                                        </p:attrNameLst>
+                                      </p:cBhvr>
+                                      <p:to>
+                                        <p:strVal val="hidden"/>
+                                      </p:to>
+                                    </p:set>
+                                  </p:childTnLst>
+                                </p:cTn>
+                              </p:par>
+                            </p:childTnLst>
+                          </p:cTn>
+                        </p:par>
+                        <p:par>
+                          <p:cTn id="39" fill="hold">
+                            <p:stCondLst>
+                              <p:cond delay="3010"/>
+                            </p:stCondLst>
+                            <p:childTnLst>
+                              <p:par>
+                                <p:cTn id="40" presetID="1" presetClass="entr" presetSubtype="0" fill="hold" nodeType="afterEffect">
+                                  <p:stCondLst>
+                                    <p:cond delay="0"/>
+                                  </p:stCondLst>
+                                  <p:childTnLst>
+                                    <p:set>
+                                      <p:cBhvr>
+                                        <p:cTn id="41" dur="1" fill="hold">
                                           <p:stCondLst>
                                             <p:cond delay="0"/>
                                           </p:stCondLst>
@@ -4453,16 +4597,15 @@
           </p:cNvPicPr>
           <p:nvPr/>
         </p:nvPicPr>
-        <p:blipFill>
+        <p:blipFill rotWithShape="1">
           <a:blip r:embed="rId3"/>
-          <a:stretch>
-            <a:fillRect/>
-          </a:stretch>
+          <a:srcRect l="1206" t="908" r="808" b="1012"/>
+          <a:stretch/>
         </p:blipFill>
         <p:spPr>
           <a:xfrm>
-            <a:off x="284585" y="3657710"/>
-            <a:ext cx="2939559" cy="2925078"/>
+            <a:off x="320040" y="3684270"/>
+            <a:ext cx="2880360" cy="2868930"/>
           </a:xfrm>
           <a:prstGeom prst="rect">
             <a:avLst/>
@@ -4477,16 +4620,15 @@
           </p:cNvPicPr>
           <p:nvPr/>
         </p:nvPicPr>
-        <p:blipFill>
+        <p:blipFill rotWithShape="1">
           <a:blip r:embed="rId4"/>
-          <a:stretch>
-            <a:fillRect/>
-          </a:stretch>
+          <a:srcRect l="802" t="935" r="1112" b="1287"/>
+          <a:stretch/>
         </p:blipFill>
         <p:spPr>
           <a:xfrm>
-            <a:off x="8862420" y="4062905"/>
-            <a:ext cx="2807066" cy="2291173"/>
+            <a:off x="8884920" y="4084320"/>
+            <a:ext cx="2753360" cy="2240280"/>
           </a:xfrm>
           <a:prstGeom prst="rect">
             <a:avLst/>
@@ -4501,16 +4643,15 @@
           </p:cNvPicPr>
           <p:nvPr/>
         </p:nvPicPr>
-        <p:blipFill>
+        <p:blipFill rotWithShape="1">
           <a:blip r:embed="rId5"/>
-          <a:stretch>
-            <a:fillRect/>
-          </a:stretch>
+          <a:srcRect l="1142" t="1359" r="1291"/>
+          <a:stretch/>
         </p:blipFill>
         <p:spPr>
           <a:xfrm>
-            <a:off x="8857880" y="649579"/>
-            <a:ext cx="2811606" cy="2291173"/>
+            <a:off x="8890000" y="680720"/>
+            <a:ext cx="2743200" cy="2260032"/>
           </a:xfrm>
           <a:prstGeom prst="rect">
             <a:avLst/>

--- a/Presentation.pptx
+++ b/Presentation.pptx
@@ -1,6 +1,6 @@
 
 <file path=ppt/presentation.xml><?xml version="1.0" encoding="utf-8"?>
-<p:presentation xmlns:a="http://schemas.openxmlformats.org/drawingml/2006/main" xmlns:r="http://schemas.openxmlformats.org/officeDocument/2006/relationships" xmlns:p="http://schemas.openxmlformats.org/presentationml/2006/main" saveSubsetFonts="1">
+<p:presentation xmlns:a="http://schemas.openxmlformats.org/drawingml/2006/main" xmlns:r="http://schemas.openxmlformats.org/officeDocument/2006/relationships" xmlns:p="http://schemas.openxmlformats.org/presentationml/2006/main" serverZoom="50214" saveSubsetFonts="1">
   <p:sldMasterIdLst>
     <p:sldMasterId id="2147483648" r:id="rId1"/>
   </p:sldMasterIdLst>
@@ -216,7 +216,7 @@
           <a:p>
             <a:fld id="{3DC47907-6A46-4095-AAF5-C58E214B7F47}" type="datetimeFigureOut">
               <a:rPr lang="en-US" smtClean="0"/>
-              <a:t>11/15/2019</a:t>
+              <a:t>7/25/2020</a:t>
             </a:fld>
             <a:endParaRPr lang="en-US"/>
           </a:p>
@@ -280,38 +280,37 @@
           <a:p>
             <a:pPr lvl="0"/>
             <a:r>
-              <a:rPr lang="en-US" smtClean="0"/>
+              <a:rPr lang="en-US"/>
               <a:t>Edit Master text styles</a:t>
             </a:r>
           </a:p>
           <a:p>
             <a:pPr lvl="1"/>
             <a:r>
-              <a:rPr lang="en-US" smtClean="0"/>
+              <a:rPr lang="en-US"/>
               <a:t>Second level</a:t>
             </a:r>
           </a:p>
           <a:p>
             <a:pPr lvl="2"/>
             <a:r>
-              <a:rPr lang="en-US" smtClean="0"/>
+              <a:rPr lang="en-US"/>
               <a:t>Third level</a:t>
             </a:r>
           </a:p>
           <a:p>
             <a:pPr lvl="3"/>
             <a:r>
-              <a:rPr lang="en-US" smtClean="0"/>
+              <a:rPr lang="en-US"/>
               <a:t>Fourth level</a:t>
             </a:r>
           </a:p>
           <a:p>
             <a:pPr lvl="4"/>
             <a:r>
-              <a:rPr lang="en-US" smtClean="0"/>
+              <a:rPr lang="en-US"/>
               <a:t>Fifth level</a:t>
             </a:r>
-            <a:endParaRPr lang="en-US"/>
           </a:p>
         </p:txBody>
       </p:sp>
@@ -696,30 +695,30 @@
           <a:bodyPr/>
           <a:lstStyle/>
           <a:p>
-            <a:endParaRPr lang="en-US" dirty="0" smtClean="0"/>
-          </a:p>
-          <a:p>
-            <a:r>
-              <a:rPr lang="en-US" dirty="0" smtClean="0"/>
+            <a:endParaRPr lang="en-US" dirty="0"/>
+          </a:p>
+          <a:p>
+            <a:r>
+              <a:rPr lang="en-US" dirty="0"/>
               <a:t>Fixed</a:t>
             </a:r>
             <a:r>
-              <a:rPr lang="en-US" baseline="0" dirty="0" smtClean="0"/>
+              <a:rPr lang="en-US" baseline="0" dirty="0"/>
               <a:t> by:</a:t>
             </a:r>
           </a:p>
           <a:p>
             <a:r>
-              <a:rPr lang="en-US" baseline="0" dirty="0" smtClean="0"/>
+              <a:rPr lang="en-US" baseline="0" dirty="0"/>
               <a:t>Check duplication is set and controlled inside “Multiplier”</a:t>
             </a:r>
           </a:p>
           <a:p>
             <a:r>
-              <a:rPr lang="en-US" baseline="0" dirty="0" smtClean="0"/>
+              <a:rPr lang="en-US" baseline="0" dirty="0"/>
               <a:t>Better design because important Multiplier data is no longer controlled by level</a:t>
             </a:r>
-            <a:endParaRPr lang="en-US" dirty="0" smtClean="0"/>
+            <a:endParaRPr lang="en-US" dirty="0"/>
           </a:p>
         </p:txBody>
       </p:sp>
@@ -801,10 +800,9 @@
           </a:lstStyle>
           <a:p>
             <a:r>
-              <a:rPr lang="en-US" smtClean="0"/>
+              <a:rPr lang="en-US"/>
               <a:t>Click to edit Master title style</a:t>
             </a:r>
-            <a:endParaRPr lang="en-US"/>
           </a:p>
         </p:txBody>
       </p:sp>
@@ -866,10 +864,9 @@
           </a:lstStyle>
           <a:p>
             <a:r>
-              <a:rPr lang="en-US" smtClean="0"/>
+              <a:rPr lang="en-US"/>
               <a:t>Click to edit Master subtitle style</a:t>
             </a:r>
-            <a:endParaRPr lang="en-US"/>
           </a:p>
         </p:txBody>
       </p:sp>
@@ -890,7 +887,7 @@
           <a:p>
             <a:fld id="{0533F43A-018E-4957-8DDF-E1823C3A8838}" type="datetimeFigureOut">
               <a:rPr lang="en-US" smtClean="0"/>
-              <a:t>11/15/2019</a:t>
+              <a:t>7/25/2020</a:t>
             </a:fld>
             <a:endParaRPr lang="en-US"/>
           </a:p>
@@ -984,10 +981,9 @@
           <a:lstStyle/>
           <a:p>
             <a:r>
-              <a:rPr lang="en-US" smtClean="0"/>
+              <a:rPr lang="en-US"/>
               <a:t>Click to edit Master title style</a:t>
             </a:r>
-            <a:endParaRPr lang="en-US"/>
           </a:p>
         </p:txBody>
       </p:sp>
@@ -1008,38 +1004,37 @@
           <a:p>
             <a:pPr lvl="0"/>
             <a:r>
-              <a:rPr lang="en-US" smtClean="0"/>
+              <a:rPr lang="en-US"/>
               <a:t>Edit Master text styles</a:t>
             </a:r>
           </a:p>
           <a:p>
             <a:pPr lvl="1"/>
             <a:r>
-              <a:rPr lang="en-US" smtClean="0"/>
+              <a:rPr lang="en-US"/>
               <a:t>Second level</a:t>
             </a:r>
           </a:p>
           <a:p>
             <a:pPr lvl="2"/>
             <a:r>
-              <a:rPr lang="en-US" smtClean="0"/>
+              <a:rPr lang="en-US"/>
               <a:t>Third level</a:t>
             </a:r>
           </a:p>
           <a:p>
             <a:pPr lvl="3"/>
             <a:r>
-              <a:rPr lang="en-US" smtClean="0"/>
+              <a:rPr lang="en-US"/>
               <a:t>Fourth level</a:t>
             </a:r>
           </a:p>
           <a:p>
             <a:pPr lvl="4"/>
             <a:r>
-              <a:rPr lang="en-US" smtClean="0"/>
+              <a:rPr lang="en-US"/>
               <a:t>Fifth level</a:t>
             </a:r>
-            <a:endParaRPr lang="en-US"/>
           </a:p>
         </p:txBody>
       </p:sp>
@@ -1060,7 +1055,7 @@
           <a:p>
             <a:fld id="{0533F43A-018E-4957-8DDF-E1823C3A8838}" type="datetimeFigureOut">
               <a:rPr lang="en-US" smtClean="0"/>
-              <a:t>11/15/2019</a:t>
+              <a:t>7/25/2020</a:t>
             </a:fld>
             <a:endParaRPr lang="en-US"/>
           </a:p>
@@ -1159,10 +1154,9 @@
           <a:lstStyle/>
           <a:p>
             <a:r>
-              <a:rPr lang="en-US" smtClean="0"/>
+              <a:rPr lang="en-US"/>
               <a:t>Click to edit Master title style</a:t>
             </a:r>
-            <a:endParaRPr lang="en-US"/>
           </a:p>
         </p:txBody>
       </p:sp>
@@ -1188,38 +1182,37 @@
           <a:p>
             <a:pPr lvl="0"/>
             <a:r>
-              <a:rPr lang="en-US" smtClean="0"/>
+              <a:rPr lang="en-US"/>
               <a:t>Edit Master text styles</a:t>
             </a:r>
           </a:p>
           <a:p>
             <a:pPr lvl="1"/>
             <a:r>
-              <a:rPr lang="en-US" smtClean="0"/>
+              <a:rPr lang="en-US"/>
               <a:t>Second level</a:t>
             </a:r>
           </a:p>
           <a:p>
             <a:pPr lvl="2"/>
             <a:r>
-              <a:rPr lang="en-US" smtClean="0"/>
+              <a:rPr lang="en-US"/>
               <a:t>Third level</a:t>
             </a:r>
           </a:p>
           <a:p>
             <a:pPr lvl="3"/>
             <a:r>
-              <a:rPr lang="en-US" smtClean="0"/>
+              <a:rPr lang="en-US"/>
               <a:t>Fourth level</a:t>
             </a:r>
           </a:p>
           <a:p>
             <a:pPr lvl="4"/>
             <a:r>
-              <a:rPr lang="en-US" smtClean="0"/>
+              <a:rPr lang="en-US"/>
               <a:t>Fifth level</a:t>
             </a:r>
-            <a:endParaRPr lang="en-US"/>
           </a:p>
         </p:txBody>
       </p:sp>
@@ -1240,7 +1233,7 @@
           <a:p>
             <a:fld id="{0533F43A-018E-4957-8DDF-E1823C3A8838}" type="datetimeFigureOut">
               <a:rPr lang="en-US" smtClean="0"/>
-              <a:t>11/15/2019</a:t>
+              <a:t>7/25/2020</a:t>
             </a:fld>
             <a:endParaRPr lang="en-US"/>
           </a:p>
@@ -1334,10 +1327,9 @@
           <a:lstStyle/>
           <a:p>
             <a:r>
-              <a:rPr lang="en-US" smtClean="0"/>
+              <a:rPr lang="en-US"/>
               <a:t>Click to edit Master title style</a:t>
             </a:r>
-            <a:endParaRPr lang="en-US"/>
           </a:p>
         </p:txBody>
       </p:sp>
@@ -1358,38 +1350,37 @@
           <a:p>
             <a:pPr lvl="0"/>
             <a:r>
-              <a:rPr lang="en-US" smtClean="0"/>
+              <a:rPr lang="en-US"/>
               <a:t>Edit Master text styles</a:t>
             </a:r>
           </a:p>
           <a:p>
             <a:pPr lvl="1"/>
             <a:r>
-              <a:rPr lang="en-US" smtClean="0"/>
+              <a:rPr lang="en-US"/>
               <a:t>Second level</a:t>
             </a:r>
           </a:p>
           <a:p>
             <a:pPr lvl="2"/>
             <a:r>
-              <a:rPr lang="en-US" smtClean="0"/>
+              <a:rPr lang="en-US"/>
               <a:t>Third level</a:t>
             </a:r>
           </a:p>
           <a:p>
             <a:pPr lvl="3"/>
             <a:r>
-              <a:rPr lang="en-US" smtClean="0"/>
+              <a:rPr lang="en-US"/>
               <a:t>Fourth level</a:t>
             </a:r>
           </a:p>
           <a:p>
             <a:pPr lvl="4"/>
             <a:r>
-              <a:rPr lang="en-US" smtClean="0"/>
+              <a:rPr lang="en-US"/>
               <a:t>Fifth level</a:t>
             </a:r>
-            <a:endParaRPr lang="en-US"/>
           </a:p>
         </p:txBody>
       </p:sp>
@@ -1410,7 +1401,7 @@
           <a:p>
             <a:fld id="{0533F43A-018E-4957-8DDF-E1823C3A8838}" type="datetimeFigureOut">
               <a:rPr lang="en-US" smtClean="0"/>
-              <a:t>11/15/2019</a:t>
+              <a:t>7/25/2020</a:t>
             </a:fld>
             <a:endParaRPr lang="en-US"/>
           </a:p>
@@ -1513,10 +1504,9 @@
           </a:lstStyle>
           <a:p>
             <a:r>
-              <a:rPr lang="en-US" smtClean="0"/>
+              <a:rPr lang="en-US"/>
               <a:t>Click to edit Master title style</a:t>
             </a:r>
-            <a:endParaRPr lang="en-US"/>
           </a:p>
         </p:txBody>
       </p:sp>
@@ -1633,7 +1623,7 @@
           <a:p>
             <a:pPr lvl="0"/>
             <a:r>
-              <a:rPr lang="en-US" smtClean="0"/>
+              <a:rPr lang="en-US"/>
               <a:t>Edit Master text styles</a:t>
             </a:r>
           </a:p>
@@ -1656,7 +1646,7 @@
           <a:p>
             <a:fld id="{0533F43A-018E-4957-8DDF-E1823C3A8838}" type="datetimeFigureOut">
               <a:rPr lang="en-US" smtClean="0"/>
-              <a:t>11/15/2019</a:t>
+              <a:t>7/25/2020</a:t>
             </a:fld>
             <a:endParaRPr lang="en-US"/>
           </a:p>
@@ -1750,10 +1740,9 @@
           <a:lstStyle/>
           <a:p>
             <a:r>
-              <a:rPr lang="en-US" smtClean="0"/>
+              <a:rPr lang="en-US"/>
               <a:t>Click to edit Master title style</a:t>
             </a:r>
-            <a:endParaRPr lang="en-US"/>
           </a:p>
         </p:txBody>
       </p:sp>
@@ -1779,38 +1768,37 @@
           <a:p>
             <a:pPr lvl="0"/>
             <a:r>
-              <a:rPr lang="en-US" smtClean="0"/>
+              <a:rPr lang="en-US"/>
               <a:t>Edit Master text styles</a:t>
             </a:r>
           </a:p>
           <a:p>
             <a:pPr lvl="1"/>
             <a:r>
-              <a:rPr lang="en-US" smtClean="0"/>
+              <a:rPr lang="en-US"/>
               <a:t>Second level</a:t>
             </a:r>
           </a:p>
           <a:p>
             <a:pPr lvl="2"/>
             <a:r>
-              <a:rPr lang="en-US" smtClean="0"/>
+              <a:rPr lang="en-US"/>
               <a:t>Third level</a:t>
             </a:r>
           </a:p>
           <a:p>
             <a:pPr lvl="3"/>
             <a:r>
-              <a:rPr lang="en-US" smtClean="0"/>
+              <a:rPr lang="en-US"/>
               <a:t>Fourth level</a:t>
             </a:r>
           </a:p>
           <a:p>
             <a:pPr lvl="4"/>
             <a:r>
-              <a:rPr lang="en-US" smtClean="0"/>
+              <a:rPr lang="en-US"/>
               <a:t>Fifth level</a:t>
             </a:r>
-            <a:endParaRPr lang="en-US"/>
           </a:p>
         </p:txBody>
       </p:sp>
@@ -1836,38 +1824,37 @@
           <a:p>
             <a:pPr lvl="0"/>
             <a:r>
-              <a:rPr lang="en-US" smtClean="0"/>
+              <a:rPr lang="en-US"/>
               <a:t>Edit Master text styles</a:t>
             </a:r>
           </a:p>
           <a:p>
             <a:pPr lvl="1"/>
             <a:r>
-              <a:rPr lang="en-US" smtClean="0"/>
+              <a:rPr lang="en-US"/>
               <a:t>Second level</a:t>
             </a:r>
           </a:p>
           <a:p>
             <a:pPr lvl="2"/>
             <a:r>
-              <a:rPr lang="en-US" smtClean="0"/>
+              <a:rPr lang="en-US"/>
               <a:t>Third level</a:t>
             </a:r>
           </a:p>
           <a:p>
             <a:pPr lvl="3"/>
             <a:r>
-              <a:rPr lang="en-US" smtClean="0"/>
+              <a:rPr lang="en-US"/>
               <a:t>Fourth level</a:t>
             </a:r>
           </a:p>
           <a:p>
             <a:pPr lvl="4"/>
             <a:r>
-              <a:rPr lang="en-US" smtClean="0"/>
+              <a:rPr lang="en-US"/>
               <a:t>Fifth level</a:t>
             </a:r>
-            <a:endParaRPr lang="en-US"/>
           </a:p>
         </p:txBody>
       </p:sp>
@@ -1888,7 +1875,7 @@
           <a:p>
             <a:fld id="{0533F43A-018E-4957-8DDF-E1823C3A8838}" type="datetimeFigureOut">
               <a:rPr lang="en-US" smtClean="0"/>
-              <a:t>11/15/2019</a:t>
+              <a:t>7/25/2020</a:t>
             </a:fld>
             <a:endParaRPr lang="en-US"/>
           </a:p>
@@ -1987,10 +1974,9 @@
           <a:lstStyle/>
           <a:p>
             <a:r>
-              <a:rPr lang="en-US" smtClean="0"/>
+              <a:rPr lang="en-US"/>
               <a:t>Click to edit Master title style</a:t>
             </a:r>
-            <a:endParaRPr lang="en-US"/>
           </a:p>
         </p:txBody>
       </p:sp>
@@ -2053,7 +2039,7 @@
           <a:p>
             <a:pPr lvl="0"/>
             <a:r>
-              <a:rPr lang="en-US" smtClean="0"/>
+              <a:rPr lang="en-US"/>
               <a:t>Edit Master text styles</a:t>
             </a:r>
           </a:p>
@@ -2081,38 +2067,37 @@
           <a:p>
             <a:pPr lvl="0"/>
             <a:r>
-              <a:rPr lang="en-US" smtClean="0"/>
+              <a:rPr lang="en-US"/>
               <a:t>Edit Master text styles</a:t>
             </a:r>
           </a:p>
           <a:p>
             <a:pPr lvl="1"/>
             <a:r>
-              <a:rPr lang="en-US" smtClean="0"/>
+              <a:rPr lang="en-US"/>
               <a:t>Second level</a:t>
             </a:r>
           </a:p>
           <a:p>
             <a:pPr lvl="2"/>
             <a:r>
-              <a:rPr lang="en-US" smtClean="0"/>
+              <a:rPr lang="en-US"/>
               <a:t>Third level</a:t>
             </a:r>
           </a:p>
           <a:p>
             <a:pPr lvl="3"/>
             <a:r>
-              <a:rPr lang="en-US" smtClean="0"/>
+              <a:rPr lang="en-US"/>
               <a:t>Fourth level</a:t>
             </a:r>
           </a:p>
           <a:p>
             <a:pPr lvl="4"/>
             <a:r>
-              <a:rPr lang="en-US" smtClean="0"/>
+              <a:rPr lang="en-US"/>
               <a:t>Fifth level</a:t>
             </a:r>
-            <a:endParaRPr lang="en-US"/>
           </a:p>
         </p:txBody>
       </p:sp>
@@ -2175,7 +2160,7 @@
           <a:p>
             <a:pPr lvl="0"/>
             <a:r>
-              <a:rPr lang="en-US" smtClean="0"/>
+              <a:rPr lang="en-US"/>
               <a:t>Edit Master text styles</a:t>
             </a:r>
           </a:p>
@@ -2203,38 +2188,37 @@
           <a:p>
             <a:pPr lvl="0"/>
             <a:r>
-              <a:rPr lang="en-US" smtClean="0"/>
+              <a:rPr lang="en-US"/>
               <a:t>Edit Master text styles</a:t>
             </a:r>
           </a:p>
           <a:p>
             <a:pPr lvl="1"/>
             <a:r>
-              <a:rPr lang="en-US" smtClean="0"/>
+              <a:rPr lang="en-US"/>
               <a:t>Second level</a:t>
             </a:r>
           </a:p>
           <a:p>
             <a:pPr lvl="2"/>
             <a:r>
-              <a:rPr lang="en-US" smtClean="0"/>
+              <a:rPr lang="en-US"/>
               <a:t>Third level</a:t>
             </a:r>
           </a:p>
           <a:p>
             <a:pPr lvl="3"/>
             <a:r>
-              <a:rPr lang="en-US" smtClean="0"/>
+              <a:rPr lang="en-US"/>
               <a:t>Fourth level</a:t>
             </a:r>
           </a:p>
           <a:p>
             <a:pPr lvl="4"/>
             <a:r>
-              <a:rPr lang="en-US" smtClean="0"/>
+              <a:rPr lang="en-US"/>
               <a:t>Fifth level</a:t>
             </a:r>
-            <a:endParaRPr lang="en-US"/>
           </a:p>
         </p:txBody>
       </p:sp>
@@ -2255,7 +2239,7 @@
           <a:p>
             <a:fld id="{0533F43A-018E-4957-8DDF-E1823C3A8838}" type="datetimeFigureOut">
               <a:rPr lang="en-US" smtClean="0"/>
-              <a:t>11/15/2019</a:t>
+              <a:t>7/25/2020</a:t>
             </a:fld>
             <a:endParaRPr lang="en-US"/>
           </a:p>
@@ -2349,10 +2333,9 @@
           <a:lstStyle/>
           <a:p>
             <a:r>
-              <a:rPr lang="en-US" smtClean="0"/>
+              <a:rPr lang="en-US"/>
               <a:t>Click to edit Master title style</a:t>
             </a:r>
-            <a:endParaRPr lang="en-US"/>
           </a:p>
         </p:txBody>
       </p:sp>
@@ -2373,7 +2356,7 @@
           <a:p>
             <a:fld id="{0533F43A-018E-4957-8DDF-E1823C3A8838}" type="datetimeFigureOut">
               <a:rPr lang="en-US" smtClean="0"/>
-              <a:t>11/15/2019</a:t>
+              <a:t>7/25/2020</a:t>
             </a:fld>
             <a:endParaRPr lang="en-US"/>
           </a:p>
@@ -2468,7 +2451,7 @@
           <a:p>
             <a:fld id="{0533F43A-018E-4957-8DDF-E1823C3A8838}" type="datetimeFigureOut">
               <a:rPr lang="en-US" smtClean="0"/>
-              <a:t>11/15/2019</a:t>
+              <a:t>7/25/2020</a:t>
             </a:fld>
             <a:endParaRPr lang="en-US"/>
           </a:p>
@@ -2571,10 +2554,9 @@
           </a:lstStyle>
           <a:p>
             <a:r>
-              <a:rPr lang="en-US" smtClean="0"/>
+              <a:rPr lang="en-US"/>
               <a:t>Click to edit Master title style</a:t>
             </a:r>
-            <a:endParaRPr lang="en-US"/>
           </a:p>
         </p:txBody>
       </p:sp>
@@ -2628,38 +2610,37 @@
           <a:p>
             <a:pPr lvl="0"/>
             <a:r>
-              <a:rPr lang="en-US" smtClean="0"/>
+              <a:rPr lang="en-US"/>
               <a:t>Edit Master text styles</a:t>
             </a:r>
           </a:p>
           <a:p>
             <a:pPr lvl="1"/>
             <a:r>
-              <a:rPr lang="en-US" smtClean="0"/>
+              <a:rPr lang="en-US"/>
               <a:t>Second level</a:t>
             </a:r>
           </a:p>
           <a:p>
             <a:pPr lvl="2"/>
             <a:r>
-              <a:rPr lang="en-US" smtClean="0"/>
+              <a:rPr lang="en-US"/>
               <a:t>Third level</a:t>
             </a:r>
           </a:p>
           <a:p>
             <a:pPr lvl="3"/>
             <a:r>
-              <a:rPr lang="en-US" smtClean="0"/>
+              <a:rPr lang="en-US"/>
               <a:t>Fourth level</a:t>
             </a:r>
           </a:p>
           <a:p>
             <a:pPr lvl="4"/>
             <a:r>
-              <a:rPr lang="en-US" smtClean="0"/>
+              <a:rPr lang="en-US"/>
               <a:t>Fifth level</a:t>
             </a:r>
-            <a:endParaRPr lang="en-US"/>
           </a:p>
         </p:txBody>
       </p:sp>
@@ -2722,7 +2703,7 @@
           <a:p>
             <a:pPr lvl="0"/>
             <a:r>
-              <a:rPr lang="en-US" smtClean="0"/>
+              <a:rPr lang="en-US"/>
               <a:t>Edit Master text styles</a:t>
             </a:r>
           </a:p>
@@ -2745,7 +2726,7 @@
           <a:p>
             <a:fld id="{0533F43A-018E-4957-8DDF-E1823C3A8838}" type="datetimeFigureOut">
               <a:rPr lang="en-US" smtClean="0"/>
-              <a:t>11/15/2019</a:t>
+              <a:t>7/25/2020</a:t>
             </a:fld>
             <a:endParaRPr lang="en-US"/>
           </a:p>
@@ -2848,10 +2829,9 @@
           </a:lstStyle>
           <a:p>
             <a:r>
-              <a:rPr lang="en-US" smtClean="0"/>
+              <a:rPr lang="en-US"/>
               <a:t>Click to edit Master title style</a:t>
             </a:r>
-            <a:endParaRPr lang="en-US"/>
           </a:p>
         </p:txBody>
       </p:sp>
@@ -2975,7 +2955,7 @@
           <a:p>
             <a:pPr lvl="0"/>
             <a:r>
-              <a:rPr lang="en-US" smtClean="0"/>
+              <a:rPr lang="en-US"/>
               <a:t>Edit Master text styles</a:t>
             </a:r>
           </a:p>
@@ -2998,7 +2978,7 @@
           <a:p>
             <a:fld id="{0533F43A-018E-4957-8DDF-E1823C3A8838}" type="datetimeFigureOut">
               <a:rPr lang="en-US" smtClean="0"/>
-              <a:t>11/15/2019</a:t>
+              <a:t>7/25/2020</a:t>
             </a:fld>
             <a:endParaRPr lang="en-US"/>
           </a:p>
@@ -3107,10 +3087,9 @@
           <a:lstStyle/>
           <a:p>
             <a:r>
-              <a:rPr lang="en-US" smtClean="0"/>
+              <a:rPr lang="en-US"/>
               <a:t>Click to edit Master title style</a:t>
             </a:r>
-            <a:endParaRPr lang="en-US"/>
           </a:p>
         </p:txBody>
       </p:sp>
@@ -3141,38 +3120,37 @@
           <a:p>
             <a:pPr lvl="0"/>
             <a:r>
-              <a:rPr lang="en-US" smtClean="0"/>
+              <a:rPr lang="en-US"/>
               <a:t>Edit Master text styles</a:t>
             </a:r>
           </a:p>
           <a:p>
             <a:pPr lvl="1"/>
             <a:r>
-              <a:rPr lang="en-US" smtClean="0"/>
+              <a:rPr lang="en-US"/>
               <a:t>Second level</a:t>
             </a:r>
           </a:p>
           <a:p>
             <a:pPr lvl="2"/>
             <a:r>
-              <a:rPr lang="en-US" smtClean="0"/>
+              <a:rPr lang="en-US"/>
               <a:t>Third level</a:t>
             </a:r>
           </a:p>
           <a:p>
             <a:pPr lvl="3"/>
             <a:r>
-              <a:rPr lang="en-US" smtClean="0"/>
+              <a:rPr lang="en-US"/>
               <a:t>Fourth level</a:t>
             </a:r>
           </a:p>
           <a:p>
             <a:pPr lvl="4"/>
             <a:r>
-              <a:rPr lang="en-US" smtClean="0"/>
+              <a:rPr lang="en-US"/>
               <a:t>Fifth level</a:t>
             </a:r>
-            <a:endParaRPr lang="en-US"/>
           </a:p>
         </p:txBody>
       </p:sp>
@@ -3211,7 +3189,7 @@
           <a:p>
             <a:fld id="{0533F43A-018E-4957-8DDF-E1823C3A8838}" type="datetimeFigureOut">
               <a:rPr lang="en-US" smtClean="0"/>
-              <a:t>11/15/2019</a:t>
+              <a:t>7/25/2020</a:t>
             </a:fld>
             <a:endParaRPr lang="en-US"/>
           </a:p>
@@ -3669,14 +3647,11 @@
           <a:lstStyle/>
           <a:p>
             <a:r>
-              <a:rPr lang="en-US" sz="9600" dirty="0" smtClean="0">
+              <a:rPr lang="en-US" sz="9600" dirty="0">
                 <a:latin typeface="Agency FB" panose="020B0503020202020204" pitchFamily="34" charset="0"/>
               </a:rPr>
               <a:t>Jetpack Joust</a:t>
             </a:r>
-            <a:endParaRPr lang="en-US" sz="9600" dirty="0">
-              <a:latin typeface="Agency FB" panose="020B0503020202020204" pitchFamily="34" charset="0"/>
-            </a:endParaRPr>
           </a:p>
         </p:txBody>
       </p:sp>
@@ -3703,7 +3678,7 @@
           <a:lstStyle/>
           <a:p>
             <a:r>
-              <a:rPr lang="en-US" sz="3600" dirty="0" smtClean="0">
+              <a:rPr lang="en-US" sz="3600" dirty="0">
                 <a:latin typeface="Agency FB" panose="020B0503020202020204" pitchFamily="34" charset="0"/>
               </a:rPr>
               <a:t>Kyle Brown</a:t>
@@ -3711,13 +3686,13 @@
           </a:p>
           <a:p>
             <a:r>
-              <a:rPr lang="en-US" sz="3600" dirty="0" smtClean="0">
+              <a:rPr lang="en-US" sz="3600" dirty="0">
                 <a:latin typeface="Agency FB" panose="020B0503020202020204" pitchFamily="34" charset="0"/>
               </a:rPr>
               <a:t>Seth </a:t>
             </a:r>
             <a:r>
-              <a:rPr lang="en-US" sz="3600" dirty="0" err="1" smtClean="0">
+              <a:rPr lang="en-US" sz="3600" dirty="0" err="1">
                 <a:latin typeface="Agency FB" panose="020B0503020202020204" pitchFamily="34" charset="0"/>
               </a:rPr>
               <a:t>Lakstins</a:t>
@@ -3738,13 +3713,6 @@
   <p:clrMapOvr>
     <a:masterClrMapping/>
   </p:clrMapOvr>
-  <p:timing>
-    <p:tnLst>
-      <p:par>
-        <p:cTn id="1" dur="indefinite" restart="never" nodeType="tmRoot"/>
-      </p:par>
-    </p:tnLst>
-  </p:timing>
 </p:sld>
 </file>
 
@@ -3783,14 +3751,11 @@
           <a:lstStyle/>
           <a:p>
             <a:r>
-              <a:rPr lang="en-US" sz="7200" dirty="0" smtClean="0">
+              <a:rPr lang="en-US" sz="7200" dirty="0">
                 <a:latin typeface="Agency FB" panose="020B0503020202020204" pitchFamily="34" charset="0"/>
               </a:rPr>
               <a:t>Animations</a:t>
             </a:r>
-            <a:endParaRPr lang="en-US" sz="7200" dirty="0">
-              <a:latin typeface="Agency FB" panose="020B0503020202020204" pitchFamily="34" charset="0"/>
-            </a:endParaRPr>
           </a:p>
         </p:txBody>
       </p:sp>
@@ -4482,7 +4447,7 @@
           <a:lstStyle/>
           <a:p>
             <a:r>
-              <a:rPr lang="en-US" sz="7200" dirty="0" smtClean="0">
+              <a:rPr lang="en-US" sz="7200" dirty="0">
                 <a:solidFill>
                   <a:prstClr val="black"/>
                 </a:solidFill>
@@ -4504,13 +4469,6 @@
   <p:clrMapOvr>
     <a:masterClrMapping/>
   </p:clrMapOvr>
-  <p:timing>
-    <p:tnLst>
-      <p:par>
-        <p:cTn id="1" dur="indefinite" restart="never" nodeType="tmRoot"/>
-      </p:par>
-    </p:tnLst>
-  </p:timing>
 </p:sld>
 </file>
 
@@ -4547,7 +4505,7 @@
           <a:lstStyle/>
           <a:p>
             <a:r>
-              <a:rPr lang="en-US" sz="7200" dirty="0" smtClean="0">
+              <a:rPr lang="en-US" sz="7200" dirty="0">
                 <a:solidFill>
                   <a:prstClr val="black"/>
                 </a:solidFill>
@@ -4692,13 +4650,6 @@
   <p:clrMapOvr>
     <a:masterClrMapping/>
   </p:clrMapOvr>
-  <p:timing>
-    <p:tnLst>
-      <p:par>
-        <p:cTn id="1" dur="indefinite" restart="never" nodeType="tmRoot"/>
-      </p:par>
-    </p:tnLst>
-  </p:timing>
 </p:sld>
 </file>
 
@@ -4758,7 +4709,7 @@
           <a:lstStyle/>
           <a:p>
             <a:r>
-              <a:rPr lang="en-US" sz="7200" dirty="0" smtClean="0">
+              <a:rPr lang="en-US" sz="7200" dirty="0">
                 <a:solidFill>
                   <a:prstClr val="black"/>
                 </a:solidFill>
@@ -4780,13 +4731,6 @@
   <p:clrMapOvr>
     <a:masterClrMapping/>
   </p:clrMapOvr>
-  <p:timing>
-    <p:tnLst>
-      <p:par>
-        <p:cTn id="1" dur="indefinite" restart="never" nodeType="tmRoot"/>
-      </p:par>
-    </p:tnLst>
-  </p:timing>
 </p:sld>
 </file>
 
@@ -4841,13 +4785,6 @@
   <p:clrMapOvr>
     <a:masterClrMapping/>
   </p:clrMapOvr>
-  <p:timing>
-    <p:tnLst>
-      <p:par>
-        <p:cTn id="1" dur="indefinite" restart="never" nodeType="tmRoot"/>
-      </p:par>
-    </p:tnLst>
-  </p:timing>
 </p:sld>
 </file>
 
@@ -5086,13 +5023,6 @@
   <p:clrMapOvr>
     <a:masterClrMapping/>
   </p:clrMapOvr>
-  <p:timing>
-    <p:tnLst>
-      <p:par>
-        <p:cTn id="1" dur="indefinite" restart="never" nodeType="tmRoot"/>
-      </p:par>
-    </p:tnLst>
-  </p:timing>
 </p:sld>
 </file>
 
@@ -5260,7 +5190,7 @@
           <a:lstStyle/>
           <a:p>
             <a:r>
-              <a:rPr lang="en-US" sz="7200" dirty="0" smtClean="0">
+              <a:rPr lang="en-US" sz="7200" dirty="0">
                 <a:solidFill>
                   <a:prstClr val="black"/>
                 </a:solidFill>
@@ -5291,10 +5221,9 @@
               <a:buNone/>
             </a:pPr>
             <a:r>
-              <a:rPr lang="en-US" dirty="0" smtClean="0"/>
+              <a:rPr lang="en-US" dirty="0"/>
               <a:t> </a:t>
             </a:r>
-            <a:endParaRPr lang="en-US" dirty="0"/>
           </a:p>
         </p:txBody>
       </p:sp>
@@ -5308,13 +5237,6 @@
   <p:clrMapOvr>
     <a:masterClrMapping/>
   </p:clrMapOvr>
-  <p:timing>
-    <p:tnLst>
-      <p:par>
-        <p:cTn id="1" dur="indefinite" restart="never" nodeType="tmRoot"/>
-      </p:par>
-    </p:tnLst>
-  </p:timing>
 </p:sld>
 </file>
 
@@ -5351,7 +5273,7 @@
           <a:lstStyle/>
           <a:p>
             <a:r>
-              <a:rPr lang="en-US" sz="7200" dirty="0" smtClean="0">
+              <a:rPr lang="en-US" sz="7200" dirty="0">
                 <a:solidFill>
                   <a:prstClr val="black"/>
                 </a:solidFill>
@@ -6647,10 +6569,9 @@
           <a:lstStyle/>
           <a:p>
             <a:r>
-              <a:rPr lang="en-US" sz="2400" dirty="0" smtClean="0"/>
+              <a:rPr lang="en-US" sz="2400" dirty="0"/>
               <a:t>BEFORE</a:t>
             </a:r>
-            <a:endParaRPr lang="en-US" sz="2400" dirty="0"/>
           </a:p>
         </p:txBody>
       </p:sp>
@@ -6677,10 +6598,9 @@
           <a:lstStyle/>
           <a:p>
             <a:r>
-              <a:rPr lang="en-US" sz="2400" dirty="0" smtClean="0"/>
+              <a:rPr lang="en-US" sz="2400" dirty="0"/>
               <a:t>AFTER</a:t>
             </a:r>
-            <a:endParaRPr lang="en-US" sz="2400" dirty="0"/>
           </a:p>
         </p:txBody>
       </p:sp>
@@ -6694,13 +6614,6 @@
   <p:clrMapOvr>
     <a:masterClrMapping/>
   </p:clrMapOvr>
-  <p:timing>
-    <p:tnLst>
-      <p:par>
-        <p:cTn id="1" dur="indefinite" restart="never" nodeType="tmRoot"/>
-      </p:par>
-    </p:tnLst>
-  </p:timing>
 </p:sld>
 </file>
 
